--- a/tdd.pptx
+++ b/tdd.pptx
@@ -5,22 +5,24 @@
     <p:sldMasterId id="2147483780" r:id="rId1"/>
   </p:sldMasterIdLst>
   <p:notesMasterIdLst>
-    <p:notesMasterId r:id="rId15"/>
+    <p:notesMasterId r:id="rId17"/>
   </p:notesMasterIdLst>
   <p:sldIdLst>
     <p:sldId id="299" r:id="rId2"/>
-    <p:sldId id="268" r:id="rId3"/>
-    <p:sldId id="316" r:id="rId4"/>
-    <p:sldId id="350" r:id="rId5"/>
-    <p:sldId id="320" r:id="rId6"/>
-    <p:sldId id="295" r:id="rId7"/>
-    <p:sldId id="355" r:id="rId8"/>
-    <p:sldId id="356" r:id="rId9"/>
-    <p:sldId id="357" r:id="rId10"/>
-    <p:sldId id="352" r:id="rId11"/>
-    <p:sldId id="317" r:id="rId12"/>
-    <p:sldId id="321" r:id="rId13"/>
-    <p:sldId id="322" r:id="rId14"/>
+    <p:sldId id="359" r:id="rId3"/>
+    <p:sldId id="360" r:id="rId4"/>
+    <p:sldId id="358" r:id="rId5"/>
+    <p:sldId id="350" r:id="rId6"/>
+    <p:sldId id="320" r:id="rId7"/>
+    <p:sldId id="295" r:id="rId8"/>
+    <p:sldId id="355" r:id="rId9"/>
+    <p:sldId id="356" r:id="rId10"/>
+    <p:sldId id="361" r:id="rId11"/>
+    <p:sldId id="357" r:id="rId12"/>
+    <p:sldId id="352" r:id="rId13"/>
+    <p:sldId id="317" r:id="rId14"/>
+    <p:sldId id="321" r:id="rId15"/>
+    <p:sldId id="322" r:id="rId16"/>
   </p:sldIdLst>
   <p:sldSz cx="9144000" cy="6858000" type="screen4x3"/>
   <p:notesSz cx="6858000" cy="9144000"/>
@@ -152,3046 +154,6 @@
 </p:presentation>
 </file>
 
-<file path=ppt/diagrams/colors1.xml><?xml version="1.0" encoding="utf-8"?>
-<dgm:colorsDef xmlns:dgm="http://schemas.openxmlformats.org/drawingml/2006/diagram" xmlns:a="http://schemas.openxmlformats.org/drawingml/2006/main" uniqueId="urn:microsoft.com/office/officeart/2005/8/colors/accent6_1">
-  <dgm:title val=""/>
-  <dgm:desc val=""/>
-  <dgm:catLst>
-    <dgm:cat type="accent6" pri="11100"/>
-  </dgm:catLst>
-  <dgm:styleLbl name="node0">
-    <dgm:fillClrLst meth="repeat">
-      <a:schemeClr val="lt1"/>
-    </dgm:fillClrLst>
-    <dgm:linClrLst meth="repeat">
-      <a:schemeClr val="accent6">
-        <a:shade val="80000"/>
-      </a:schemeClr>
-    </dgm:linClrLst>
-    <dgm:effectClrLst/>
-    <dgm:txLinClrLst/>
-    <dgm:txFillClrLst meth="repeat">
-      <a:schemeClr val="dk1"/>
-    </dgm:txFillClrLst>
-    <dgm:txEffectClrLst/>
-  </dgm:styleLbl>
-  <dgm:styleLbl name="node1">
-    <dgm:fillClrLst meth="repeat">
-      <a:schemeClr val="lt1"/>
-    </dgm:fillClrLst>
-    <dgm:linClrLst meth="repeat">
-      <a:schemeClr val="accent6">
-        <a:shade val="80000"/>
-      </a:schemeClr>
-    </dgm:linClrLst>
-    <dgm:effectClrLst/>
-    <dgm:txLinClrLst/>
-    <dgm:txFillClrLst meth="repeat">
-      <a:schemeClr val="dk1"/>
-    </dgm:txFillClrLst>
-    <dgm:txEffectClrLst/>
-  </dgm:styleLbl>
-  <dgm:styleLbl name="alignNode1">
-    <dgm:fillClrLst meth="repeat">
-      <a:schemeClr val="lt1"/>
-    </dgm:fillClrLst>
-    <dgm:linClrLst meth="repeat">
-      <a:schemeClr val="accent6">
-        <a:shade val="80000"/>
-      </a:schemeClr>
-    </dgm:linClrLst>
-    <dgm:effectClrLst/>
-    <dgm:txLinClrLst/>
-    <dgm:txFillClrLst meth="repeat">
-      <a:schemeClr val="dk1"/>
-    </dgm:txFillClrLst>
-    <dgm:txEffectClrLst/>
-  </dgm:styleLbl>
-  <dgm:styleLbl name="lnNode1">
-    <dgm:fillClrLst meth="repeat">
-      <a:schemeClr val="lt1"/>
-    </dgm:fillClrLst>
-    <dgm:linClrLst meth="repeat">
-      <a:schemeClr val="accent6">
-        <a:shade val="80000"/>
-      </a:schemeClr>
-    </dgm:linClrLst>
-    <dgm:effectClrLst/>
-    <dgm:txLinClrLst/>
-    <dgm:txFillClrLst meth="repeat">
-      <a:schemeClr val="dk1"/>
-    </dgm:txFillClrLst>
-    <dgm:txEffectClrLst/>
-  </dgm:styleLbl>
-  <dgm:styleLbl name="vennNode1">
-    <dgm:fillClrLst meth="repeat">
-      <a:schemeClr val="lt1">
-        <a:alpha val="50000"/>
-      </a:schemeClr>
-    </dgm:fillClrLst>
-    <dgm:linClrLst meth="repeat">
-      <a:schemeClr val="accent6">
-        <a:shade val="80000"/>
-      </a:schemeClr>
-    </dgm:linClrLst>
-    <dgm:effectClrLst/>
-    <dgm:txLinClrLst/>
-    <dgm:txFillClrLst/>
-    <dgm:txEffectClrLst/>
-  </dgm:styleLbl>
-  <dgm:styleLbl name="node2">
-    <dgm:fillClrLst meth="repeat">
-      <a:schemeClr val="lt1"/>
-    </dgm:fillClrLst>
-    <dgm:linClrLst meth="repeat">
-      <a:schemeClr val="accent6">
-        <a:shade val="80000"/>
-      </a:schemeClr>
-    </dgm:linClrLst>
-    <dgm:effectClrLst/>
-    <dgm:txLinClrLst/>
-    <dgm:txFillClrLst meth="repeat">
-      <a:schemeClr val="dk1"/>
-    </dgm:txFillClrLst>
-    <dgm:txEffectClrLst/>
-  </dgm:styleLbl>
-  <dgm:styleLbl name="node3">
-    <dgm:fillClrLst meth="repeat">
-      <a:schemeClr val="lt1"/>
-    </dgm:fillClrLst>
-    <dgm:linClrLst meth="repeat">
-      <a:schemeClr val="accent6">
-        <a:shade val="80000"/>
-      </a:schemeClr>
-    </dgm:linClrLst>
-    <dgm:effectClrLst/>
-    <dgm:txLinClrLst/>
-    <dgm:txFillClrLst meth="repeat">
-      <a:schemeClr val="dk1"/>
-    </dgm:txFillClrLst>
-    <dgm:txEffectClrLst/>
-  </dgm:styleLbl>
-  <dgm:styleLbl name="node4">
-    <dgm:fillClrLst meth="repeat">
-      <a:schemeClr val="lt1"/>
-    </dgm:fillClrLst>
-    <dgm:linClrLst meth="repeat">
-      <a:schemeClr val="accent6">
-        <a:shade val="80000"/>
-      </a:schemeClr>
-    </dgm:linClrLst>
-    <dgm:effectClrLst/>
-    <dgm:txLinClrLst/>
-    <dgm:txFillClrLst meth="repeat">
-      <a:schemeClr val="dk1"/>
-    </dgm:txFillClrLst>
-    <dgm:txEffectClrLst/>
-  </dgm:styleLbl>
-  <dgm:styleLbl name="fgImgPlace1">
-    <dgm:fillClrLst meth="repeat">
-      <a:schemeClr val="accent6">
-        <a:tint val="40000"/>
-      </a:schemeClr>
-    </dgm:fillClrLst>
-    <dgm:linClrLst meth="repeat">
-      <a:schemeClr val="accent6">
-        <a:shade val="80000"/>
-      </a:schemeClr>
-    </dgm:linClrLst>
-    <dgm:effectClrLst/>
-    <dgm:txLinClrLst/>
-    <dgm:txFillClrLst meth="repeat">
-      <a:schemeClr val="lt1"/>
-    </dgm:txFillClrLst>
-    <dgm:txEffectClrLst/>
-  </dgm:styleLbl>
-  <dgm:styleLbl name="alignImgPlace1">
-    <dgm:fillClrLst meth="repeat">
-      <a:schemeClr val="accent6">
-        <a:tint val="40000"/>
-      </a:schemeClr>
-    </dgm:fillClrLst>
-    <dgm:linClrLst meth="repeat">
-      <a:schemeClr val="accent6">
-        <a:shade val="80000"/>
-      </a:schemeClr>
-    </dgm:linClrLst>
-    <dgm:effectClrLst/>
-    <dgm:txLinClrLst/>
-    <dgm:txFillClrLst meth="repeat">
-      <a:schemeClr val="lt1"/>
-    </dgm:txFillClrLst>
-    <dgm:txEffectClrLst/>
-  </dgm:styleLbl>
-  <dgm:styleLbl name="bgImgPlace1">
-    <dgm:fillClrLst meth="repeat">
-      <a:schemeClr val="accent6">
-        <a:tint val="40000"/>
-      </a:schemeClr>
-    </dgm:fillClrLst>
-    <dgm:linClrLst meth="repeat">
-      <a:schemeClr val="accent6">
-        <a:shade val="80000"/>
-      </a:schemeClr>
-    </dgm:linClrLst>
-    <dgm:effectClrLst/>
-    <dgm:txLinClrLst/>
-    <dgm:txFillClrLst meth="repeat">
-      <a:schemeClr val="lt1"/>
-    </dgm:txFillClrLst>
-    <dgm:txEffectClrLst/>
-  </dgm:styleLbl>
-  <dgm:styleLbl name="sibTrans2D1">
-    <dgm:fillClrLst meth="repeat">
-      <a:schemeClr val="accent6">
-        <a:tint val="60000"/>
-      </a:schemeClr>
-    </dgm:fillClrLst>
-    <dgm:linClrLst meth="repeat">
-      <a:schemeClr val="accent6">
-        <a:tint val="60000"/>
-      </a:schemeClr>
-    </dgm:linClrLst>
-    <dgm:effectClrLst/>
-    <dgm:txLinClrLst/>
-    <dgm:txFillClrLst meth="repeat">
-      <a:schemeClr val="dk1"/>
-    </dgm:txFillClrLst>
-    <dgm:txEffectClrLst/>
-  </dgm:styleLbl>
-  <dgm:styleLbl name="fgSibTrans2D1">
-    <dgm:fillClrLst meth="repeat">
-      <a:schemeClr val="accent6">
-        <a:tint val="60000"/>
-      </a:schemeClr>
-    </dgm:fillClrLst>
-    <dgm:linClrLst meth="repeat">
-      <a:schemeClr val="accent6">
-        <a:tint val="60000"/>
-      </a:schemeClr>
-    </dgm:linClrLst>
-    <dgm:effectClrLst/>
-    <dgm:txLinClrLst/>
-    <dgm:txFillClrLst meth="repeat">
-      <a:schemeClr val="dk1"/>
-    </dgm:txFillClrLst>
-    <dgm:txEffectClrLst/>
-  </dgm:styleLbl>
-  <dgm:styleLbl name="bgSibTrans2D1">
-    <dgm:fillClrLst meth="repeat">
-      <a:schemeClr val="accent6">
-        <a:tint val="60000"/>
-      </a:schemeClr>
-    </dgm:fillClrLst>
-    <dgm:linClrLst meth="repeat">
-      <a:schemeClr val="accent6">
-        <a:tint val="60000"/>
-      </a:schemeClr>
-    </dgm:linClrLst>
-    <dgm:effectClrLst/>
-    <dgm:txLinClrLst/>
-    <dgm:txFillClrLst meth="repeat">
-      <a:schemeClr val="dk1"/>
-    </dgm:txFillClrLst>
-    <dgm:txEffectClrLst/>
-  </dgm:styleLbl>
-  <dgm:styleLbl name="sibTrans1D1">
-    <dgm:fillClrLst meth="repeat">
-      <a:schemeClr val="accent6"/>
-    </dgm:fillClrLst>
-    <dgm:linClrLst meth="repeat">
-      <a:schemeClr val="accent6"/>
-    </dgm:linClrLst>
-    <dgm:effectClrLst/>
-    <dgm:txLinClrLst/>
-    <dgm:txFillClrLst meth="repeat">
-      <a:schemeClr val="tx1"/>
-    </dgm:txFillClrLst>
-    <dgm:txEffectClrLst/>
-  </dgm:styleLbl>
-  <dgm:styleLbl name="callout">
-    <dgm:fillClrLst meth="repeat">
-      <a:schemeClr val="accent6"/>
-    </dgm:fillClrLst>
-    <dgm:linClrLst meth="repeat">
-      <a:schemeClr val="accent6"/>
-    </dgm:linClrLst>
-    <dgm:effectClrLst/>
-    <dgm:txLinClrLst/>
-    <dgm:txFillClrLst meth="repeat">
-      <a:schemeClr val="tx1"/>
-    </dgm:txFillClrLst>
-    <dgm:txEffectClrLst/>
-  </dgm:styleLbl>
-  <dgm:styleLbl name="asst0">
-    <dgm:fillClrLst meth="repeat">
-      <a:schemeClr val="lt1"/>
-    </dgm:fillClrLst>
-    <dgm:linClrLst meth="repeat">
-      <a:schemeClr val="accent6">
-        <a:shade val="80000"/>
-      </a:schemeClr>
-    </dgm:linClrLst>
-    <dgm:effectClrLst/>
-    <dgm:txLinClrLst/>
-    <dgm:txFillClrLst meth="repeat">
-      <a:schemeClr val="dk1"/>
-    </dgm:txFillClrLst>
-    <dgm:txEffectClrLst/>
-  </dgm:styleLbl>
-  <dgm:styleLbl name="asst1">
-    <dgm:fillClrLst meth="repeat">
-      <a:schemeClr val="lt1"/>
-    </dgm:fillClrLst>
-    <dgm:linClrLst meth="repeat">
-      <a:schemeClr val="accent6">
-        <a:shade val="80000"/>
-      </a:schemeClr>
-    </dgm:linClrLst>
-    <dgm:effectClrLst/>
-    <dgm:txLinClrLst/>
-    <dgm:txFillClrLst meth="repeat">
-      <a:schemeClr val="dk1"/>
-    </dgm:txFillClrLst>
-    <dgm:txEffectClrLst/>
-  </dgm:styleLbl>
-  <dgm:styleLbl name="asst2">
-    <dgm:fillClrLst meth="repeat">
-      <a:schemeClr val="lt1"/>
-    </dgm:fillClrLst>
-    <dgm:linClrLst meth="repeat">
-      <a:schemeClr val="accent6">
-        <a:shade val="80000"/>
-      </a:schemeClr>
-    </dgm:linClrLst>
-    <dgm:effectClrLst/>
-    <dgm:txLinClrLst/>
-    <dgm:txFillClrLst meth="repeat">
-      <a:schemeClr val="dk1"/>
-    </dgm:txFillClrLst>
-    <dgm:txEffectClrLst/>
-  </dgm:styleLbl>
-  <dgm:styleLbl name="asst3">
-    <dgm:fillClrLst meth="repeat">
-      <a:schemeClr val="lt1"/>
-    </dgm:fillClrLst>
-    <dgm:linClrLst meth="repeat">
-      <a:schemeClr val="accent6">
-        <a:shade val="80000"/>
-      </a:schemeClr>
-    </dgm:linClrLst>
-    <dgm:effectClrLst/>
-    <dgm:txLinClrLst/>
-    <dgm:txFillClrLst meth="repeat">
-      <a:schemeClr val="dk1"/>
-    </dgm:txFillClrLst>
-    <dgm:txEffectClrLst/>
-  </dgm:styleLbl>
-  <dgm:styleLbl name="asst4">
-    <dgm:fillClrLst meth="repeat">
-      <a:schemeClr val="lt1"/>
-    </dgm:fillClrLst>
-    <dgm:linClrLst meth="repeat">
-      <a:schemeClr val="accent6">
-        <a:shade val="80000"/>
-      </a:schemeClr>
-    </dgm:linClrLst>
-    <dgm:effectClrLst/>
-    <dgm:txLinClrLst/>
-    <dgm:txFillClrLst meth="repeat">
-      <a:schemeClr val="dk1"/>
-    </dgm:txFillClrLst>
-    <dgm:txEffectClrLst/>
-  </dgm:styleLbl>
-  <dgm:styleLbl name="parChTrans2D1">
-    <dgm:fillClrLst meth="repeat">
-      <a:schemeClr val="accent6">
-        <a:tint val="60000"/>
-      </a:schemeClr>
-    </dgm:fillClrLst>
-    <dgm:linClrLst meth="repeat">
-      <a:schemeClr val="accent6">
-        <a:tint val="60000"/>
-      </a:schemeClr>
-    </dgm:linClrLst>
-    <dgm:effectClrLst/>
-    <dgm:txLinClrLst/>
-    <dgm:txFillClrLst/>
-    <dgm:txEffectClrLst/>
-  </dgm:styleLbl>
-  <dgm:styleLbl name="parChTrans2D2">
-    <dgm:fillClrLst meth="repeat">
-      <a:schemeClr val="accent6"/>
-    </dgm:fillClrLst>
-    <dgm:linClrLst meth="repeat">
-      <a:schemeClr val="accent6"/>
-    </dgm:linClrLst>
-    <dgm:effectClrLst/>
-    <dgm:txLinClrLst/>
-    <dgm:txFillClrLst/>
-    <dgm:txEffectClrLst/>
-  </dgm:styleLbl>
-  <dgm:styleLbl name="parChTrans2D3">
-    <dgm:fillClrLst meth="repeat">
-      <a:schemeClr val="accent6"/>
-    </dgm:fillClrLst>
-    <dgm:linClrLst meth="repeat">
-      <a:schemeClr val="accent6"/>
-    </dgm:linClrLst>
-    <dgm:effectClrLst/>
-    <dgm:txLinClrLst/>
-    <dgm:txFillClrLst/>
-    <dgm:txEffectClrLst/>
-  </dgm:styleLbl>
-  <dgm:styleLbl name="parChTrans2D4">
-    <dgm:fillClrLst meth="repeat">
-      <a:schemeClr val="accent6"/>
-    </dgm:fillClrLst>
-    <dgm:linClrLst meth="repeat">
-      <a:schemeClr val="accent6"/>
-    </dgm:linClrLst>
-    <dgm:effectClrLst/>
-    <dgm:txLinClrLst/>
-    <dgm:txFillClrLst meth="repeat">
-      <a:schemeClr val="lt1"/>
-    </dgm:txFillClrLst>
-    <dgm:txEffectClrLst/>
-  </dgm:styleLbl>
-  <dgm:styleLbl name="parChTrans1D1">
-    <dgm:fillClrLst meth="repeat">
-      <a:schemeClr val="accent6"/>
-    </dgm:fillClrLst>
-    <dgm:linClrLst meth="repeat">
-      <a:schemeClr val="accent6">
-        <a:shade val="60000"/>
-      </a:schemeClr>
-    </dgm:linClrLst>
-    <dgm:effectClrLst/>
-    <dgm:txLinClrLst/>
-    <dgm:txFillClrLst meth="repeat">
-      <a:schemeClr val="tx1"/>
-    </dgm:txFillClrLst>
-    <dgm:txEffectClrLst/>
-  </dgm:styleLbl>
-  <dgm:styleLbl name="parChTrans1D2">
-    <dgm:fillClrLst meth="repeat">
-      <a:schemeClr val="accent6"/>
-    </dgm:fillClrLst>
-    <dgm:linClrLst meth="repeat">
-      <a:schemeClr val="accent6">
-        <a:shade val="60000"/>
-      </a:schemeClr>
-    </dgm:linClrLst>
-    <dgm:effectClrLst/>
-    <dgm:txLinClrLst/>
-    <dgm:txFillClrLst meth="repeat">
-      <a:schemeClr val="tx1"/>
-    </dgm:txFillClrLst>
-    <dgm:txEffectClrLst/>
-  </dgm:styleLbl>
-  <dgm:styleLbl name="parChTrans1D3">
-    <dgm:fillClrLst meth="repeat">
-      <a:schemeClr val="accent6"/>
-    </dgm:fillClrLst>
-    <dgm:linClrLst meth="repeat">
-      <a:schemeClr val="accent6">
-        <a:shade val="80000"/>
-      </a:schemeClr>
-    </dgm:linClrLst>
-    <dgm:effectClrLst/>
-    <dgm:txLinClrLst/>
-    <dgm:txFillClrLst meth="repeat">
-      <a:schemeClr val="tx1"/>
-    </dgm:txFillClrLst>
-    <dgm:txEffectClrLst/>
-  </dgm:styleLbl>
-  <dgm:styleLbl name="parChTrans1D4">
-    <dgm:fillClrLst meth="repeat">
-      <a:schemeClr val="accent6"/>
-    </dgm:fillClrLst>
-    <dgm:linClrLst meth="repeat">
-      <a:schemeClr val="accent6">
-        <a:shade val="80000"/>
-      </a:schemeClr>
-    </dgm:linClrLst>
-    <dgm:effectClrLst/>
-    <dgm:txLinClrLst/>
-    <dgm:txFillClrLst meth="repeat">
-      <a:schemeClr val="tx1"/>
-    </dgm:txFillClrLst>
-    <dgm:txEffectClrLst/>
-  </dgm:styleLbl>
-  <dgm:styleLbl name="fgAcc1">
-    <dgm:fillClrLst meth="repeat">
-      <a:schemeClr val="accent6">
-        <a:alpha val="90000"/>
-        <a:tint val="40000"/>
-      </a:schemeClr>
-    </dgm:fillClrLst>
-    <dgm:linClrLst meth="repeat">
-      <a:schemeClr val="accent6"/>
-    </dgm:linClrLst>
-    <dgm:effectClrLst/>
-    <dgm:txLinClrLst/>
-    <dgm:txFillClrLst meth="repeat">
-      <a:schemeClr val="dk1"/>
-    </dgm:txFillClrLst>
-    <dgm:txEffectClrLst/>
-  </dgm:styleLbl>
-  <dgm:styleLbl name="conFgAcc1">
-    <dgm:fillClrLst meth="repeat">
-      <a:schemeClr val="accent6">
-        <a:alpha val="90000"/>
-        <a:tint val="40000"/>
-      </a:schemeClr>
-    </dgm:fillClrLst>
-    <dgm:linClrLst meth="repeat">
-      <a:schemeClr val="accent6"/>
-    </dgm:linClrLst>
-    <dgm:effectClrLst/>
-    <dgm:txLinClrLst/>
-    <dgm:txFillClrLst meth="repeat">
-      <a:schemeClr val="dk1"/>
-    </dgm:txFillClrLst>
-    <dgm:txEffectClrLst/>
-  </dgm:styleLbl>
-  <dgm:styleLbl name="alignAcc1">
-    <dgm:fillClrLst meth="repeat">
-      <a:schemeClr val="accent6">
-        <a:alpha val="90000"/>
-        <a:tint val="40000"/>
-      </a:schemeClr>
-    </dgm:fillClrLst>
-    <dgm:linClrLst meth="repeat">
-      <a:schemeClr val="accent6"/>
-    </dgm:linClrLst>
-    <dgm:effectClrLst/>
-    <dgm:txLinClrLst/>
-    <dgm:txFillClrLst meth="repeat">
-      <a:schemeClr val="dk1"/>
-    </dgm:txFillClrLst>
-    <dgm:txEffectClrLst/>
-  </dgm:styleLbl>
-  <dgm:styleLbl name="trAlignAcc1">
-    <dgm:fillClrLst meth="repeat">
-      <a:schemeClr val="accent6">
-        <a:alpha val="40000"/>
-        <a:tint val="40000"/>
-      </a:schemeClr>
-    </dgm:fillClrLst>
-    <dgm:linClrLst meth="repeat">
-      <a:schemeClr val="accent6"/>
-    </dgm:linClrLst>
-    <dgm:effectClrLst/>
-    <dgm:txLinClrLst/>
-    <dgm:txFillClrLst meth="repeat">
-      <a:schemeClr val="dk1"/>
-    </dgm:txFillClrLst>
-    <dgm:txEffectClrLst/>
-  </dgm:styleLbl>
-  <dgm:styleLbl name="bgAcc1">
-    <dgm:fillClrLst meth="repeat">
-      <a:schemeClr val="accent6">
-        <a:alpha val="90000"/>
-        <a:tint val="40000"/>
-      </a:schemeClr>
-    </dgm:fillClrLst>
-    <dgm:linClrLst meth="repeat">
-      <a:schemeClr val="accent6"/>
-    </dgm:linClrLst>
-    <dgm:effectClrLst/>
-    <dgm:txLinClrLst/>
-    <dgm:txFillClrLst meth="repeat">
-      <a:schemeClr val="dk1"/>
-    </dgm:txFillClrLst>
-    <dgm:txEffectClrLst/>
-  </dgm:styleLbl>
-  <dgm:styleLbl name="solidFgAcc1">
-    <dgm:fillClrLst meth="repeat">
-      <a:schemeClr val="lt1"/>
-    </dgm:fillClrLst>
-    <dgm:linClrLst meth="repeat">
-      <a:schemeClr val="accent6"/>
-    </dgm:linClrLst>
-    <dgm:effectClrLst/>
-    <dgm:txLinClrLst/>
-    <dgm:txFillClrLst meth="repeat">
-      <a:schemeClr val="dk1"/>
-    </dgm:txFillClrLst>
-    <dgm:txEffectClrLst/>
-  </dgm:styleLbl>
-  <dgm:styleLbl name="solidAlignAcc1">
-    <dgm:fillClrLst meth="repeat">
-      <a:schemeClr val="lt1"/>
-    </dgm:fillClrLst>
-    <dgm:linClrLst meth="repeat">
-      <a:schemeClr val="accent6"/>
-    </dgm:linClrLst>
-    <dgm:effectClrLst/>
-    <dgm:txLinClrLst/>
-    <dgm:txFillClrLst meth="repeat">
-      <a:schemeClr val="dk1"/>
-    </dgm:txFillClrLst>
-    <dgm:txEffectClrLst/>
-  </dgm:styleLbl>
-  <dgm:styleLbl name="solidBgAcc1">
-    <dgm:fillClrLst meth="repeat">
-      <a:schemeClr val="lt1"/>
-    </dgm:fillClrLst>
-    <dgm:linClrLst meth="repeat">
-      <a:schemeClr val="accent6"/>
-    </dgm:linClrLst>
-    <dgm:effectClrLst/>
-    <dgm:txLinClrLst/>
-    <dgm:txFillClrLst meth="repeat">
-      <a:schemeClr val="dk1"/>
-    </dgm:txFillClrLst>
-    <dgm:txEffectClrLst/>
-  </dgm:styleLbl>
-  <dgm:styleLbl name="fgAccFollowNode1">
-    <dgm:fillClrLst meth="repeat">
-      <a:schemeClr val="lt1">
-        <a:alpha val="90000"/>
-        <a:tint val="40000"/>
-      </a:schemeClr>
-    </dgm:fillClrLst>
-    <dgm:linClrLst meth="repeat">
-      <a:schemeClr val="accent6">
-        <a:alpha val="90000"/>
-      </a:schemeClr>
-    </dgm:linClrLst>
-    <dgm:effectClrLst/>
-    <dgm:txLinClrLst/>
-    <dgm:txFillClrLst meth="repeat">
-      <a:schemeClr val="dk1"/>
-    </dgm:txFillClrLst>
-    <dgm:txEffectClrLst/>
-  </dgm:styleLbl>
-  <dgm:styleLbl name="alignAccFollowNode1">
-    <dgm:fillClrLst meth="repeat">
-      <a:schemeClr val="lt1">
-        <a:alpha val="90000"/>
-        <a:tint val="40000"/>
-      </a:schemeClr>
-    </dgm:fillClrLst>
-    <dgm:linClrLst meth="repeat">
-      <a:schemeClr val="accent6">
-        <a:alpha val="90000"/>
-      </a:schemeClr>
-    </dgm:linClrLst>
-    <dgm:effectClrLst/>
-    <dgm:txLinClrLst/>
-    <dgm:txFillClrLst meth="repeat">
-      <a:schemeClr val="dk1"/>
-    </dgm:txFillClrLst>
-    <dgm:txEffectClrLst/>
-  </dgm:styleLbl>
-  <dgm:styleLbl name="bgAccFollowNode1">
-    <dgm:fillClrLst meth="repeat">
-      <a:schemeClr val="lt1">
-        <a:alpha val="90000"/>
-        <a:tint val="40000"/>
-      </a:schemeClr>
-    </dgm:fillClrLst>
-    <dgm:linClrLst meth="repeat">
-      <a:schemeClr val="accent6">
-        <a:alpha val="90000"/>
-      </a:schemeClr>
-    </dgm:linClrLst>
-    <dgm:effectClrLst/>
-    <dgm:txLinClrLst/>
-    <dgm:txFillClrLst meth="repeat">
-      <a:schemeClr val="dk1"/>
-    </dgm:txFillClrLst>
-    <dgm:txEffectClrLst/>
-  </dgm:styleLbl>
-  <dgm:styleLbl name="fgAcc0">
-    <dgm:fillClrLst meth="repeat">
-      <a:schemeClr val="accent6">
-        <a:alpha val="90000"/>
-        <a:tint val="40000"/>
-      </a:schemeClr>
-    </dgm:fillClrLst>
-    <dgm:linClrLst meth="repeat">
-      <a:schemeClr val="accent6"/>
-    </dgm:linClrLst>
-    <dgm:effectClrLst/>
-    <dgm:txLinClrLst/>
-    <dgm:txFillClrLst meth="repeat">
-      <a:schemeClr val="dk1"/>
-    </dgm:txFillClrLst>
-    <dgm:txEffectClrLst/>
-  </dgm:styleLbl>
-  <dgm:styleLbl name="fgAcc2">
-    <dgm:fillClrLst meth="repeat">
-      <a:schemeClr val="accent6">
-        <a:alpha val="90000"/>
-        <a:tint val="40000"/>
-      </a:schemeClr>
-    </dgm:fillClrLst>
-    <dgm:linClrLst meth="repeat">
-      <a:schemeClr val="accent6"/>
-    </dgm:linClrLst>
-    <dgm:effectClrLst/>
-    <dgm:txLinClrLst/>
-    <dgm:txFillClrLst meth="repeat">
-      <a:schemeClr val="dk1"/>
-    </dgm:txFillClrLst>
-    <dgm:txEffectClrLst/>
-  </dgm:styleLbl>
-  <dgm:styleLbl name="fgAcc3">
-    <dgm:fillClrLst meth="repeat">
-      <a:schemeClr val="accent6">
-        <a:alpha val="90000"/>
-        <a:tint val="40000"/>
-      </a:schemeClr>
-    </dgm:fillClrLst>
-    <dgm:linClrLst meth="repeat">
-      <a:schemeClr val="accent6"/>
-    </dgm:linClrLst>
-    <dgm:effectClrLst/>
-    <dgm:txLinClrLst/>
-    <dgm:txFillClrLst meth="repeat">
-      <a:schemeClr val="dk1"/>
-    </dgm:txFillClrLst>
-    <dgm:txEffectClrLst/>
-  </dgm:styleLbl>
-  <dgm:styleLbl name="fgAcc4">
-    <dgm:fillClrLst meth="repeat">
-      <a:schemeClr val="accent6">
-        <a:alpha val="90000"/>
-        <a:tint val="40000"/>
-      </a:schemeClr>
-    </dgm:fillClrLst>
-    <dgm:linClrLst meth="repeat">
-      <a:schemeClr val="accent6"/>
-    </dgm:linClrLst>
-    <dgm:effectClrLst/>
-    <dgm:txLinClrLst/>
-    <dgm:txFillClrLst meth="repeat">
-      <a:schemeClr val="dk1"/>
-    </dgm:txFillClrLst>
-    <dgm:txEffectClrLst/>
-  </dgm:styleLbl>
-  <dgm:styleLbl name="bgShp">
-    <dgm:fillClrLst meth="repeat">
-      <a:schemeClr val="accent6">
-        <a:tint val="40000"/>
-      </a:schemeClr>
-    </dgm:fillClrLst>
-    <dgm:linClrLst meth="repeat">
-      <a:schemeClr val="accent6"/>
-    </dgm:linClrLst>
-    <dgm:effectClrLst/>
-    <dgm:txLinClrLst/>
-    <dgm:txFillClrLst meth="repeat">
-      <a:schemeClr val="dk1"/>
-    </dgm:txFillClrLst>
-    <dgm:txEffectClrLst/>
-  </dgm:styleLbl>
-  <dgm:styleLbl name="dkBgShp">
-    <dgm:fillClrLst meth="repeat">
-      <a:schemeClr val="accent6">
-        <a:shade val="80000"/>
-      </a:schemeClr>
-    </dgm:fillClrLst>
-    <dgm:linClrLst meth="repeat">
-      <a:schemeClr val="accent6"/>
-    </dgm:linClrLst>
-    <dgm:effectClrLst/>
-    <dgm:txLinClrLst/>
-    <dgm:txFillClrLst meth="repeat">
-      <a:schemeClr val="lt1"/>
-    </dgm:txFillClrLst>
-    <dgm:txEffectClrLst/>
-  </dgm:styleLbl>
-  <dgm:styleLbl name="trBgShp">
-    <dgm:fillClrLst meth="repeat">
-      <a:schemeClr val="accent6">
-        <a:tint val="50000"/>
-        <a:alpha val="40000"/>
-      </a:schemeClr>
-    </dgm:fillClrLst>
-    <dgm:linClrLst meth="repeat">
-      <a:schemeClr val="accent6"/>
-    </dgm:linClrLst>
-    <dgm:effectClrLst/>
-    <dgm:txLinClrLst/>
-    <dgm:txFillClrLst meth="repeat">
-      <a:schemeClr val="lt1"/>
-    </dgm:txFillClrLst>
-    <dgm:txEffectClrLst/>
-  </dgm:styleLbl>
-  <dgm:styleLbl name="fgShp">
-    <dgm:fillClrLst meth="repeat">
-      <a:schemeClr val="accent6">
-        <a:tint val="60000"/>
-      </a:schemeClr>
-    </dgm:fillClrLst>
-    <dgm:linClrLst meth="repeat">
-      <a:schemeClr val="lt1"/>
-    </dgm:linClrLst>
-    <dgm:effectClrLst/>
-    <dgm:txLinClrLst/>
-    <dgm:txFillClrLst meth="repeat">
-      <a:schemeClr val="dk1"/>
-    </dgm:txFillClrLst>
-    <dgm:txEffectClrLst/>
-  </dgm:styleLbl>
-  <dgm:styleLbl name="revTx">
-    <dgm:fillClrLst meth="repeat">
-      <a:schemeClr val="lt1">
-        <a:alpha val="0"/>
-      </a:schemeClr>
-    </dgm:fillClrLst>
-    <dgm:linClrLst meth="repeat">
-      <a:schemeClr val="dk1">
-        <a:alpha val="0"/>
-      </a:schemeClr>
-    </dgm:linClrLst>
-    <dgm:effectClrLst/>
-    <dgm:txLinClrLst/>
-    <dgm:txFillClrLst meth="repeat">
-      <a:schemeClr val="tx1"/>
-    </dgm:txFillClrLst>
-    <dgm:txEffectClrLst/>
-  </dgm:styleLbl>
-</dgm:colorsDef>
-</file>
-
-<file path=ppt/diagrams/data1.xml><?xml version="1.0" encoding="utf-8"?>
-<dgm:dataModel xmlns:dgm="http://schemas.openxmlformats.org/drawingml/2006/diagram" xmlns:a="http://schemas.openxmlformats.org/drawingml/2006/main">
-  <dgm:ptLst>
-    <dgm:pt modelId="{E22E5080-6AE9-404F-98A7-7A0A13812357}" type="doc">
-      <dgm:prSet loTypeId="urn:microsoft.com/office/officeart/2005/8/layout/cycle2" loCatId="cycle" qsTypeId="urn:microsoft.com/office/officeart/2005/8/quickstyle/simple1" qsCatId="simple" csTypeId="urn:microsoft.com/office/officeart/2005/8/colors/accent6_1" csCatId="accent6" phldr="1"/>
-      <dgm:spPr/>
-      <dgm:t>
-        <a:bodyPr/>
-        <a:lstStyle/>
-        <a:p>
-          <a:endParaRPr lang="ru-RU"/>
-        </a:p>
-      </dgm:t>
-    </dgm:pt>
-    <dgm:pt modelId="{CA619879-9682-4A9A-8B19-8EEE1A9DDA31}">
-      <dgm:prSet phldrT="[Текст]"/>
-      <dgm:spPr/>
-      <dgm:t>
-        <a:bodyPr/>
-        <a:lstStyle/>
-        <a:p>
-          <a:r>
-            <a:rPr lang="en-US" b="0" dirty="0" smtClean="0"/>
-            <a:t>Design</a:t>
-          </a:r>
-          <a:endParaRPr lang="ru-RU" b="0" dirty="0"/>
-        </a:p>
-      </dgm:t>
-    </dgm:pt>
-    <dgm:pt modelId="{816C185B-11B5-4CFF-A962-3123F3917227}" type="parTrans" cxnId="{9BADAACC-9713-4330-88BA-76DB183AEAC1}">
-      <dgm:prSet/>
-      <dgm:spPr/>
-      <dgm:t>
-        <a:bodyPr/>
-        <a:lstStyle/>
-        <a:p>
-          <a:endParaRPr lang="ru-RU"/>
-        </a:p>
-      </dgm:t>
-    </dgm:pt>
-    <dgm:pt modelId="{689276A3-8957-4D91-ABC7-0342A0A21409}" type="sibTrans" cxnId="{9BADAACC-9713-4330-88BA-76DB183AEAC1}">
-      <dgm:prSet/>
-      <dgm:spPr/>
-      <dgm:t>
-        <a:bodyPr/>
-        <a:lstStyle/>
-        <a:p>
-          <a:endParaRPr lang="ru-RU"/>
-        </a:p>
-      </dgm:t>
-    </dgm:pt>
-    <dgm:pt modelId="{47FB6E91-B3FA-4B92-B558-B66325C9388D}">
-      <dgm:prSet phldrT="[Текст]">
-        <dgm:style>
-          <a:lnRef idx="2">
-            <a:schemeClr val="accent2">
-              <a:shade val="50000"/>
-            </a:schemeClr>
-          </a:lnRef>
-          <a:fillRef idx="1">
-            <a:schemeClr val="accent2"/>
-          </a:fillRef>
-          <a:effectRef idx="0">
-            <a:schemeClr val="accent2"/>
-          </a:effectRef>
-          <a:fontRef idx="minor">
-            <a:schemeClr val="lt1"/>
-          </a:fontRef>
-        </dgm:style>
-      </dgm:prSet>
-      <dgm:spPr/>
-      <dgm:t>
-        <a:bodyPr/>
-        <a:lstStyle/>
-        <a:p>
-          <a:r>
-            <a:rPr lang="en-US" b="0" dirty="0" smtClean="0"/>
-            <a:t>Test</a:t>
-          </a:r>
-          <a:endParaRPr lang="ru-RU" b="0" dirty="0"/>
-        </a:p>
-      </dgm:t>
-    </dgm:pt>
-    <dgm:pt modelId="{986F0269-4B48-4749-8F3B-FCD5D7C6A253}" type="parTrans" cxnId="{26E36F16-FCC0-472D-9EAF-F978A327E9DE}">
-      <dgm:prSet/>
-      <dgm:spPr/>
-      <dgm:t>
-        <a:bodyPr/>
-        <a:lstStyle/>
-        <a:p>
-          <a:endParaRPr lang="ru-RU"/>
-        </a:p>
-      </dgm:t>
-    </dgm:pt>
-    <dgm:pt modelId="{5C12928E-C9E2-4F88-9135-F5C57D60AB43}" type="sibTrans" cxnId="{26E36F16-FCC0-472D-9EAF-F978A327E9DE}">
-      <dgm:prSet/>
-      <dgm:spPr/>
-      <dgm:t>
-        <a:bodyPr/>
-        <a:lstStyle/>
-        <a:p>
-          <a:endParaRPr lang="ru-RU"/>
-        </a:p>
-      </dgm:t>
-    </dgm:pt>
-    <dgm:pt modelId="{82DEDCF1-EB1A-4EA4-83D1-4C1AE66EE040}">
-      <dgm:prSet phldrT="[Текст]">
-        <dgm:style>
-          <a:lnRef idx="2">
-            <a:schemeClr val="accent3">
-              <a:shade val="50000"/>
-            </a:schemeClr>
-          </a:lnRef>
-          <a:fillRef idx="1">
-            <a:schemeClr val="accent3"/>
-          </a:fillRef>
-          <a:effectRef idx="0">
-            <a:schemeClr val="accent3"/>
-          </a:effectRef>
-          <a:fontRef idx="minor">
-            <a:schemeClr val="lt1"/>
-          </a:fontRef>
-        </dgm:style>
-      </dgm:prSet>
-      <dgm:spPr/>
-      <dgm:t>
-        <a:bodyPr/>
-        <a:lstStyle/>
-        <a:p>
-          <a:r>
-            <a:rPr lang="en-US" b="0" dirty="0" smtClean="0"/>
-            <a:t>Test</a:t>
-          </a:r>
-          <a:endParaRPr lang="ru-RU" b="0" dirty="0"/>
-        </a:p>
-      </dgm:t>
-    </dgm:pt>
-    <dgm:pt modelId="{BA2E9DB4-695C-44B0-809B-79366CA63544}" type="parTrans" cxnId="{DCD3BB36-5F64-4E04-A508-0F7192D23FB5}">
-      <dgm:prSet/>
-      <dgm:spPr/>
-      <dgm:t>
-        <a:bodyPr/>
-        <a:lstStyle/>
-        <a:p>
-          <a:endParaRPr lang="ru-RU"/>
-        </a:p>
-      </dgm:t>
-    </dgm:pt>
-    <dgm:pt modelId="{15B6E2AF-4B08-480B-9E63-98F304AE9531}" type="sibTrans" cxnId="{DCD3BB36-5F64-4E04-A508-0F7192D23FB5}">
-      <dgm:prSet/>
-      <dgm:spPr/>
-      <dgm:t>
-        <a:bodyPr/>
-        <a:lstStyle/>
-        <a:p>
-          <a:endParaRPr lang="ru-RU"/>
-        </a:p>
-      </dgm:t>
-    </dgm:pt>
-    <dgm:pt modelId="{9E66F34F-733C-4256-9475-E1AEC667FFE5}">
-      <dgm:prSet phldrT="[Текст]"/>
-      <dgm:spPr/>
-      <dgm:t>
-        <a:bodyPr/>
-        <a:lstStyle/>
-        <a:p>
-          <a:r>
-            <a:rPr lang="en-US" b="0" dirty="0" smtClean="0"/>
-            <a:t>Implement</a:t>
-          </a:r>
-          <a:endParaRPr lang="ru-RU" b="0" dirty="0"/>
-        </a:p>
-      </dgm:t>
-    </dgm:pt>
-    <dgm:pt modelId="{8F03A999-3FEC-4076-A2F0-437897B41F98}" type="parTrans" cxnId="{2C79D222-8785-4DF5-888E-2884E35C685D}">
-      <dgm:prSet/>
-      <dgm:spPr/>
-      <dgm:t>
-        <a:bodyPr/>
-        <a:lstStyle/>
-        <a:p>
-          <a:endParaRPr lang="ru-RU"/>
-        </a:p>
-      </dgm:t>
-    </dgm:pt>
-    <dgm:pt modelId="{6CF83504-EEF6-429E-8FA8-6BD25A2A38F0}" type="sibTrans" cxnId="{2C79D222-8785-4DF5-888E-2884E35C685D}">
-      <dgm:prSet/>
-      <dgm:spPr/>
-      <dgm:t>
-        <a:bodyPr/>
-        <a:lstStyle/>
-        <a:p>
-          <a:endParaRPr lang="ru-RU"/>
-        </a:p>
-      </dgm:t>
-    </dgm:pt>
-    <dgm:pt modelId="{E071ECF3-993D-4997-A223-0EB4018AB94E}" type="pres">
-      <dgm:prSet presAssocID="{E22E5080-6AE9-404F-98A7-7A0A13812357}" presName="cycle" presStyleCnt="0">
-        <dgm:presLayoutVars>
-          <dgm:dir/>
-          <dgm:resizeHandles val="exact"/>
-        </dgm:presLayoutVars>
-      </dgm:prSet>
-      <dgm:spPr/>
-      <dgm:t>
-        <a:bodyPr/>
-        <a:lstStyle/>
-        <a:p>
-          <a:endParaRPr lang="ru-RU"/>
-        </a:p>
-      </dgm:t>
-    </dgm:pt>
-    <dgm:pt modelId="{6CFAF0B4-C71D-4C93-B29D-0F3ACEB46DAC}" type="pres">
-      <dgm:prSet presAssocID="{CA619879-9682-4A9A-8B19-8EEE1A9DDA31}" presName="node" presStyleLbl="node1" presStyleIdx="0" presStyleCnt="4">
-        <dgm:presLayoutVars>
-          <dgm:bulletEnabled val="1"/>
-        </dgm:presLayoutVars>
-      </dgm:prSet>
-      <dgm:spPr/>
-      <dgm:t>
-        <a:bodyPr/>
-        <a:lstStyle/>
-        <a:p>
-          <a:endParaRPr lang="ru-RU"/>
-        </a:p>
-      </dgm:t>
-    </dgm:pt>
-    <dgm:pt modelId="{6D3E105C-5DA2-4D30-8D94-9DF04996ED43}" type="pres">
-      <dgm:prSet presAssocID="{689276A3-8957-4D91-ABC7-0342A0A21409}" presName="sibTrans" presStyleLbl="sibTrans2D1" presStyleIdx="0" presStyleCnt="4"/>
-      <dgm:spPr/>
-      <dgm:t>
-        <a:bodyPr/>
-        <a:lstStyle/>
-        <a:p>
-          <a:endParaRPr lang="ru-RU"/>
-        </a:p>
-      </dgm:t>
-    </dgm:pt>
-    <dgm:pt modelId="{4FE3A4E5-72D1-4DC6-9E03-8E9E16D17B75}" type="pres">
-      <dgm:prSet presAssocID="{689276A3-8957-4D91-ABC7-0342A0A21409}" presName="connectorText" presStyleLbl="sibTrans2D1" presStyleIdx="0" presStyleCnt="4"/>
-      <dgm:spPr/>
-      <dgm:t>
-        <a:bodyPr/>
-        <a:lstStyle/>
-        <a:p>
-          <a:endParaRPr lang="ru-RU"/>
-        </a:p>
-      </dgm:t>
-    </dgm:pt>
-    <dgm:pt modelId="{2DF0FCB7-52AA-4542-9718-42FC9EEBFEA0}" type="pres">
-      <dgm:prSet presAssocID="{47FB6E91-B3FA-4B92-B558-B66325C9388D}" presName="node" presStyleLbl="node1" presStyleIdx="1" presStyleCnt="4">
-        <dgm:presLayoutVars>
-          <dgm:bulletEnabled val="1"/>
-        </dgm:presLayoutVars>
-      </dgm:prSet>
-      <dgm:spPr/>
-      <dgm:t>
-        <a:bodyPr/>
-        <a:lstStyle/>
-        <a:p>
-          <a:endParaRPr lang="ru-RU"/>
-        </a:p>
-      </dgm:t>
-    </dgm:pt>
-    <dgm:pt modelId="{7815476A-849A-446F-8EB7-4348A1D65EFF}" type="pres">
-      <dgm:prSet presAssocID="{5C12928E-C9E2-4F88-9135-F5C57D60AB43}" presName="sibTrans" presStyleLbl="sibTrans2D1" presStyleIdx="1" presStyleCnt="4"/>
-      <dgm:spPr/>
-      <dgm:t>
-        <a:bodyPr/>
-        <a:lstStyle/>
-        <a:p>
-          <a:endParaRPr lang="ru-RU"/>
-        </a:p>
-      </dgm:t>
-    </dgm:pt>
-    <dgm:pt modelId="{60D0B5E2-59BA-4DCB-ABBD-AF2C6E14EF03}" type="pres">
-      <dgm:prSet presAssocID="{5C12928E-C9E2-4F88-9135-F5C57D60AB43}" presName="connectorText" presStyleLbl="sibTrans2D1" presStyleIdx="1" presStyleCnt="4"/>
-      <dgm:spPr/>
-      <dgm:t>
-        <a:bodyPr/>
-        <a:lstStyle/>
-        <a:p>
-          <a:endParaRPr lang="ru-RU"/>
-        </a:p>
-      </dgm:t>
-    </dgm:pt>
-    <dgm:pt modelId="{573D47CC-AE97-4FAA-8E6A-826D90755EB4}" type="pres">
-      <dgm:prSet presAssocID="{9E66F34F-733C-4256-9475-E1AEC667FFE5}" presName="node" presStyleLbl="node1" presStyleIdx="2" presStyleCnt="4">
-        <dgm:presLayoutVars>
-          <dgm:bulletEnabled val="1"/>
-        </dgm:presLayoutVars>
-      </dgm:prSet>
-      <dgm:spPr/>
-      <dgm:t>
-        <a:bodyPr/>
-        <a:lstStyle/>
-        <a:p>
-          <a:endParaRPr lang="ru-RU"/>
-        </a:p>
-      </dgm:t>
-    </dgm:pt>
-    <dgm:pt modelId="{C53B6C48-0F28-4C30-8317-F4779C05F5E1}" type="pres">
-      <dgm:prSet presAssocID="{6CF83504-EEF6-429E-8FA8-6BD25A2A38F0}" presName="sibTrans" presStyleLbl="sibTrans2D1" presStyleIdx="2" presStyleCnt="4"/>
-      <dgm:spPr/>
-      <dgm:t>
-        <a:bodyPr/>
-        <a:lstStyle/>
-        <a:p>
-          <a:endParaRPr lang="ru-RU"/>
-        </a:p>
-      </dgm:t>
-    </dgm:pt>
-    <dgm:pt modelId="{6CC33D6B-9209-47BD-A6C6-1AF194EF0CD2}" type="pres">
-      <dgm:prSet presAssocID="{6CF83504-EEF6-429E-8FA8-6BD25A2A38F0}" presName="connectorText" presStyleLbl="sibTrans2D1" presStyleIdx="2" presStyleCnt="4"/>
-      <dgm:spPr/>
-      <dgm:t>
-        <a:bodyPr/>
-        <a:lstStyle/>
-        <a:p>
-          <a:endParaRPr lang="ru-RU"/>
-        </a:p>
-      </dgm:t>
-    </dgm:pt>
-    <dgm:pt modelId="{11B4CBC4-AE1C-4904-826E-3BD4011B5EF6}" type="pres">
-      <dgm:prSet presAssocID="{82DEDCF1-EB1A-4EA4-83D1-4C1AE66EE040}" presName="node" presStyleLbl="node1" presStyleIdx="3" presStyleCnt="4">
-        <dgm:presLayoutVars>
-          <dgm:bulletEnabled val="1"/>
-        </dgm:presLayoutVars>
-      </dgm:prSet>
-      <dgm:spPr/>
-      <dgm:t>
-        <a:bodyPr/>
-        <a:lstStyle/>
-        <a:p>
-          <a:endParaRPr lang="ru-RU"/>
-        </a:p>
-      </dgm:t>
-    </dgm:pt>
-    <dgm:pt modelId="{78BA696A-C46C-41C3-8979-C51CF44A04E2}" type="pres">
-      <dgm:prSet presAssocID="{15B6E2AF-4B08-480B-9E63-98F304AE9531}" presName="sibTrans" presStyleLbl="sibTrans2D1" presStyleIdx="3" presStyleCnt="4"/>
-      <dgm:spPr/>
-      <dgm:t>
-        <a:bodyPr/>
-        <a:lstStyle/>
-        <a:p>
-          <a:endParaRPr lang="ru-RU"/>
-        </a:p>
-      </dgm:t>
-    </dgm:pt>
-    <dgm:pt modelId="{5CB8BEE9-D14C-4FD6-BDE1-FA93ED4A9B0A}" type="pres">
-      <dgm:prSet presAssocID="{15B6E2AF-4B08-480B-9E63-98F304AE9531}" presName="connectorText" presStyleLbl="sibTrans2D1" presStyleIdx="3" presStyleCnt="4"/>
-      <dgm:spPr/>
-      <dgm:t>
-        <a:bodyPr/>
-        <a:lstStyle/>
-        <a:p>
-          <a:endParaRPr lang="ru-RU"/>
-        </a:p>
-      </dgm:t>
-    </dgm:pt>
-  </dgm:ptLst>
-  <dgm:cxnLst>
-    <dgm:cxn modelId="{623795D9-ADBA-4023-97C2-C79AEBDB82FF}" type="presOf" srcId="{15B6E2AF-4B08-480B-9E63-98F304AE9531}" destId="{5CB8BEE9-D14C-4FD6-BDE1-FA93ED4A9B0A}" srcOrd="1" destOrd="0" presId="urn:microsoft.com/office/officeart/2005/8/layout/cycle2"/>
-    <dgm:cxn modelId="{0928093D-9ABC-462D-B50C-393867AB3CB7}" type="presOf" srcId="{E22E5080-6AE9-404F-98A7-7A0A13812357}" destId="{E071ECF3-993D-4997-A223-0EB4018AB94E}" srcOrd="0" destOrd="0" presId="urn:microsoft.com/office/officeart/2005/8/layout/cycle2"/>
-    <dgm:cxn modelId="{7ABE3C26-DB98-4823-B557-302A62755ACF}" type="presOf" srcId="{82DEDCF1-EB1A-4EA4-83D1-4C1AE66EE040}" destId="{11B4CBC4-AE1C-4904-826E-3BD4011B5EF6}" srcOrd="0" destOrd="0" presId="urn:microsoft.com/office/officeart/2005/8/layout/cycle2"/>
-    <dgm:cxn modelId="{2C79D222-8785-4DF5-888E-2884E35C685D}" srcId="{E22E5080-6AE9-404F-98A7-7A0A13812357}" destId="{9E66F34F-733C-4256-9475-E1AEC667FFE5}" srcOrd="2" destOrd="0" parTransId="{8F03A999-3FEC-4076-A2F0-437897B41F98}" sibTransId="{6CF83504-EEF6-429E-8FA8-6BD25A2A38F0}"/>
-    <dgm:cxn modelId="{9BADAACC-9713-4330-88BA-76DB183AEAC1}" srcId="{E22E5080-6AE9-404F-98A7-7A0A13812357}" destId="{CA619879-9682-4A9A-8B19-8EEE1A9DDA31}" srcOrd="0" destOrd="0" parTransId="{816C185B-11B5-4CFF-A962-3123F3917227}" sibTransId="{689276A3-8957-4D91-ABC7-0342A0A21409}"/>
-    <dgm:cxn modelId="{81DF377F-9D4F-4C50-A416-A9A9F23B8F15}" type="presOf" srcId="{15B6E2AF-4B08-480B-9E63-98F304AE9531}" destId="{78BA696A-C46C-41C3-8979-C51CF44A04E2}" srcOrd="0" destOrd="0" presId="urn:microsoft.com/office/officeart/2005/8/layout/cycle2"/>
-    <dgm:cxn modelId="{145DDCEB-D175-4B2A-A7DE-927269627790}" type="presOf" srcId="{5C12928E-C9E2-4F88-9135-F5C57D60AB43}" destId="{60D0B5E2-59BA-4DCB-ABBD-AF2C6E14EF03}" srcOrd="1" destOrd="0" presId="urn:microsoft.com/office/officeart/2005/8/layout/cycle2"/>
-    <dgm:cxn modelId="{DCD3BB36-5F64-4E04-A508-0F7192D23FB5}" srcId="{E22E5080-6AE9-404F-98A7-7A0A13812357}" destId="{82DEDCF1-EB1A-4EA4-83D1-4C1AE66EE040}" srcOrd="3" destOrd="0" parTransId="{BA2E9DB4-695C-44B0-809B-79366CA63544}" sibTransId="{15B6E2AF-4B08-480B-9E63-98F304AE9531}"/>
-    <dgm:cxn modelId="{43069A0F-3D96-4003-8430-BA6606528A11}" type="presOf" srcId="{CA619879-9682-4A9A-8B19-8EEE1A9DDA31}" destId="{6CFAF0B4-C71D-4C93-B29D-0F3ACEB46DAC}" srcOrd="0" destOrd="0" presId="urn:microsoft.com/office/officeart/2005/8/layout/cycle2"/>
-    <dgm:cxn modelId="{7DB79190-4E88-4D8F-B91C-0170BCEF2497}" type="presOf" srcId="{6CF83504-EEF6-429E-8FA8-6BD25A2A38F0}" destId="{C53B6C48-0F28-4C30-8317-F4779C05F5E1}" srcOrd="0" destOrd="0" presId="urn:microsoft.com/office/officeart/2005/8/layout/cycle2"/>
-    <dgm:cxn modelId="{26E36F16-FCC0-472D-9EAF-F978A327E9DE}" srcId="{E22E5080-6AE9-404F-98A7-7A0A13812357}" destId="{47FB6E91-B3FA-4B92-B558-B66325C9388D}" srcOrd="1" destOrd="0" parTransId="{986F0269-4B48-4749-8F3B-FCD5D7C6A253}" sibTransId="{5C12928E-C9E2-4F88-9135-F5C57D60AB43}"/>
-    <dgm:cxn modelId="{1F337C0B-CFBD-4E22-915C-5492F8BE9D2A}" type="presOf" srcId="{47FB6E91-B3FA-4B92-B558-B66325C9388D}" destId="{2DF0FCB7-52AA-4542-9718-42FC9EEBFEA0}" srcOrd="0" destOrd="0" presId="urn:microsoft.com/office/officeart/2005/8/layout/cycle2"/>
-    <dgm:cxn modelId="{ECD7BB84-F2F6-444F-B53E-108068102BA7}" type="presOf" srcId="{9E66F34F-733C-4256-9475-E1AEC667FFE5}" destId="{573D47CC-AE97-4FAA-8E6A-826D90755EB4}" srcOrd="0" destOrd="0" presId="urn:microsoft.com/office/officeart/2005/8/layout/cycle2"/>
-    <dgm:cxn modelId="{BFA28E1F-0273-4C9E-8B68-84F63A7CA3DB}" type="presOf" srcId="{6CF83504-EEF6-429E-8FA8-6BD25A2A38F0}" destId="{6CC33D6B-9209-47BD-A6C6-1AF194EF0CD2}" srcOrd="1" destOrd="0" presId="urn:microsoft.com/office/officeart/2005/8/layout/cycle2"/>
-    <dgm:cxn modelId="{17626771-BEEA-43C6-AE10-F7C46B95AE09}" type="presOf" srcId="{689276A3-8957-4D91-ABC7-0342A0A21409}" destId="{6D3E105C-5DA2-4D30-8D94-9DF04996ED43}" srcOrd="0" destOrd="0" presId="urn:microsoft.com/office/officeart/2005/8/layout/cycle2"/>
-    <dgm:cxn modelId="{2554CD96-2B49-4C33-8335-FB221546786F}" type="presOf" srcId="{689276A3-8957-4D91-ABC7-0342A0A21409}" destId="{4FE3A4E5-72D1-4DC6-9E03-8E9E16D17B75}" srcOrd="1" destOrd="0" presId="urn:microsoft.com/office/officeart/2005/8/layout/cycle2"/>
-    <dgm:cxn modelId="{907F16D6-DD6F-44B9-9AB2-788826BC3B54}" type="presOf" srcId="{5C12928E-C9E2-4F88-9135-F5C57D60AB43}" destId="{7815476A-849A-446F-8EB7-4348A1D65EFF}" srcOrd="0" destOrd="0" presId="urn:microsoft.com/office/officeart/2005/8/layout/cycle2"/>
-    <dgm:cxn modelId="{DE21145B-19B2-4C0E-870F-29F37D8FE596}" type="presParOf" srcId="{E071ECF3-993D-4997-A223-0EB4018AB94E}" destId="{6CFAF0B4-C71D-4C93-B29D-0F3ACEB46DAC}" srcOrd="0" destOrd="0" presId="urn:microsoft.com/office/officeart/2005/8/layout/cycle2"/>
-    <dgm:cxn modelId="{C735E0C5-E2C0-4213-A024-C0D0028C50B9}" type="presParOf" srcId="{E071ECF3-993D-4997-A223-0EB4018AB94E}" destId="{6D3E105C-5DA2-4D30-8D94-9DF04996ED43}" srcOrd="1" destOrd="0" presId="urn:microsoft.com/office/officeart/2005/8/layout/cycle2"/>
-    <dgm:cxn modelId="{6BFFFC50-C6F9-4FB5-9913-DC691E96119F}" type="presParOf" srcId="{6D3E105C-5DA2-4D30-8D94-9DF04996ED43}" destId="{4FE3A4E5-72D1-4DC6-9E03-8E9E16D17B75}" srcOrd="0" destOrd="0" presId="urn:microsoft.com/office/officeart/2005/8/layout/cycle2"/>
-    <dgm:cxn modelId="{3C3BC97F-EA96-4774-BED4-F7412476C420}" type="presParOf" srcId="{E071ECF3-993D-4997-A223-0EB4018AB94E}" destId="{2DF0FCB7-52AA-4542-9718-42FC9EEBFEA0}" srcOrd="2" destOrd="0" presId="urn:microsoft.com/office/officeart/2005/8/layout/cycle2"/>
-    <dgm:cxn modelId="{E2D20596-AB07-432B-AA58-CB069DD7694B}" type="presParOf" srcId="{E071ECF3-993D-4997-A223-0EB4018AB94E}" destId="{7815476A-849A-446F-8EB7-4348A1D65EFF}" srcOrd="3" destOrd="0" presId="urn:microsoft.com/office/officeart/2005/8/layout/cycle2"/>
-    <dgm:cxn modelId="{3856AA7E-73E9-48F1-BB4C-8197E9E19177}" type="presParOf" srcId="{7815476A-849A-446F-8EB7-4348A1D65EFF}" destId="{60D0B5E2-59BA-4DCB-ABBD-AF2C6E14EF03}" srcOrd="0" destOrd="0" presId="urn:microsoft.com/office/officeart/2005/8/layout/cycle2"/>
-    <dgm:cxn modelId="{245378B7-DF52-4B67-92A7-576FCB10FFC9}" type="presParOf" srcId="{E071ECF3-993D-4997-A223-0EB4018AB94E}" destId="{573D47CC-AE97-4FAA-8E6A-826D90755EB4}" srcOrd="4" destOrd="0" presId="urn:microsoft.com/office/officeart/2005/8/layout/cycle2"/>
-    <dgm:cxn modelId="{6F2E5BBF-885F-4FC6-A615-C015B5B45FDC}" type="presParOf" srcId="{E071ECF3-993D-4997-A223-0EB4018AB94E}" destId="{C53B6C48-0F28-4C30-8317-F4779C05F5E1}" srcOrd="5" destOrd="0" presId="urn:microsoft.com/office/officeart/2005/8/layout/cycle2"/>
-    <dgm:cxn modelId="{CFA3073B-A0C1-4F4A-AF47-C9B6C3DE7651}" type="presParOf" srcId="{C53B6C48-0F28-4C30-8317-F4779C05F5E1}" destId="{6CC33D6B-9209-47BD-A6C6-1AF194EF0CD2}" srcOrd="0" destOrd="0" presId="urn:microsoft.com/office/officeart/2005/8/layout/cycle2"/>
-    <dgm:cxn modelId="{04F9700C-3E78-4639-9F52-A1D63F25D619}" type="presParOf" srcId="{E071ECF3-993D-4997-A223-0EB4018AB94E}" destId="{11B4CBC4-AE1C-4904-826E-3BD4011B5EF6}" srcOrd="6" destOrd="0" presId="urn:microsoft.com/office/officeart/2005/8/layout/cycle2"/>
-    <dgm:cxn modelId="{3E0EDB77-1291-4363-A80C-8DC42D4A5BE3}" type="presParOf" srcId="{E071ECF3-993D-4997-A223-0EB4018AB94E}" destId="{78BA696A-C46C-41C3-8979-C51CF44A04E2}" srcOrd="7" destOrd="0" presId="urn:microsoft.com/office/officeart/2005/8/layout/cycle2"/>
-    <dgm:cxn modelId="{21D1316C-14B9-4B97-8910-8A33DF89E97A}" type="presParOf" srcId="{78BA696A-C46C-41C3-8979-C51CF44A04E2}" destId="{5CB8BEE9-D14C-4FD6-BDE1-FA93ED4A9B0A}" srcOrd="0" destOrd="0" presId="urn:microsoft.com/office/officeart/2005/8/layout/cycle2"/>
-  </dgm:cxnLst>
-  <dgm:bg/>
-  <dgm:whole/>
-  <dgm:extLst>
-    <a:ext uri="http://schemas.microsoft.com/office/drawing/2008/diagram">
-      <dsp:dataModelExt xmlns:dsp="http://schemas.microsoft.com/office/drawing/2008/diagram" relId="rId6" minVer="http://schemas.openxmlformats.org/drawingml/2006/diagram"/>
-    </a:ext>
-  </dgm:extLst>
-</dgm:dataModel>
-</file>
-
-<file path=ppt/diagrams/drawing1.xml><?xml version="1.0" encoding="utf-8"?>
-<dsp:drawing xmlns:dgm="http://schemas.openxmlformats.org/drawingml/2006/diagram" xmlns:dsp="http://schemas.microsoft.com/office/drawing/2008/diagram" xmlns:a="http://schemas.openxmlformats.org/drawingml/2006/main">
-  <dsp:spTree>
-    <dsp:nvGrpSpPr>
-      <dsp:cNvPr id="0" name=""/>
-      <dsp:cNvGrpSpPr/>
-    </dsp:nvGrpSpPr>
-    <dsp:grpSpPr/>
-    <dsp:sp modelId="{6CFAF0B4-C71D-4C93-B29D-0F3ACEB46DAC}">
-      <dsp:nvSpPr>
-        <dsp:cNvPr id="0" name=""/>
-        <dsp:cNvSpPr/>
-      </dsp:nvSpPr>
-      <dsp:spPr>
-        <a:xfrm>
-          <a:off x="2673296" y="1430"/>
-          <a:ext cx="1566173" cy="1566173"/>
-        </a:xfrm>
-        <a:prstGeom prst="ellipse">
-          <a:avLst/>
-        </a:prstGeom>
-        <a:solidFill>
-          <a:schemeClr val="lt1">
-            <a:hueOff val="0"/>
-            <a:satOff val="0"/>
-            <a:lumOff val="0"/>
-            <a:alphaOff val="0"/>
-          </a:schemeClr>
-        </a:solidFill>
-        <a:ln w="25400" cap="flat" cmpd="sng" algn="ctr">
-          <a:solidFill>
-            <a:schemeClr val="accent6">
-              <a:shade val="80000"/>
-              <a:hueOff val="0"/>
-              <a:satOff val="0"/>
-              <a:lumOff val="0"/>
-              <a:alphaOff val="0"/>
-            </a:schemeClr>
-          </a:solidFill>
-          <a:prstDash val="solid"/>
-        </a:ln>
-        <a:effectLst/>
-      </dsp:spPr>
-      <dsp:style>
-        <a:lnRef idx="2">
-          <a:scrgbClr r="0" g="0" b="0"/>
-        </a:lnRef>
-        <a:fillRef idx="1">
-          <a:scrgbClr r="0" g="0" b="0"/>
-        </a:fillRef>
-        <a:effectRef idx="0">
-          <a:scrgbClr r="0" g="0" b="0"/>
-        </a:effectRef>
-        <a:fontRef idx="minor">
-          <a:schemeClr val="lt1"/>
-        </a:fontRef>
-      </dsp:style>
-      <dsp:txBody>
-        <a:bodyPr spcFirstLastPara="0" vert="horz" wrap="square" lIns="22860" tIns="22860" rIns="22860" bIns="22860" numCol="1" spcCol="1270" anchor="ctr" anchorCtr="0">
-          <a:noAutofit/>
-        </a:bodyPr>
-        <a:lstStyle/>
-        <a:p>
-          <a:pPr lvl="0" algn="ctr" defTabSz="800100">
-            <a:lnSpc>
-              <a:spcPct val="90000"/>
-            </a:lnSpc>
-            <a:spcBef>
-              <a:spcPct val="0"/>
-            </a:spcBef>
-            <a:spcAft>
-              <a:spcPct val="35000"/>
-            </a:spcAft>
-          </a:pPr>
-          <a:r>
-            <a:rPr lang="en-US" sz="1800" b="0" kern="1200" dirty="0" smtClean="0"/>
-            <a:t>Design</a:t>
-          </a:r>
-          <a:endParaRPr lang="ru-RU" sz="1800" b="0" kern="1200" dirty="0"/>
-        </a:p>
-      </dsp:txBody>
-      <dsp:txXfrm>
-        <a:off x="2902657" y="230791"/>
-        <a:ext cx="1107451" cy="1107451"/>
-      </dsp:txXfrm>
-    </dsp:sp>
-    <dsp:sp modelId="{6D3E105C-5DA2-4D30-8D94-9DF04996ED43}">
-      <dsp:nvSpPr>
-        <dsp:cNvPr id="0" name=""/>
-        <dsp:cNvSpPr/>
-      </dsp:nvSpPr>
-      <dsp:spPr>
-        <a:xfrm rot="2700000">
-          <a:off x="4071433" y="1343758"/>
-          <a:ext cx="416967" cy="528583"/>
-        </a:xfrm>
-        <a:prstGeom prst="rightArrow">
-          <a:avLst>
-            <a:gd name="adj1" fmla="val 60000"/>
-            <a:gd name="adj2" fmla="val 50000"/>
-          </a:avLst>
-        </a:prstGeom>
-        <a:solidFill>
-          <a:schemeClr val="accent6">
-            <a:tint val="60000"/>
-            <a:hueOff val="0"/>
-            <a:satOff val="0"/>
-            <a:lumOff val="0"/>
-            <a:alphaOff val="0"/>
-          </a:schemeClr>
-        </a:solidFill>
-        <a:ln>
-          <a:noFill/>
-        </a:ln>
-        <a:effectLst/>
-      </dsp:spPr>
-      <dsp:style>
-        <a:lnRef idx="0">
-          <a:scrgbClr r="0" g="0" b="0"/>
-        </a:lnRef>
-        <a:fillRef idx="1">
-          <a:scrgbClr r="0" g="0" b="0"/>
-        </a:fillRef>
-        <a:effectRef idx="0">
-          <a:scrgbClr r="0" g="0" b="0"/>
-        </a:effectRef>
-        <a:fontRef idx="minor">
-          <a:schemeClr val="lt1"/>
-        </a:fontRef>
-      </dsp:style>
-      <dsp:txBody>
-        <a:bodyPr spcFirstLastPara="0" vert="horz" wrap="square" lIns="0" tIns="0" rIns="0" bIns="0" numCol="1" spcCol="1270" anchor="ctr" anchorCtr="0">
-          <a:noAutofit/>
-        </a:bodyPr>
-        <a:lstStyle/>
-        <a:p>
-          <a:pPr lvl="0" algn="ctr" defTabSz="622300">
-            <a:lnSpc>
-              <a:spcPct val="90000"/>
-            </a:lnSpc>
-            <a:spcBef>
-              <a:spcPct val="0"/>
-            </a:spcBef>
-            <a:spcAft>
-              <a:spcPct val="35000"/>
-            </a:spcAft>
-          </a:pPr>
-          <a:endParaRPr lang="ru-RU" sz="1400" kern="1200"/>
-        </a:p>
-      </dsp:txBody>
-      <dsp:txXfrm>
-        <a:off x="4089752" y="1405249"/>
-        <a:ext cx="291877" cy="317149"/>
-      </dsp:txXfrm>
-    </dsp:sp>
-    <dsp:sp modelId="{2DF0FCB7-52AA-4542-9718-42FC9EEBFEA0}">
-      <dsp:nvSpPr>
-        <dsp:cNvPr id="0" name=""/>
-        <dsp:cNvSpPr/>
-      </dsp:nvSpPr>
-      <dsp:spPr>
-        <a:xfrm>
-          <a:off x="4337051" y="1665184"/>
-          <a:ext cx="1566173" cy="1566173"/>
-        </a:xfrm>
-        <a:prstGeom prst="ellipse">
-          <a:avLst/>
-        </a:prstGeom>
-        <a:solidFill>
-          <a:schemeClr val="accent2"/>
-        </a:solidFill>
-        <a:ln w="25400" cap="flat" cmpd="sng" algn="ctr">
-          <a:solidFill>
-            <a:schemeClr val="accent2">
-              <a:shade val="50000"/>
-            </a:schemeClr>
-          </a:solidFill>
-          <a:prstDash val="solid"/>
-        </a:ln>
-        <a:effectLst/>
-      </dsp:spPr>
-      <dsp:style>
-        <a:lnRef idx="2">
-          <a:schemeClr val="accent2">
-            <a:shade val="50000"/>
-          </a:schemeClr>
-        </a:lnRef>
-        <a:fillRef idx="1">
-          <a:schemeClr val="accent2"/>
-        </a:fillRef>
-        <a:effectRef idx="0">
-          <a:schemeClr val="accent2"/>
-        </a:effectRef>
-        <a:fontRef idx="minor">
-          <a:schemeClr val="lt1"/>
-        </a:fontRef>
-      </dsp:style>
-      <dsp:txBody>
-        <a:bodyPr spcFirstLastPara="0" vert="horz" wrap="square" lIns="22860" tIns="22860" rIns="22860" bIns="22860" numCol="1" spcCol="1270" anchor="ctr" anchorCtr="0">
-          <a:noAutofit/>
-        </a:bodyPr>
-        <a:lstStyle/>
-        <a:p>
-          <a:pPr lvl="0" algn="ctr" defTabSz="800100">
-            <a:lnSpc>
-              <a:spcPct val="90000"/>
-            </a:lnSpc>
-            <a:spcBef>
-              <a:spcPct val="0"/>
-            </a:spcBef>
-            <a:spcAft>
-              <a:spcPct val="35000"/>
-            </a:spcAft>
-          </a:pPr>
-          <a:r>
-            <a:rPr lang="en-US" sz="1800" b="0" kern="1200" dirty="0" smtClean="0"/>
-            <a:t>Test</a:t>
-          </a:r>
-          <a:endParaRPr lang="ru-RU" sz="1800" b="0" kern="1200" dirty="0"/>
-        </a:p>
-      </dsp:txBody>
-      <dsp:txXfrm>
-        <a:off x="4566412" y="1894545"/>
-        <a:ext cx="1107451" cy="1107451"/>
-      </dsp:txXfrm>
-    </dsp:sp>
-    <dsp:sp modelId="{7815476A-849A-446F-8EB7-4348A1D65EFF}">
-      <dsp:nvSpPr>
-        <dsp:cNvPr id="0" name=""/>
-        <dsp:cNvSpPr/>
-      </dsp:nvSpPr>
-      <dsp:spPr>
-        <a:xfrm rot="8100000">
-          <a:off x="4088122" y="3007513"/>
-          <a:ext cx="416967" cy="528583"/>
-        </a:xfrm>
-        <a:prstGeom prst="rightArrow">
-          <a:avLst>
-            <a:gd name="adj1" fmla="val 60000"/>
-            <a:gd name="adj2" fmla="val 50000"/>
-          </a:avLst>
-        </a:prstGeom>
-        <a:solidFill>
-          <a:schemeClr val="accent6">
-            <a:tint val="60000"/>
-            <a:hueOff val="0"/>
-            <a:satOff val="0"/>
-            <a:lumOff val="0"/>
-            <a:alphaOff val="0"/>
-          </a:schemeClr>
-        </a:solidFill>
-        <a:ln>
-          <a:noFill/>
-        </a:ln>
-        <a:effectLst/>
-      </dsp:spPr>
-      <dsp:style>
-        <a:lnRef idx="0">
-          <a:scrgbClr r="0" g="0" b="0"/>
-        </a:lnRef>
-        <a:fillRef idx="1">
-          <a:scrgbClr r="0" g="0" b="0"/>
-        </a:fillRef>
-        <a:effectRef idx="0">
-          <a:scrgbClr r="0" g="0" b="0"/>
-        </a:effectRef>
-        <a:fontRef idx="minor">
-          <a:schemeClr val="lt1"/>
-        </a:fontRef>
-      </dsp:style>
-      <dsp:txBody>
-        <a:bodyPr spcFirstLastPara="0" vert="horz" wrap="square" lIns="0" tIns="0" rIns="0" bIns="0" numCol="1" spcCol="1270" anchor="ctr" anchorCtr="0">
-          <a:noAutofit/>
-        </a:bodyPr>
-        <a:lstStyle/>
-        <a:p>
-          <a:pPr lvl="0" algn="ctr" defTabSz="622300">
-            <a:lnSpc>
-              <a:spcPct val="90000"/>
-            </a:lnSpc>
-            <a:spcBef>
-              <a:spcPct val="0"/>
-            </a:spcBef>
-            <a:spcAft>
-              <a:spcPct val="35000"/>
-            </a:spcAft>
-          </a:pPr>
-          <a:endParaRPr lang="ru-RU" sz="1400" kern="1200"/>
-        </a:p>
-      </dsp:txBody>
-      <dsp:txXfrm rot="10800000">
-        <a:off x="4194893" y="3069004"/>
-        <a:ext cx="291877" cy="317149"/>
-      </dsp:txXfrm>
-    </dsp:sp>
-    <dsp:sp modelId="{573D47CC-AE97-4FAA-8E6A-826D90755EB4}">
-      <dsp:nvSpPr>
-        <dsp:cNvPr id="0" name=""/>
-        <dsp:cNvSpPr/>
-      </dsp:nvSpPr>
-      <dsp:spPr>
-        <a:xfrm>
-          <a:off x="2673297" y="3328939"/>
-          <a:ext cx="1566173" cy="1566173"/>
-        </a:xfrm>
-        <a:prstGeom prst="ellipse">
-          <a:avLst/>
-        </a:prstGeom>
-        <a:solidFill>
-          <a:schemeClr val="lt1">
-            <a:hueOff val="0"/>
-            <a:satOff val="0"/>
-            <a:lumOff val="0"/>
-            <a:alphaOff val="0"/>
-          </a:schemeClr>
-        </a:solidFill>
-        <a:ln w="25400" cap="flat" cmpd="sng" algn="ctr">
-          <a:solidFill>
-            <a:schemeClr val="accent6">
-              <a:shade val="80000"/>
-              <a:hueOff val="0"/>
-              <a:satOff val="0"/>
-              <a:lumOff val="0"/>
-              <a:alphaOff val="0"/>
-            </a:schemeClr>
-          </a:solidFill>
-          <a:prstDash val="solid"/>
-        </a:ln>
-        <a:effectLst/>
-      </dsp:spPr>
-      <dsp:style>
-        <a:lnRef idx="2">
-          <a:scrgbClr r="0" g="0" b="0"/>
-        </a:lnRef>
-        <a:fillRef idx="1">
-          <a:scrgbClr r="0" g="0" b="0"/>
-        </a:fillRef>
-        <a:effectRef idx="0">
-          <a:scrgbClr r="0" g="0" b="0"/>
-        </a:effectRef>
-        <a:fontRef idx="minor">
-          <a:schemeClr val="lt1"/>
-        </a:fontRef>
-      </dsp:style>
-      <dsp:txBody>
-        <a:bodyPr spcFirstLastPara="0" vert="horz" wrap="square" lIns="22860" tIns="22860" rIns="22860" bIns="22860" numCol="1" spcCol="1270" anchor="ctr" anchorCtr="0">
-          <a:noAutofit/>
-        </a:bodyPr>
-        <a:lstStyle/>
-        <a:p>
-          <a:pPr lvl="0" algn="ctr" defTabSz="800100">
-            <a:lnSpc>
-              <a:spcPct val="90000"/>
-            </a:lnSpc>
-            <a:spcBef>
-              <a:spcPct val="0"/>
-            </a:spcBef>
-            <a:spcAft>
-              <a:spcPct val="35000"/>
-            </a:spcAft>
-          </a:pPr>
-          <a:r>
-            <a:rPr lang="en-US" sz="1800" b="0" kern="1200" dirty="0" smtClean="0"/>
-            <a:t>Implement</a:t>
-          </a:r>
-          <a:endParaRPr lang="ru-RU" sz="1800" b="0" kern="1200" dirty="0"/>
-        </a:p>
-      </dsp:txBody>
-      <dsp:txXfrm>
-        <a:off x="2902658" y="3558300"/>
-        <a:ext cx="1107451" cy="1107451"/>
-      </dsp:txXfrm>
-    </dsp:sp>
-    <dsp:sp modelId="{C53B6C48-0F28-4C30-8317-F4779C05F5E1}">
-      <dsp:nvSpPr>
-        <dsp:cNvPr id="0" name=""/>
-        <dsp:cNvSpPr/>
-      </dsp:nvSpPr>
-      <dsp:spPr>
-        <a:xfrm rot="13500000">
-          <a:off x="2424367" y="3024202"/>
-          <a:ext cx="416967" cy="528583"/>
-        </a:xfrm>
-        <a:prstGeom prst="rightArrow">
-          <a:avLst>
-            <a:gd name="adj1" fmla="val 60000"/>
-            <a:gd name="adj2" fmla="val 50000"/>
-          </a:avLst>
-        </a:prstGeom>
-        <a:solidFill>
-          <a:schemeClr val="accent6">
-            <a:tint val="60000"/>
-            <a:hueOff val="0"/>
-            <a:satOff val="0"/>
-            <a:lumOff val="0"/>
-            <a:alphaOff val="0"/>
-          </a:schemeClr>
-        </a:solidFill>
-        <a:ln>
-          <a:noFill/>
-        </a:ln>
-        <a:effectLst/>
-      </dsp:spPr>
-      <dsp:style>
-        <a:lnRef idx="0">
-          <a:scrgbClr r="0" g="0" b="0"/>
-        </a:lnRef>
-        <a:fillRef idx="1">
-          <a:scrgbClr r="0" g="0" b="0"/>
-        </a:fillRef>
-        <a:effectRef idx="0">
-          <a:scrgbClr r="0" g="0" b="0"/>
-        </a:effectRef>
-        <a:fontRef idx="minor">
-          <a:schemeClr val="lt1"/>
-        </a:fontRef>
-      </dsp:style>
-      <dsp:txBody>
-        <a:bodyPr spcFirstLastPara="0" vert="horz" wrap="square" lIns="0" tIns="0" rIns="0" bIns="0" numCol="1" spcCol="1270" anchor="ctr" anchorCtr="0">
-          <a:noAutofit/>
-        </a:bodyPr>
-        <a:lstStyle/>
-        <a:p>
-          <a:pPr lvl="0" algn="ctr" defTabSz="622300">
-            <a:lnSpc>
-              <a:spcPct val="90000"/>
-            </a:lnSpc>
-            <a:spcBef>
-              <a:spcPct val="0"/>
-            </a:spcBef>
-            <a:spcAft>
-              <a:spcPct val="35000"/>
-            </a:spcAft>
-          </a:pPr>
-          <a:endParaRPr lang="ru-RU" sz="1400" kern="1200"/>
-        </a:p>
-      </dsp:txBody>
-      <dsp:txXfrm rot="10800000">
-        <a:off x="2531138" y="3174145"/>
-        <a:ext cx="291877" cy="317149"/>
-      </dsp:txXfrm>
-    </dsp:sp>
-    <dsp:sp modelId="{11B4CBC4-AE1C-4904-826E-3BD4011B5EF6}">
-      <dsp:nvSpPr>
-        <dsp:cNvPr id="0" name=""/>
-        <dsp:cNvSpPr/>
-      </dsp:nvSpPr>
-      <dsp:spPr>
-        <a:xfrm>
-          <a:off x="1009542" y="1665185"/>
-          <a:ext cx="1566173" cy="1566173"/>
-        </a:xfrm>
-        <a:prstGeom prst="ellipse">
-          <a:avLst/>
-        </a:prstGeom>
-        <a:solidFill>
-          <a:schemeClr val="accent3"/>
-        </a:solidFill>
-        <a:ln w="25400" cap="flat" cmpd="sng" algn="ctr">
-          <a:solidFill>
-            <a:schemeClr val="accent3">
-              <a:shade val="50000"/>
-            </a:schemeClr>
-          </a:solidFill>
-          <a:prstDash val="solid"/>
-        </a:ln>
-        <a:effectLst/>
-      </dsp:spPr>
-      <dsp:style>
-        <a:lnRef idx="2">
-          <a:schemeClr val="accent3">
-            <a:shade val="50000"/>
-          </a:schemeClr>
-        </a:lnRef>
-        <a:fillRef idx="1">
-          <a:schemeClr val="accent3"/>
-        </a:fillRef>
-        <a:effectRef idx="0">
-          <a:schemeClr val="accent3"/>
-        </a:effectRef>
-        <a:fontRef idx="minor">
-          <a:schemeClr val="lt1"/>
-        </a:fontRef>
-      </dsp:style>
-      <dsp:txBody>
-        <a:bodyPr spcFirstLastPara="0" vert="horz" wrap="square" lIns="22860" tIns="22860" rIns="22860" bIns="22860" numCol="1" spcCol="1270" anchor="ctr" anchorCtr="0">
-          <a:noAutofit/>
-        </a:bodyPr>
-        <a:lstStyle/>
-        <a:p>
-          <a:pPr lvl="0" algn="ctr" defTabSz="800100">
-            <a:lnSpc>
-              <a:spcPct val="90000"/>
-            </a:lnSpc>
-            <a:spcBef>
-              <a:spcPct val="0"/>
-            </a:spcBef>
-            <a:spcAft>
-              <a:spcPct val="35000"/>
-            </a:spcAft>
-          </a:pPr>
-          <a:r>
-            <a:rPr lang="en-US" sz="1800" b="0" kern="1200" dirty="0" smtClean="0"/>
-            <a:t>Test</a:t>
-          </a:r>
-          <a:endParaRPr lang="ru-RU" sz="1800" b="0" kern="1200" dirty="0"/>
-        </a:p>
-      </dsp:txBody>
-      <dsp:txXfrm>
-        <a:off x="1238903" y="1894546"/>
-        <a:ext cx="1107451" cy="1107451"/>
-      </dsp:txXfrm>
-    </dsp:sp>
-    <dsp:sp modelId="{78BA696A-C46C-41C3-8979-C51CF44A04E2}">
-      <dsp:nvSpPr>
-        <dsp:cNvPr id="0" name=""/>
-        <dsp:cNvSpPr/>
-      </dsp:nvSpPr>
-      <dsp:spPr>
-        <a:xfrm rot="18900000">
-          <a:off x="2407678" y="1360447"/>
-          <a:ext cx="416967" cy="528583"/>
-        </a:xfrm>
-        <a:prstGeom prst="rightArrow">
-          <a:avLst>
-            <a:gd name="adj1" fmla="val 60000"/>
-            <a:gd name="adj2" fmla="val 50000"/>
-          </a:avLst>
-        </a:prstGeom>
-        <a:solidFill>
-          <a:schemeClr val="accent6">
-            <a:tint val="60000"/>
-            <a:hueOff val="0"/>
-            <a:satOff val="0"/>
-            <a:lumOff val="0"/>
-            <a:alphaOff val="0"/>
-          </a:schemeClr>
-        </a:solidFill>
-        <a:ln>
-          <a:noFill/>
-        </a:ln>
-        <a:effectLst/>
-      </dsp:spPr>
-      <dsp:style>
-        <a:lnRef idx="0">
-          <a:scrgbClr r="0" g="0" b="0"/>
-        </a:lnRef>
-        <a:fillRef idx="1">
-          <a:scrgbClr r="0" g="0" b="0"/>
-        </a:fillRef>
-        <a:effectRef idx="0">
-          <a:scrgbClr r="0" g="0" b="0"/>
-        </a:effectRef>
-        <a:fontRef idx="minor">
-          <a:schemeClr val="lt1"/>
-        </a:fontRef>
-      </dsp:style>
-      <dsp:txBody>
-        <a:bodyPr spcFirstLastPara="0" vert="horz" wrap="square" lIns="0" tIns="0" rIns="0" bIns="0" numCol="1" spcCol="1270" anchor="ctr" anchorCtr="0">
-          <a:noAutofit/>
-        </a:bodyPr>
-        <a:lstStyle/>
-        <a:p>
-          <a:pPr lvl="0" algn="ctr" defTabSz="622300">
-            <a:lnSpc>
-              <a:spcPct val="90000"/>
-            </a:lnSpc>
-            <a:spcBef>
-              <a:spcPct val="0"/>
-            </a:spcBef>
-            <a:spcAft>
-              <a:spcPct val="35000"/>
-            </a:spcAft>
-          </a:pPr>
-          <a:endParaRPr lang="ru-RU" sz="1400" kern="1200"/>
-        </a:p>
-      </dsp:txBody>
-      <dsp:txXfrm>
-        <a:off x="2425997" y="1510390"/>
-        <a:ext cx="291877" cy="317149"/>
-      </dsp:txXfrm>
-    </dsp:sp>
-  </dsp:spTree>
-</dsp:drawing>
-</file>
-
-<file path=ppt/diagrams/layout1.xml><?xml version="1.0" encoding="utf-8"?>
-<dgm:layoutDef xmlns:dgm="http://schemas.openxmlformats.org/drawingml/2006/diagram" xmlns:a="http://schemas.openxmlformats.org/drawingml/2006/main" uniqueId="urn:microsoft.com/office/officeart/2005/8/layout/cycle2">
-  <dgm:title val=""/>
-  <dgm:desc val=""/>
-  <dgm:catLst>
-    <dgm:cat type="cycle" pri="1000"/>
-    <dgm:cat type="convert" pri="10000"/>
-  </dgm:catLst>
-  <dgm:sampData>
-    <dgm:dataModel>
-      <dgm:ptLst>
-        <dgm:pt modelId="0" type="doc"/>
-        <dgm:pt modelId="1">
-          <dgm:prSet phldr="1"/>
-        </dgm:pt>
-        <dgm:pt modelId="2">
-          <dgm:prSet phldr="1"/>
-        </dgm:pt>
-        <dgm:pt modelId="3">
-          <dgm:prSet phldr="1"/>
-        </dgm:pt>
-        <dgm:pt modelId="4">
-          <dgm:prSet phldr="1"/>
-        </dgm:pt>
-        <dgm:pt modelId="5">
-          <dgm:prSet phldr="1"/>
-        </dgm:pt>
-      </dgm:ptLst>
-      <dgm:cxnLst>
-        <dgm:cxn modelId="6" srcId="0" destId="1" srcOrd="0" destOrd="0"/>
-        <dgm:cxn modelId="7" srcId="0" destId="2" srcOrd="1" destOrd="0"/>
-        <dgm:cxn modelId="8" srcId="0" destId="3" srcOrd="2" destOrd="0"/>
-        <dgm:cxn modelId="9" srcId="0" destId="4" srcOrd="3" destOrd="0"/>
-        <dgm:cxn modelId="10" srcId="0" destId="5" srcOrd="4" destOrd="0"/>
-      </dgm:cxnLst>
-      <dgm:bg/>
-      <dgm:whole/>
-    </dgm:dataModel>
-  </dgm:sampData>
-  <dgm:styleData>
-    <dgm:dataModel>
-      <dgm:ptLst>
-        <dgm:pt modelId="0" type="doc"/>
-        <dgm:pt modelId="1"/>
-        <dgm:pt modelId="2"/>
-        <dgm:pt modelId="3"/>
-      </dgm:ptLst>
-      <dgm:cxnLst>
-        <dgm:cxn modelId="4" srcId="0" destId="1" srcOrd="0" destOrd="0"/>
-        <dgm:cxn modelId="5" srcId="0" destId="2" srcOrd="1" destOrd="0"/>
-        <dgm:cxn modelId="6" srcId="0" destId="3" srcOrd="2" destOrd="0"/>
-      </dgm:cxnLst>
-      <dgm:bg/>
-      <dgm:whole/>
-    </dgm:dataModel>
-  </dgm:styleData>
-  <dgm:clrData>
-    <dgm:dataModel>
-      <dgm:ptLst>
-        <dgm:pt modelId="0" type="doc"/>
-        <dgm:pt modelId="1"/>
-        <dgm:pt modelId="2"/>
-        <dgm:pt modelId="3"/>
-        <dgm:pt modelId="4"/>
-        <dgm:pt modelId="5"/>
-        <dgm:pt modelId="6"/>
-      </dgm:ptLst>
-      <dgm:cxnLst>
-        <dgm:cxn modelId="7" srcId="0" destId="1" srcOrd="0" destOrd="0"/>
-        <dgm:cxn modelId="8" srcId="0" destId="2" srcOrd="1" destOrd="0"/>
-        <dgm:cxn modelId="9" srcId="0" destId="3" srcOrd="2" destOrd="0"/>
-        <dgm:cxn modelId="10" srcId="0" destId="4" srcOrd="3" destOrd="0"/>
-        <dgm:cxn modelId="11" srcId="0" destId="5" srcOrd="4" destOrd="0"/>
-        <dgm:cxn modelId="12" srcId="0" destId="6" srcOrd="5" destOrd="0"/>
-      </dgm:cxnLst>
-      <dgm:bg/>
-      <dgm:whole/>
-    </dgm:dataModel>
-  </dgm:clrData>
-  <dgm:layoutNode name="cycle">
-    <dgm:varLst>
-      <dgm:dir/>
-      <dgm:resizeHandles val="exact"/>
-    </dgm:varLst>
-    <dgm:choose name="Name0">
-      <dgm:if name="Name1" func="var" arg="dir" op="equ" val="norm">
-        <dgm:choose name="Name2">
-          <dgm:if name="Name3" axis="ch" ptType="node" func="cnt" op="gt" val="2">
-            <dgm:alg type="cycle">
-              <dgm:param type="stAng" val="0"/>
-              <dgm:param type="spanAng" val="360"/>
-            </dgm:alg>
-          </dgm:if>
-          <dgm:else name="Name4">
-            <dgm:alg type="cycle">
-              <dgm:param type="stAng" val="-90"/>
-              <dgm:param type="spanAng" val="360"/>
-            </dgm:alg>
-          </dgm:else>
-        </dgm:choose>
-      </dgm:if>
-      <dgm:else name="Name5">
-        <dgm:choose name="Name6">
-          <dgm:if name="Name7" axis="ch" ptType="node" func="cnt" op="gt" val="2">
-            <dgm:alg type="cycle">
-              <dgm:param type="stAng" val="0"/>
-              <dgm:param type="spanAng" val="-360"/>
-            </dgm:alg>
-          </dgm:if>
-          <dgm:else name="Name8">
-            <dgm:alg type="cycle">
-              <dgm:param type="stAng" val="90"/>
-              <dgm:param type="spanAng" val="-360"/>
-            </dgm:alg>
-          </dgm:else>
-        </dgm:choose>
-      </dgm:else>
-    </dgm:choose>
-    <dgm:shape xmlns:r="http://schemas.openxmlformats.org/officeDocument/2006/relationships" r:blip="">
-      <dgm:adjLst/>
-    </dgm:shape>
-    <dgm:presOf/>
-    <dgm:constrLst>
-      <dgm:constr type="w" for="ch" ptType="node" refType="w"/>
-      <dgm:constr type="w" for="ch" ptType="sibTrans" refType="w" refFor="ch" refPtType="node" op="equ" fact="0.25"/>
-      <dgm:constr type="sibSp" refType="w" refFor="ch" refPtType="node" fact="0.5"/>
-      <dgm:constr type="primFontSz" for="ch" ptType="node" op="equ" val="65"/>
-      <dgm:constr type="primFontSz" for="des" forName="connectorText" op="equ" val="55"/>
-      <dgm:constr type="primFontSz" for="des" forName="connectorText" refType="primFontSz" refFor="ch" refPtType="node" op="lte" fact="0.8"/>
-    </dgm:constrLst>
-    <dgm:ruleLst/>
-    <dgm:forEach name="nodesForEach" axis="ch" ptType="node">
-      <dgm:layoutNode name="node">
-        <dgm:varLst>
-          <dgm:bulletEnabled val="1"/>
-        </dgm:varLst>
-        <dgm:alg type="tx">
-          <dgm:param type="txAnchorVertCh" val="mid"/>
-        </dgm:alg>
-        <dgm:shape xmlns:r="http://schemas.openxmlformats.org/officeDocument/2006/relationships" type="ellipse" r:blip="">
-          <dgm:adjLst/>
-        </dgm:shape>
-        <dgm:presOf axis="desOrSelf" ptType="node"/>
-        <dgm:constrLst>
-          <dgm:constr type="h" refType="w"/>
-          <dgm:constr type="lMarg" refType="primFontSz" fact="0.1"/>
-          <dgm:constr type="rMarg" refType="primFontSz" fact="0.1"/>
-          <dgm:constr type="tMarg" refType="primFontSz" fact="0.1"/>
-          <dgm:constr type="bMarg" refType="primFontSz" fact="0.1"/>
-        </dgm:constrLst>
-        <dgm:ruleLst>
-          <dgm:rule type="primFontSz" val="5" fact="NaN" max="NaN"/>
-        </dgm:ruleLst>
-      </dgm:layoutNode>
-      <dgm:choose name="Name9">
-        <dgm:if name="Name10" axis="par ch" ptType="doc node" func="cnt" op="gt" val="1">
-          <dgm:forEach name="sibTransForEach" axis="followSib" ptType="sibTrans" hideLastTrans="0" cnt="1">
-            <dgm:layoutNode name="sibTrans">
-              <dgm:choose name="Name11">
-                <dgm:if name="Name12" axis="par ch" ptType="doc node" func="cnt" op="lt" val="3">
-                  <dgm:alg type="conn">
-                    <dgm:param type="begPts" val="radial"/>
-                    <dgm:param type="endPts" val="radial"/>
-                  </dgm:alg>
-                </dgm:if>
-                <dgm:else name="Name13">
-                  <dgm:alg type="conn">
-                    <dgm:param type="begPts" val="auto"/>
-                    <dgm:param type="endPts" val="auto"/>
-                  </dgm:alg>
-                </dgm:else>
-              </dgm:choose>
-              <dgm:shape xmlns:r="http://schemas.openxmlformats.org/officeDocument/2006/relationships" type="conn" r:blip="">
-                <dgm:adjLst/>
-              </dgm:shape>
-              <dgm:presOf axis="self"/>
-              <dgm:constrLst>
-                <dgm:constr type="h" refType="w" fact="1.35"/>
-                <dgm:constr type="connDist"/>
-                <dgm:constr type="w" for="ch" refType="connDist" fact="0.45"/>
-                <dgm:constr type="h" for="ch" refType="h"/>
-              </dgm:constrLst>
-              <dgm:ruleLst/>
-              <dgm:layoutNode name="connectorText">
-                <dgm:alg type="tx">
-                  <dgm:param type="autoTxRot" val="grav"/>
-                </dgm:alg>
-                <dgm:shape xmlns:r="http://schemas.openxmlformats.org/officeDocument/2006/relationships" type="conn" r:blip="" hideGeom="1">
-                  <dgm:adjLst/>
-                </dgm:shape>
-                <dgm:presOf axis="self"/>
-                <dgm:constrLst>
-                  <dgm:constr type="lMarg"/>
-                  <dgm:constr type="rMarg"/>
-                  <dgm:constr type="tMarg"/>
-                  <dgm:constr type="bMarg"/>
-                </dgm:constrLst>
-                <dgm:ruleLst>
-                  <dgm:rule type="primFontSz" val="5" fact="NaN" max="NaN"/>
-                </dgm:ruleLst>
-              </dgm:layoutNode>
-            </dgm:layoutNode>
-          </dgm:forEach>
-        </dgm:if>
-        <dgm:else name="Name14"/>
-      </dgm:choose>
-    </dgm:forEach>
-  </dgm:layoutNode>
-</dgm:layoutDef>
-</file>
-
-<file path=ppt/diagrams/quickStyle1.xml><?xml version="1.0" encoding="utf-8"?>
-<dgm:styleDef xmlns:dgm="http://schemas.openxmlformats.org/drawingml/2006/diagram" xmlns:a="http://schemas.openxmlformats.org/drawingml/2006/main" uniqueId="urn:microsoft.com/office/officeart/2005/8/quickstyle/simple1">
-  <dgm:title val=""/>
-  <dgm:desc val=""/>
-  <dgm:catLst>
-    <dgm:cat type="simple" pri="10100"/>
-  </dgm:catLst>
-  <dgm:scene3d>
-    <a:camera prst="orthographicFront"/>
-    <a:lightRig rig="threePt" dir="t"/>
-  </dgm:scene3d>
-  <dgm:styleLbl name="node0">
-    <dgm:scene3d>
-      <a:camera prst="orthographicFront"/>
-      <a:lightRig rig="threePt" dir="t"/>
-    </dgm:scene3d>
-    <dgm:sp3d/>
-    <dgm:txPr/>
-    <dgm:style>
-      <a:lnRef idx="2">
-        <a:scrgbClr r="0" g="0" b="0"/>
-      </a:lnRef>
-      <a:fillRef idx="1">
-        <a:scrgbClr r="0" g="0" b="0"/>
-      </a:fillRef>
-      <a:effectRef idx="0">
-        <a:scrgbClr r="0" g="0" b="0"/>
-      </a:effectRef>
-      <a:fontRef idx="minor">
-        <a:schemeClr val="lt1"/>
-      </a:fontRef>
-    </dgm:style>
-  </dgm:styleLbl>
-  <dgm:styleLbl name="lnNode1">
-    <dgm:scene3d>
-      <a:camera prst="orthographicFront"/>
-      <a:lightRig rig="threePt" dir="t"/>
-    </dgm:scene3d>
-    <dgm:sp3d/>
-    <dgm:txPr/>
-    <dgm:style>
-      <a:lnRef idx="2">
-        <a:scrgbClr r="0" g="0" b="0"/>
-      </a:lnRef>
-      <a:fillRef idx="1">
-        <a:scrgbClr r="0" g="0" b="0"/>
-      </a:fillRef>
-      <a:effectRef idx="0">
-        <a:scrgbClr r="0" g="0" b="0"/>
-      </a:effectRef>
-      <a:fontRef idx="minor">
-        <a:schemeClr val="lt1"/>
-      </a:fontRef>
-    </dgm:style>
-  </dgm:styleLbl>
-  <dgm:styleLbl name="vennNode1">
-    <dgm:scene3d>
-      <a:camera prst="orthographicFront"/>
-      <a:lightRig rig="threePt" dir="t"/>
-    </dgm:scene3d>
-    <dgm:sp3d/>
-    <dgm:txPr/>
-    <dgm:style>
-      <a:lnRef idx="2">
-        <a:scrgbClr r="0" g="0" b="0"/>
-      </a:lnRef>
-      <a:fillRef idx="1">
-        <a:scrgbClr r="0" g="0" b="0"/>
-      </a:fillRef>
-      <a:effectRef idx="0">
-        <a:scrgbClr r="0" g="0" b="0"/>
-      </a:effectRef>
-      <a:fontRef idx="minor">
-        <a:schemeClr val="tx1"/>
-      </a:fontRef>
-    </dgm:style>
-  </dgm:styleLbl>
-  <dgm:styleLbl name="alignNode1">
-    <dgm:scene3d>
-      <a:camera prst="orthographicFront"/>
-      <a:lightRig rig="threePt" dir="t"/>
-    </dgm:scene3d>
-    <dgm:sp3d/>
-    <dgm:txPr/>
-    <dgm:style>
-      <a:lnRef idx="2">
-        <a:scrgbClr r="0" g="0" b="0"/>
-      </a:lnRef>
-      <a:fillRef idx="1">
-        <a:scrgbClr r="0" g="0" b="0"/>
-      </a:fillRef>
-      <a:effectRef idx="0">
-        <a:scrgbClr r="0" g="0" b="0"/>
-      </a:effectRef>
-      <a:fontRef idx="minor">
-        <a:schemeClr val="lt1"/>
-      </a:fontRef>
-    </dgm:style>
-  </dgm:styleLbl>
-  <dgm:styleLbl name="node1">
-    <dgm:scene3d>
-      <a:camera prst="orthographicFront"/>
-      <a:lightRig rig="threePt" dir="t"/>
-    </dgm:scene3d>
-    <dgm:sp3d/>
-    <dgm:txPr/>
-    <dgm:style>
-      <a:lnRef idx="2">
-        <a:scrgbClr r="0" g="0" b="0"/>
-      </a:lnRef>
-      <a:fillRef idx="1">
-        <a:scrgbClr r="0" g="0" b="0"/>
-      </a:fillRef>
-      <a:effectRef idx="0">
-        <a:scrgbClr r="0" g="0" b="0"/>
-      </a:effectRef>
-      <a:fontRef idx="minor">
-        <a:schemeClr val="lt1"/>
-      </a:fontRef>
-    </dgm:style>
-  </dgm:styleLbl>
-  <dgm:styleLbl name="node2">
-    <dgm:scene3d>
-      <a:camera prst="orthographicFront"/>
-      <a:lightRig rig="threePt" dir="t"/>
-    </dgm:scene3d>
-    <dgm:sp3d/>
-    <dgm:txPr/>
-    <dgm:style>
-      <a:lnRef idx="2">
-        <a:scrgbClr r="0" g="0" b="0"/>
-      </a:lnRef>
-      <a:fillRef idx="1">
-        <a:scrgbClr r="0" g="0" b="0"/>
-      </a:fillRef>
-      <a:effectRef idx="0">
-        <a:scrgbClr r="0" g="0" b="0"/>
-      </a:effectRef>
-      <a:fontRef idx="minor">
-        <a:schemeClr val="lt1"/>
-      </a:fontRef>
-    </dgm:style>
-  </dgm:styleLbl>
-  <dgm:styleLbl name="node3">
-    <dgm:scene3d>
-      <a:camera prst="orthographicFront"/>
-      <a:lightRig rig="threePt" dir="t"/>
-    </dgm:scene3d>
-    <dgm:sp3d/>
-    <dgm:txPr/>
-    <dgm:style>
-      <a:lnRef idx="2">
-        <a:scrgbClr r="0" g="0" b="0"/>
-      </a:lnRef>
-      <a:fillRef idx="1">
-        <a:scrgbClr r="0" g="0" b="0"/>
-      </a:fillRef>
-      <a:effectRef idx="0">
-        <a:scrgbClr r="0" g="0" b="0"/>
-      </a:effectRef>
-      <a:fontRef idx="minor">
-        <a:schemeClr val="lt1"/>
-      </a:fontRef>
-    </dgm:style>
-  </dgm:styleLbl>
-  <dgm:styleLbl name="node4">
-    <dgm:scene3d>
-      <a:camera prst="orthographicFront"/>
-      <a:lightRig rig="threePt" dir="t"/>
-    </dgm:scene3d>
-    <dgm:sp3d/>
-    <dgm:txPr/>
-    <dgm:style>
-      <a:lnRef idx="2">
-        <a:scrgbClr r="0" g="0" b="0"/>
-      </a:lnRef>
-      <a:fillRef idx="1">
-        <a:scrgbClr r="0" g="0" b="0"/>
-      </a:fillRef>
-      <a:effectRef idx="0">
-        <a:scrgbClr r="0" g="0" b="0"/>
-      </a:effectRef>
-      <a:fontRef idx="minor">
-        <a:schemeClr val="lt1"/>
-      </a:fontRef>
-    </dgm:style>
-  </dgm:styleLbl>
-  <dgm:styleLbl name="fgImgPlace1">
-    <dgm:scene3d>
-      <a:camera prst="orthographicFront"/>
-      <a:lightRig rig="threePt" dir="t"/>
-    </dgm:scene3d>
-    <dgm:sp3d/>
-    <dgm:txPr/>
-    <dgm:style>
-      <a:lnRef idx="2">
-        <a:scrgbClr r="0" g="0" b="0"/>
-      </a:lnRef>
-      <a:fillRef idx="1">
-        <a:scrgbClr r="0" g="0" b="0"/>
-      </a:fillRef>
-      <a:effectRef idx="0">
-        <a:scrgbClr r="0" g="0" b="0"/>
-      </a:effectRef>
-      <a:fontRef idx="minor"/>
-    </dgm:style>
-  </dgm:styleLbl>
-  <dgm:styleLbl name="alignImgPlace1">
-    <dgm:scene3d>
-      <a:camera prst="orthographicFront"/>
-      <a:lightRig rig="threePt" dir="t"/>
-    </dgm:scene3d>
-    <dgm:sp3d/>
-    <dgm:txPr/>
-    <dgm:style>
-      <a:lnRef idx="2">
-        <a:scrgbClr r="0" g="0" b="0"/>
-      </a:lnRef>
-      <a:fillRef idx="1">
-        <a:scrgbClr r="0" g="0" b="0"/>
-      </a:fillRef>
-      <a:effectRef idx="0">
-        <a:scrgbClr r="0" g="0" b="0"/>
-      </a:effectRef>
-      <a:fontRef idx="minor"/>
-    </dgm:style>
-  </dgm:styleLbl>
-  <dgm:styleLbl name="bgImgPlace1">
-    <dgm:scene3d>
-      <a:camera prst="orthographicFront"/>
-      <a:lightRig rig="threePt" dir="t"/>
-    </dgm:scene3d>
-    <dgm:sp3d/>
-    <dgm:txPr/>
-    <dgm:style>
-      <a:lnRef idx="2">
-        <a:scrgbClr r="0" g="0" b="0"/>
-      </a:lnRef>
-      <a:fillRef idx="1">
-        <a:scrgbClr r="0" g="0" b="0"/>
-      </a:fillRef>
-      <a:effectRef idx="0">
-        <a:scrgbClr r="0" g="0" b="0"/>
-      </a:effectRef>
-      <a:fontRef idx="minor"/>
-    </dgm:style>
-  </dgm:styleLbl>
-  <dgm:styleLbl name="sibTrans2D1">
-    <dgm:scene3d>
-      <a:camera prst="orthographicFront"/>
-      <a:lightRig rig="threePt" dir="t"/>
-    </dgm:scene3d>
-    <dgm:sp3d/>
-    <dgm:txPr/>
-    <dgm:style>
-      <a:lnRef idx="0">
-        <a:scrgbClr r="0" g="0" b="0"/>
-      </a:lnRef>
-      <a:fillRef idx="1">
-        <a:scrgbClr r="0" g="0" b="0"/>
-      </a:fillRef>
-      <a:effectRef idx="0">
-        <a:scrgbClr r="0" g="0" b="0"/>
-      </a:effectRef>
-      <a:fontRef idx="minor">
-        <a:schemeClr val="lt1"/>
-      </a:fontRef>
-    </dgm:style>
-  </dgm:styleLbl>
-  <dgm:styleLbl name="fgSibTrans2D1">
-    <dgm:scene3d>
-      <a:camera prst="orthographicFront"/>
-      <a:lightRig rig="threePt" dir="t"/>
-    </dgm:scene3d>
-    <dgm:sp3d/>
-    <dgm:txPr/>
-    <dgm:style>
-      <a:lnRef idx="0">
-        <a:scrgbClr r="0" g="0" b="0"/>
-      </a:lnRef>
-      <a:fillRef idx="1">
-        <a:scrgbClr r="0" g="0" b="0"/>
-      </a:fillRef>
-      <a:effectRef idx="0">
-        <a:scrgbClr r="0" g="0" b="0"/>
-      </a:effectRef>
-      <a:fontRef idx="minor">
-        <a:schemeClr val="lt1"/>
-      </a:fontRef>
-    </dgm:style>
-  </dgm:styleLbl>
-  <dgm:styleLbl name="bgSibTrans2D1">
-    <dgm:scene3d>
-      <a:camera prst="orthographicFront"/>
-      <a:lightRig rig="threePt" dir="t"/>
-    </dgm:scene3d>
-    <dgm:sp3d/>
-    <dgm:txPr/>
-    <dgm:style>
-      <a:lnRef idx="0">
-        <a:scrgbClr r="0" g="0" b="0"/>
-      </a:lnRef>
-      <a:fillRef idx="1">
-        <a:scrgbClr r="0" g="0" b="0"/>
-      </a:fillRef>
-      <a:effectRef idx="0">
-        <a:scrgbClr r="0" g="0" b="0"/>
-      </a:effectRef>
-      <a:fontRef idx="minor">
-        <a:schemeClr val="lt1"/>
-      </a:fontRef>
-    </dgm:style>
-  </dgm:styleLbl>
-  <dgm:styleLbl name="sibTrans1D1">
-    <dgm:scene3d>
-      <a:camera prst="orthographicFront"/>
-      <a:lightRig rig="threePt" dir="t"/>
-    </dgm:scene3d>
-    <dgm:sp3d/>
-    <dgm:txPr/>
-    <dgm:style>
-      <a:lnRef idx="1">
-        <a:scrgbClr r="0" g="0" b="0"/>
-      </a:lnRef>
-      <a:fillRef idx="0">
-        <a:scrgbClr r="0" g="0" b="0"/>
-      </a:fillRef>
-      <a:effectRef idx="0">
-        <a:scrgbClr r="0" g="0" b="0"/>
-      </a:effectRef>
-      <a:fontRef idx="minor"/>
-    </dgm:style>
-  </dgm:styleLbl>
-  <dgm:styleLbl name="callout">
-    <dgm:scene3d>
-      <a:camera prst="orthographicFront"/>
-      <a:lightRig rig="threePt" dir="t"/>
-    </dgm:scene3d>
-    <dgm:sp3d/>
-    <dgm:txPr/>
-    <dgm:style>
-      <a:lnRef idx="2">
-        <a:scrgbClr r="0" g="0" b="0"/>
-      </a:lnRef>
-      <a:fillRef idx="1">
-        <a:scrgbClr r="0" g="0" b="0"/>
-      </a:fillRef>
-      <a:effectRef idx="0">
-        <a:scrgbClr r="0" g="0" b="0"/>
-      </a:effectRef>
-      <a:fontRef idx="minor"/>
-    </dgm:style>
-  </dgm:styleLbl>
-  <dgm:styleLbl name="asst0">
-    <dgm:scene3d>
-      <a:camera prst="orthographicFront"/>
-      <a:lightRig rig="threePt" dir="t"/>
-    </dgm:scene3d>
-    <dgm:sp3d/>
-    <dgm:txPr/>
-    <dgm:style>
-      <a:lnRef idx="2">
-        <a:scrgbClr r="0" g="0" b="0"/>
-      </a:lnRef>
-      <a:fillRef idx="1">
-        <a:scrgbClr r="0" g="0" b="0"/>
-      </a:fillRef>
-      <a:effectRef idx="0">
-        <a:scrgbClr r="0" g="0" b="0"/>
-      </a:effectRef>
-      <a:fontRef idx="minor">
-        <a:schemeClr val="lt1"/>
-      </a:fontRef>
-    </dgm:style>
-  </dgm:styleLbl>
-  <dgm:styleLbl name="asst1">
-    <dgm:scene3d>
-      <a:camera prst="orthographicFront"/>
-      <a:lightRig rig="threePt" dir="t"/>
-    </dgm:scene3d>
-    <dgm:sp3d/>
-    <dgm:txPr/>
-    <dgm:style>
-      <a:lnRef idx="2">
-        <a:scrgbClr r="0" g="0" b="0"/>
-      </a:lnRef>
-      <a:fillRef idx="1">
-        <a:scrgbClr r="0" g="0" b="0"/>
-      </a:fillRef>
-      <a:effectRef idx="0">
-        <a:scrgbClr r="0" g="0" b="0"/>
-      </a:effectRef>
-      <a:fontRef idx="minor">
-        <a:schemeClr val="lt1"/>
-      </a:fontRef>
-    </dgm:style>
-  </dgm:styleLbl>
-  <dgm:styleLbl name="asst2">
-    <dgm:scene3d>
-      <a:camera prst="orthographicFront"/>
-      <a:lightRig rig="threePt" dir="t"/>
-    </dgm:scene3d>
-    <dgm:sp3d/>
-    <dgm:txPr/>
-    <dgm:style>
-      <a:lnRef idx="2">
-        <a:scrgbClr r="0" g="0" b="0"/>
-      </a:lnRef>
-      <a:fillRef idx="1">
-        <a:scrgbClr r="0" g="0" b="0"/>
-      </a:fillRef>
-      <a:effectRef idx="0">
-        <a:scrgbClr r="0" g="0" b="0"/>
-      </a:effectRef>
-      <a:fontRef idx="minor">
-        <a:schemeClr val="lt1"/>
-      </a:fontRef>
-    </dgm:style>
-  </dgm:styleLbl>
-  <dgm:styleLbl name="asst3">
-    <dgm:scene3d>
-      <a:camera prst="orthographicFront"/>
-      <a:lightRig rig="threePt" dir="t"/>
-    </dgm:scene3d>
-    <dgm:sp3d/>
-    <dgm:txPr/>
-    <dgm:style>
-      <a:lnRef idx="2">
-        <a:scrgbClr r="0" g="0" b="0"/>
-      </a:lnRef>
-      <a:fillRef idx="1">
-        <a:scrgbClr r="0" g="0" b="0"/>
-      </a:fillRef>
-      <a:effectRef idx="0">
-        <a:scrgbClr r="0" g="0" b="0"/>
-      </a:effectRef>
-      <a:fontRef idx="minor">
-        <a:schemeClr val="lt1"/>
-      </a:fontRef>
-    </dgm:style>
-  </dgm:styleLbl>
-  <dgm:styleLbl name="asst4">
-    <dgm:scene3d>
-      <a:camera prst="orthographicFront"/>
-      <a:lightRig rig="threePt" dir="t"/>
-    </dgm:scene3d>
-    <dgm:sp3d/>
-    <dgm:txPr/>
-    <dgm:style>
-      <a:lnRef idx="2">
-        <a:scrgbClr r="0" g="0" b="0"/>
-      </a:lnRef>
-      <a:fillRef idx="1">
-        <a:scrgbClr r="0" g="0" b="0"/>
-      </a:fillRef>
-      <a:effectRef idx="0">
-        <a:scrgbClr r="0" g="0" b="0"/>
-      </a:effectRef>
-      <a:fontRef idx="minor">
-        <a:schemeClr val="lt1"/>
-      </a:fontRef>
-    </dgm:style>
-  </dgm:styleLbl>
-  <dgm:styleLbl name="parChTrans2D1">
-    <dgm:scene3d>
-      <a:camera prst="orthographicFront"/>
-      <a:lightRig rig="threePt" dir="t"/>
-    </dgm:scene3d>
-    <dgm:sp3d/>
-    <dgm:txPr/>
-    <dgm:style>
-      <a:lnRef idx="2">
-        <a:scrgbClr r="0" g="0" b="0"/>
-      </a:lnRef>
-      <a:fillRef idx="1">
-        <a:scrgbClr r="0" g="0" b="0"/>
-      </a:fillRef>
-      <a:effectRef idx="0">
-        <a:scrgbClr r="0" g="0" b="0"/>
-      </a:effectRef>
-      <a:fontRef idx="minor">
-        <a:schemeClr val="lt1"/>
-      </a:fontRef>
-    </dgm:style>
-  </dgm:styleLbl>
-  <dgm:styleLbl name="parChTrans2D2">
-    <dgm:scene3d>
-      <a:camera prst="orthographicFront"/>
-      <a:lightRig rig="threePt" dir="t"/>
-    </dgm:scene3d>
-    <dgm:sp3d/>
-    <dgm:txPr/>
-    <dgm:style>
-      <a:lnRef idx="2">
-        <a:scrgbClr r="0" g="0" b="0"/>
-      </a:lnRef>
-      <a:fillRef idx="1">
-        <a:scrgbClr r="0" g="0" b="0"/>
-      </a:fillRef>
-      <a:effectRef idx="0">
-        <a:scrgbClr r="0" g="0" b="0"/>
-      </a:effectRef>
-      <a:fontRef idx="minor">
-        <a:schemeClr val="lt1"/>
-      </a:fontRef>
-    </dgm:style>
-  </dgm:styleLbl>
-  <dgm:styleLbl name="parChTrans2D3">
-    <dgm:scene3d>
-      <a:camera prst="orthographicFront"/>
-      <a:lightRig rig="threePt" dir="t"/>
-    </dgm:scene3d>
-    <dgm:sp3d/>
-    <dgm:txPr/>
-    <dgm:style>
-      <a:lnRef idx="2">
-        <a:scrgbClr r="0" g="0" b="0"/>
-      </a:lnRef>
-      <a:fillRef idx="1">
-        <a:scrgbClr r="0" g="0" b="0"/>
-      </a:fillRef>
-      <a:effectRef idx="0">
-        <a:scrgbClr r="0" g="0" b="0"/>
-      </a:effectRef>
-      <a:fontRef idx="minor">
-        <a:schemeClr val="lt1"/>
-      </a:fontRef>
-    </dgm:style>
-  </dgm:styleLbl>
-  <dgm:styleLbl name="parChTrans2D4">
-    <dgm:scene3d>
-      <a:camera prst="orthographicFront"/>
-      <a:lightRig rig="threePt" dir="t"/>
-    </dgm:scene3d>
-    <dgm:sp3d/>
-    <dgm:txPr/>
-    <dgm:style>
-      <a:lnRef idx="2">
-        <a:scrgbClr r="0" g="0" b="0"/>
-      </a:lnRef>
-      <a:fillRef idx="1">
-        <a:scrgbClr r="0" g="0" b="0"/>
-      </a:fillRef>
-      <a:effectRef idx="0">
-        <a:scrgbClr r="0" g="0" b="0"/>
-      </a:effectRef>
-      <a:fontRef idx="minor">
-        <a:schemeClr val="lt1"/>
-      </a:fontRef>
-    </dgm:style>
-  </dgm:styleLbl>
-  <dgm:styleLbl name="parChTrans1D1">
-    <dgm:scene3d>
-      <a:camera prst="orthographicFront"/>
-      <a:lightRig rig="threePt" dir="t"/>
-    </dgm:scene3d>
-    <dgm:sp3d/>
-    <dgm:txPr/>
-    <dgm:style>
-      <a:lnRef idx="2">
-        <a:scrgbClr r="0" g="0" b="0"/>
-      </a:lnRef>
-      <a:fillRef idx="0">
-        <a:scrgbClr r="0" g="0" b="0"/>
-      </a:fillRef>
-      <a:effectRef idx="0">
-        <a:scrgbClr r="0" g="0" b="0"/>
-      </a:effectRef>
-      <a:fontRef idx="minor"/>
-    </dgm:style>
-  </dgm:styleLbl>
-  <dgm:styleLbl name="parChTrans1D2">
-    <dgm:scene3d>
-      <a:camera prst="orthographicFront"/>
-      <a:lightRig rig="threePt" dir="t"/>
-    </dgm:scene3d>
-    <dgm:sp3d/>
-    <dgm:txPr/>
-    <dgm:style>
-      <a:lnRef idx="2">
-        <a:scrgbClr r="0" g="0" b="0"/>
-      </a:lnRef>
-      <a:fillRef idx="0">
-        <a:scrgbClr r="0" g="0" b="0"/>
-      </a:fillRef>
-      <a:effectRef idx="0">
-        <a:scrgbClr r="0" g="0" b="0"/>
-      </a:effectRef>
-      <a:fontRef idx="minor"/>
-    </dgm:style>
-  </dgm:styleLbl>
-  <dgm:styleLbl name="parChTrans1D3">
-    <dgm:scene3d>
-      <a:camera prst="orthographicFront"/>
-      <a:lightRig rig="threePt" dir="t"/>
-    </dgm:scene3d>
-    <dgm:sp3d/>
-    <dgm:txPr/>
-    <dgm:style>
-      <a:lnRef idx="2">
-        <a:scrgbClr r="0" g="0" b="0"/>
-      </a:lnRef>
-      <a:fillRef idx="0">
-        <a:scrgbClr r="0" g="0" b="0"/>
-      </a:fillRef>
-      <a:effectRef idx="0">
-        <a:scrgbClr r="0" g="0" b="0"/>
-      </a:effectRef>
-      <a:fontRef idx="minor"/>
-    </dgm:style>
-  </dgm:styleLbl>
-  <dgm:styleLbl name="parChTrans1D4">
-    <dgm:scene3d>
-      <a:camera prst="orthographicFront"/>
-      <a:lightRig rig="threePt" dir="t"/>
-    </dgm:scene3d>
-    <dgm:sp3d/>
-    <dgm:txPr/>
-    <dgm:style>
-      <a:lnRef idx="2">
-        <a:scrgbClr r="0" g="0" b="0"/>
-      </a:lnRef>
-      <a:fillRef idx="0">
-        <a:scrgbClr r="0" g="0" b="0"/>
-      </a:fillRef>
-      <a:effectRef idx="0">
-        <a:scrgbClr r="0" g="0" b="0"/>
-      </a:effectRef>
-      <a:fontRef idx="minor"/>
-    </dgm:style>
-  </dgm:styleLbl>
-  <dgm:styleLbl name="fgAcc1">
-    <dgm:scene3d>
-      <a:camera prst="orthographicFront"/>
-      <a:lightRig rig="threePt" dir="t"/>
-    </dgm:scene3d>
-    <dgm:sp3d/>
-    <dgm:txPr/>
-    <dgm:style>
-      <a:lnRef idx="2">
-        <a:scrgbClr r="0" g="0" b="0"/>
-      </a:lnRef>
-      <a:fillRef idx="1">
-        <a:scrgbClr r="0" g="0" b="0"/>
-      </a:fillRef>
-      <a:effectRef idx="0">
-        <a:scrgbClr r="0" g="0" b="0"/>
-      </a:effectRef>
-      <a:fontRef idx="minor"/>
-    </dgm:style>
-  </dgm:styleLbl>
-  <dgm:styleLbl name="conFgAcc1">
-    <dgm:scene3d>
-      <a:camera prst="orthographicFront"/>
-      <a:lightRig rig="threePt" dir="t"/>
-    </dgm:scene3d>
-    <dgm:sp3d/>
-    <dgm:txPr/>
-    <dgm:style>
-      <a:lnRef idx="2">
-        <a:scrgbClr r="0" g="0" b="0"/>
-      </a:lnRef>
-      <a:fillRef idx="1">
-        <a:scrgbClr r="0" g="0" b="0"/>
-      </a:fillRef>
-      <a:effectRef idx="0">
-        <a:scrgbClr r="0" g="0" b="0"/>
-      </a:effectRef>
-      <a:fontRef idx="minor"/>
-    </dgm:style>
-  </dgm:styleLbl>
-  <dgm:styleLbl name="alignAcc1">
-    <dgm:scene3d>
-      <a:camera prst="orthographicFront"/>
-      <a:lightRig rig="threePt" dir="t"/>
-    </dgm:scene3d>
-    <dgm:sp3d/>
-    <dgm:txPr/>
-    <dgm:style>
-      <a:lnRef idx="2">
-        <a:scrgbClr r="0" g="0" b="0"/>
-      </a:lnRef>
-      <a:fillRef idx="1">
-        <a:scrgbClr r="0" g="0" b="0"/>
-      </a:fillRef>
-      <a:effectRef idx="0">
-        <a:scrgbClr r="0" g="0" b="0"/>
-      </a:effectRef>
-      <a:fontRef idx="minor"/>
-    </dgm:style>
-  </dgm:styleLbl>
-  <dgm:styleLbl name="trAlignAcc1">
-    <dgm:scene3d>
-      <a:camera prst="orthographicFront"/>
-      <a:lightRig rig="threePt" dir="t"/>
-    </dgm:scene3d>
-    <dgm:sp3d/>
-    <dgm:txPr/>
-    <dgm:style>
-      <a:lnRef idx="1">
-        <a:scrgbClr r="0" g="0" b="0"/>
-      </a:lnRef>
-      <a:fillRef idx="1">
-        <a:scrgbClr r="0" g="0" b="0"/>
-      </a:fillRef>
-      <a:effectRef idx="0">
-        <a:scrgbClr r="0" g="0" b="0"/>
-      </a:effectRef>
-      <a:fontRef idx="minor"/>
-    </dgm:style>
-  </dgm:styleLbl>
-  <dgm:styleLbl name="bgAcc1">
-    <dgm:scene3d>
-      <a:camera prst="orthographicFront"/>
-      <a:lightRig rig="threePt" dir="t"/>
-    </dgm:scene3d>
-    <dgm:sp3d/>
-    <dgm:txPr/>
-    <dgm:style>
-      <a:lnRef idx="2">
-        <a:scrgbClr r="0" g="0" b="0"/>
-      </a:lnRef>
-      <a:fillRef idx="1">
-        <a:scrgbClr r="0" g="0" b="0"/>
-      </a:fillRef>
-      <a:effectRef idx="0">
-        <a:scrgbClr r="0" g="0" b="0"/>
-      </a:effectRef>
-      <a:fontRef idx="minor"/>
-    </dgm:style>
-  </dgm:styleLbl>
-  <dgm:styleLbl name="solidFgAcc1">
-    <dgm:scene3d>
-      <a:camera prst="orthographicFront"/>
-      <a:lightRig rig="threePt" dir="t"/>
-    </dgm:scene3d>
-    <dgm:sp3d/>
-    <dgm:txPr/>
-    <dgm:style>
-      <a:lnRef idx="2">
-        <a:scrgbClr r="0" g="0" b="0"/>
-      </a:lnRef>
-      <a:fillRef idx="1">
-        <a:scrgbClr r="0" g="0" b="0"/>
-      </a:fillRef>
-      <a:effectRef idx="0">
-        <a:scrgbClr r="0" g="0" b="0"/>
-      </a:effectRef>
-      <a:fontRef idx="minor"/>
-    </dgm:style>
-  </dgm:styleLbl>
-  <dgm:styleLbl name="solidAlignAcc1">
-    <dgm:scene3d>
-      <a:camera prst="orthographicFront"/>
-      <a:lightRig rig="threePt" dir="t"/>
-    </dgm:scene3d>
-    <dgm:sp3d/>
-    <dgm:txPr/>
-    <dgm:style>
-      <a:lnRef idx="2">
-        <a:scrgbClr r="0" g="0" b="0"/>
-      </a:lnRef>
-      <a:fillRef idx="1">
-        <a:scrgbClr r="0" g="0" b="0"/>
-      </a:fillRef>
-      <a:effectRef idx="0">
-        <a:scrgbClr r="0" g="0" b="0"/>
-      </a:effectRef>
-      <a:fontRef idx="minor"/>
-    </dgm:style>
-  </dgm:styleLbl>
-  <dgm:styleLbl name="solidBgAcc1">
-    <dgm:scene3d>
-      <a:camera prst="orthographicFront"/>
-      <a:lightRig rig="threePt" dir="t"/>
-    </dgm:scene3d>
-    <dgm:sp3d/>
-    <dgm:txPr/>
-    <dgm:style>
-      <a:lnRef idx="2">
-        <a:scrgbClr r="0" g="0" b="0"/>
-      </a:lnRef>
-      <a:fillRef idx="1">
-        <a:scrgbClr r="0" g="0" b="0"/>
-      </a:fillRef>
-      <a:effectRef idx="0">
-        <a:scrgbClr r="0" g="0" b="0"/>
-      </a:effectRef>
-      <a:fontRef idx="minor"/>
-    </dgm:style>
-  </dgm:styleLbl>
-  <dgm:styleLbl name="fgAccFollowNode1">
-    <dgm:scene3d>
-      <a:camera prst="orthographicFront"/>
-      <a:lightRig rig="threePt" dir="t"/>
-    </dgm:scene3d>
-    <dgm:sp3d/>
-    <dgm:txPr/>
-    <dgm:style>
-      <a:lnRef idx="2">
-        <a:scrgbClr r="0" g="0" b="0"/>
-      </a:lnRef>
-      <a:fillRef idx="1">
-        <a:scrgbClr r="0" g="0" b="0"/>
-      </a:fillRef>
-      <a:effectRef idx="0">
-        <a:scrgbClr r="0" g="0" b="0"/>
-      </a:effectRef>
-      <a:fontRef idx="minor"/>
-    </dgm:style>
-  </dgm:styleLbl>
-  <dgm:styleLbl name="alignAccFollowNode1">
-    <dgm:scene3d>
-      <a:camera prst="orthographicFront"/>
-      <a:lightRig rig="threePt" dir="t"/>
-    </dgm:scene3d>
-    <dgm:sp3d/>
-    <dgm:txPr/>
-    <dgm:style>
-      <a:lnRef idx="2">
-        <a:scrgbClr r="0" g="0" b="0"/>
-      </a:lnRef>
-      <a:fillRef idx="1">
-        <a:scrgbClr r="0" g="0" b="0"/>
-      </a:fillRef>
-      <a:effectRef idx="0">
-        <a:scrgbClr r="0" g="0" b="0"/>
-      </a:effectRef>
-      <a:fontRef idx="minor"/>
-    </dgm:style>
-  </dgm:styleLbl>
-  <dgm:styleLbl name="bgAccFollowNode1">
-    <dgm:scene3d>
-      <a:camera prst="orthographicFront"/>
-      <a:lightRig rig="threePt" dir="t"/>
-    </dgm:scene3d>
-    <dgm:sp3d/>
-    <dgm:txPr/>
-    <dgm:style>
-      <a:lnRef idx="2">
-        <a:scrgbClr r="0" g="0" b="0"/>
-      </a:lnRef>
-      <a:fillRef idx="1">
-        <a:scrgbClr r="0" g="0" b="0"/>
-      </a:fillRef>
-      <a:effectRef idx="0">
-        <a:scrgbClr r="0" g="0" b="0"/>
-      </a:effectRef>
-      <a:fontRef idx="minor"/>
-    </dgm:style>
-  </dgm:styleLbl>
-  <dgm:styleLbl name="fgAcc0">
-    <dgm:scene3d>
-      <a:camera prst="orthographicFront"/>
-      <a:lightRig rig="threePt" dir="t"/>
-    </dgm:scene3d>
-    <dgm:sp3d/>
-    <dgm:txPr/>
-    <dgm:style>
-      <a:lnRef idx="2">
-        <a:scrgbClr r="0" g="0" b="0"/>
-      </a:lnRef>
-      <a:fillRef idx="1">
-        <a:scrgbClr r="0" g="0" b="0"/>
-      </a:fillRef>
-      <a:effectRef idx="0">
-        <a:scrgbClr r="0" g="0" b="0"/>
-      </a:effectRef>
-      <a:fontRef idx="minor"/>
-    </dgm:style>
-  </dgm:styleLbl>
-  <dgm:styleLbl name="fgAcc2">
-    <dgm:scene3d>
-      <a:camera prst="orthographicFront"/>
-      <a:lightRig rig="threePt" dir="t"/>
-    </dgm:scene3d>
-    <dgm:sp3d/>
-    <dgm:txPr/>
-    <dgm:style>
-      <a:lnRef idx="2">
-        <a:scrgbClr r="0" g="0" b="0"/>
-      </a:lnRef>
-      <a:fillRef idx="1">
-        <a:scrgbClr r="0" g="0" b="0"/>
-      </a:fillRef>
-      <a:effectRef idx="0">
-        <a:scrgbClr r="0" g="0" b="0"/>
-      </a:effectRef>
-      <a:fontRef idx="minor"/>
-    </dgm:style>
-  </dgm:styleLbl>
-  <dgm:styleLbl name="fgAcc3">
-    <dgm:scene3d>
-      <a:camera prst="orthographicFront"/>
-      <a:lightRig rig="threePt" dir="t"/>
-    </dgm:scene3d>
-    <dgm:sp3d/>
-    <dgm:txPr/>
-    <dgm:style>
-      <a:lnRef idx="2">
-        <a:scrgbClr r="0" g="0" b="0"/>
-      </a:lnRef>
-      <a:fillRef idx="1">
-        <a:scrgbClr r="0" g="0" b="0"/>
-      </a:fillRef>
-      <a:effectRef idx="0">
-        <a:scrgbClr r="0" g="0" b="0"/>
-      </a:effectRef>
-      <a:fontRef idx="minor"/>
-    </dgm:style>
-  </dgm:styleLbl>
-  <dgm:styleLbl name="fgAcc4">
-    <dgm:scene3d>
-      <a:camera prst="orthographicFront"/>
-      <a:lightRig rig="threePt" dir="t"/>
-    </dgm:scene3d>
-    <dgm:sp3d/>
-    <dgm:txPr/>
-    <dgm:style>
-      <a:lnRef idx="2">
-        <a:scrgbClr r="0" g="0" b="0"/>
-      </a:lnRef>
-      <a:fillRef idx="1">
-        <a:scrgbClr r="0" g="0" b="0"/>
-      </a:fillRef>
-      <a:effectRef idx="0">
-        <a:scrgbClr r="0" g="0" b="0"/>
-      </a:effectRef>
-      <a:fontRef idx="minor"/>
-    </dgm:style>
-  </dgm:styleLbl>
-  <dgm:styleLbl name="bgShp">
-    <dgm:scene3d>
-      <a:camera prst="orthographicFront"/>
-      <a:lightRig rig="threePt" dir="t"/>
-    </dgm:scene3d>
-    <dgm:sp3d/>
-    <dgm:txPr/>
-    <dgm:style>
-      <a:lnRef idx="0">
-        <a:scrgbClr r="0" g="0" b="0"/>
-      </a:lnRef>
-      <a:fillRef idx="1">
-        <a:scrgbClr r="0" g="0" b="0"/>
-      </a:fillRef>
-      <a:effectRef idx="0">
-        <a:scrgbClr r="0" g="0" b="0"/>
-      </a:effectRef>
-      <a:fontRef idx="minor"/>
-    </dgm:style>
-  </dgm:styleLbl>
-  <dgm:styleLbl name="dkBgShp">
-    <dgm:scene3d>
-      <a:camera prst="orthographicFront"/>
-      <a:lightRig rig="threePt" dir="t"/>
-    </dgm:scene3d>
-    <dgm:sp3d/>
-    <dgm:txPr/>
-    <dgm:style>
-      <a:lnRef idx="0">
-        <a:scrgbClr r="0" g="0" b="0"/>
-      </a:lnRef>
-      <a:fillRef idx="1">
-        <a:scrgbClr r="0" g="0" b="0"/>
-      </a:fillRef>
-      <a:effectRef idx="0">
-        <a:scrgbClr r="0" g="0" b="0"/>
-      </a:effectRef>
-      <a:fontRef idx="minor"/>
-    </dgm:style>
-  </dgm:styleLbl>
-  <dgm:styleLbl name="trBgShp">
-    <dgm:scene3d>
-      <a:camera prst="orthographicFront"/>
-      <a:lightRig rig="threePt" dir="t"/>
-    </dgm:scene3d>
-    <dgm:sp3d/>
-    <dgm:txPr/>
-    <dgm:style>
-      <a:lnRef idx="0">
-        <a:scrgbClr r="0" g="0" b="0"/>
-      </a:lnRef>
-      <a:fillRef idx="1">
-        <a:scrgbClr r="0" g="0" b="0"/>
-      </a:fillRef>
-      <a:effectRef idx="0">
-        <a:scrgbClr r="0" g="0" b="0"/>
-      </a:effectRef>
-      <a:fontRef idx="minor"/>
-    </dgm:style>
-  </dgm:styleLbl>
-  <dgm:styleLbl name="fgShp">
-    <dgm:scene3d>
-      <a:camera prst="orthographicFront"/>
-      <a:lightRig rig="threePt" dir="t"/>
-    </dgm:scene3d>
-    <dgm:sp3d/>
-    <dgm:txPr/>
-    <dgm:style>
-      <a:lnRef idx="2">
-        <a:scrgbClr r="0" g="0" b="0"/>
-      </a:lnRef>
-      <a:fillRef idx="1">
-        <a:scrgbClr r="0" g="0" b="0"/>
-      </a:fillRef>
-      <a:effectRef idx="0">
-        <a:scrgbClr r="0" g="0" b="0"/>
-      </a:effectRef>
-      <a:fontRef idx="minor"/>
-    </dgm:style>
-  </dgm:styleLbl>
-  <dgm:styleLbl name="revTx">
-    <dgm:scene3d>
-      <a:camera prst="orthographicFront"/>
-      <a:lightRig rig="threePt" dir="t"/>
-    </dgm:scene3d>
-    <dgm:sp3d/>
-    <dgm:txPr/>
-    <dgm:style>
-      <a:lnRef idx="0">
-        <a:scrgbClr r="0" g="0" b="0"/>
-      </a:lnRef>
-      <a:fillRef idx="0">
-        <a:scrgbClr r="0" g="0" b="0"/>
-      </a:fillRef>
-      <a:effectRef idx="0">
-        <a:scrgbClr r="0" g="0" b="0"/>
-      </a:effectRef>
-      <a:fontRef idx="minor"/>
-    </dgm:style>
-  </dgm:styleLbl>
-</dgm:styleDef>
-</file>
-
 <file path=ppt/notesMasters/notesMaster1.xml><?xml version="1.0" encoding="utf-8"?>
 <p:notesMaster xmlns:a="http://schemas.openxmlformats.org/drawingml/2006/main" xmlns:r="http://schemas.openxmlformats.org/officeDocument/2006/relationships" xmlns:p="http://schemas.openxmlformats.org/presentationml/2006/main">
   <p:cSld>
@@ -3274,7 +236,7 @@
           <a:p>
             <a:fld id="{16E5F246-0B7D-44DF-8C1B-EDFCA5DA626A}" type="datetimeFigureOut">
               <a:rPr lang="ru-RU" smtClean="0"/>
-              <a:t>05.04.2016</a:t>
+              <a:t>14.07.2016</a:t>
             </a:fld>
             <a:endParaRPr lang="ru-RU"/>
           </a:p>
@@ -3338,38 +300,37 @@
           <a:p>
             <a:pPr lvl="0"/>
             <a:r>
-              <a:rPr lang="ru-RU" smtClean="0"/>
+              <a:rPr lang="ru-RU"/>
               <a:t>Образец текста</a:t>
             </a:r>
           </a:p>
           <a:p>
             <a:pPr lvl="1"/>
             <a:r>
-              <a:rPr lang="ru-RU" smtClean="0"/>
+              <a:rPr lang="ru-RU"/>
               <a:t>Второй уровень</a:t>
             </a:r>
           </a:p>
           <a:p>
             <a:pPr lvl="2"/>
             <a:r>
-              <a:rPr lang="ru-RU" smtClean="0"/>
+              <a:rPr lang="ru-RU"/>
               <a:t>Третий уровень</a:t>
             </a:r>
           </a:p>
           <a:p>
             <a:pPr lvl="3"/>
             <a:r>
-              <a:rPr lang="ru-RU" smtClean="0"/>
+              <a:rPr lang="ru-RU"/>
               <a:t>Четвертый уровень</a:t>
             </a:r>
           </a:p>
           <a:p>
             <a:pPr lvl="4"/>
             <a:r>
-              <a:rPr lang="ru-RU" smtClean="0"/>
+              <a:rPr lang="ru-RU"/>
               <a:t>Пятый уровень</a:t>
             </a:r>
-            <a:endParaRPr lang="ru-RU"/>
           </a:p>
         </p:txBody>
       </p:sp>
@@ -3561,6 +522,362 @@
       </p:grpSpPr>
       <p:sp>
         <p:nvSpPr>
+          <p:cNvPr id="2" name="Образ слайда 1"/>
+          <p:cNvSpPr>
+            <a:spLocks noGrp="1" noRot="1" noChangeAspect="1"/>
+          </p:cNvSpPr>
+          <p:nvPr>
+            <p:ph type="sldImg"/>
+          </p:nvPr>
+        </p:nvSpPr>
+        <p:spPr/>
+      </p:sp>
+      <p:sp>
+        <p:nvSpPr>
+          <p:cNvPr id="3" name="Заметки 2"/>
+          <p:cNvSpPr>
+            <a:spLocks noGrp="1"/>
+          </p:cNvSpPr>
+          <p:nvPr>
+            <p:ph type="body" idx="1"/>
+          </p:nvPr>
+        </p:nvSpPr>
+        <p:spPr/>
+        <p:txBody>
+          <a:bodyPr/>
+          <a:lstStyle/>
+          <a:p>
+            <a:endParaRPr lang="ru-RU" dirty="0"/>
+          </a:p>
+        </p:txBody>
+      </p:sp>
+      <p:sp>
+        <p:nvSpPr>
+          <p:cNvPr id="4" name="Номер слайда 3"/>
+          <p:cNvSpPr>
+            <a:spLocks noGrp="1"/>
+          </p:cNvSpPr>
+          <p:nvPr>
+            <p:ph type="sldNum" sz="quarter" idx="10"/>
+          </p:nvPr>
+        </p:nvSpPr>
+        <p:spPr/>
+        <p:txBody>
+          <a:bodyPr/>
+          <a:lstStyle/>
+          <a:p>
+            <a:fld id="{3BAECB10-9972-4830-A584-02C41DAFD45B}" type="slidenum">
+              <a:rPr lang="ru-RU" smtClean="0"/>
+              <a:t>2</a:t>
+            </a:fld>
+            <a:endParaRPr lang="ru-RU"/>
+          </a:p>
+        </p:txBody>
+      </p:sp>
+    </p:spTree>
+    <p:extLst>
+      <p:ext uri="{BB962C8B-B14F-4D97-AF65-F5344CB8AC3E}">
+        <p14:creationId xmlns:p14="http://schemas.microsoft.com/office/powerpoint/2010/main" val="1171021780"/>
+      </p:ext>
+    </p:extLst>
+  </p:cSld>
+  <p:clrMapOvr>
+    <a:masterClrMapping/>
+  </p:clrMapOvr>
+</p:notes>
+</file>
+
+<file path=ppt/notesSlides/notesSlide2.xml><?xml version="1.0" encoding="utf-8"?>
+<p:notes xmlns:a="http://schemas.openxmlformats.org/drawingml/2006/main" xmlns:r="http://schemas.openxmlformats.org/officeDocument/2006/relationships" xmlns:p="http://schemas.openxmlformats.org/presentationml/2006/main">
+  <p:cSld>
+    <p:spTree>
+      <p:nvGrpSpPr>
+        <p:cNvPr id="1" name=""/>
+        <p:cNvGrpSpPr/>
+        <p:nvPr/>
+      </p:nvGrpSpPr>
+      <p:grpSpPr>
+        <a:xfrm>
+          <a:off x="0" y="0"/>
+          <a:ext cx="0" cy="0"/>
+          <a:chOff x="0" y="0"/>
+          <a:chExt cx="0" cy="0"/>
+        </a:xfrm>
+      </p:grpSpPr>
+      <p:sp>
+        <p:nvSpPr>
+          <p:cNvPr id="2" name="Образ слайда 1"/>
+          <p:cNvSpPr>
+            <a:spLocks noGrp="1" noRot="1" noChangeAspect="1"/>
+          </p:cNvSpPr>
+          <p:nvPr>
+            <p:ph type="sldImg"/>
+          </p:nvPr>
+        </p:nvSpPr>
+        <p:spPr/>
+      </p:sp>
+      <p:sp>
+        <p:nvSpPr>
+          <p:cNvPr id="3" name="Заметки 2"/>
+          <p:cNvSpPr>
+            <a:spLocks noGrp="1"/>
+          </p:cNvSpPr>
+          <p:nvPr>
+            <p:ph type="body" idx="1"/>
+          </p:nvPr>
+        </p:nvSpPr>
+        <p:spPr/>
+        <p:txBody>
+          <a:bodyPr/>
+          <a:lstStyle/>
+          <a:p>
+            <a:endParaRPr lang="ru-RU" dirty="0"/>
+          </a:p>
+        </p:txBody>
+      </p:sp>
+      <p:sp>
+        <p:nvSpPr>
+          <p:cNvPr id="4" name="Номер слайда 3"/>
+          <p:cNvSpPr>
+            <a:spLocks noGrp="1"/>
+          </p:cNvSpPr>
+          <p:nvPr>
+            <p:ph type="sldNum" sz="quarter" idx="10"/>
+          </p:nvPr>
+        </p:nvSpPr>
+        <p:spPr/>
+        <p:txBody>
+          <a:bodyPr/>
+          <a:lstStyle/>
+          <a:p>
+            <a:fld id="{3BAECB10-9972-4830-A584-02C41DAFD45B}" type="slidenum">
+              <a:rPr lang="ru-RU" smtClean="0"/>
+              <a:t>3</a:t>
+            </a:fld>
+            <a:endParaRPr lang="ru-RU"/>
+          </a:p>
+        </p:txBody>
+      </p:sp>
+    </p:spTree>
+    <p:extLst>
+      <p:ext uri="{BB962C8B-B14F-4D97-AF65-F5344CB8AC3E}">
+        <p14:creationId xmlns:p14="http://schemas.microsoft.com/office/powerpoint/2010/main" val="3117905599"/>
+      </p:ext>
+    </p:extLst>
+  </p:cSld>
+  <p:clrMapOvr>
+    <a:masterClrMapping/>
+  </p:clrMapOvr>
+</p:notes>
+</file>
+
+<file path=ppt/notesSlides/notesSlide3.xml><?xml version="1.0" encoding="utf-8"?>
+<p:notes xmlns:a="http://schemas.openxmlformats.org/drawingml/2006/main" xmlns:r="http://schemas.openxmlformats.org/officeDocument/2006/relationships" xmlns:p="http://schemas.openxmlformats.org/presentationml/2006/main">
+  <p:cSld>
+    <p:spTree>
+      <p:nvGrpSpPr>
+        <p:cNvPr id="1" name=""/>
+        <p:cNvGrpSpPr/>
+        <p:nvPr/>
+      </p:nvGrpSpPr>
+      <p:grpSpPr>
+        <a:xfrm>
+          <a:off x="0" y="0"/>
+          <a:ext cx="0" cy="0"/>
+          <a:chOff x="0" y="0"/>
+          <a:chExt cx="0" cy="0"/>
+        </a:xfrm>
+      </p:grpSpPr>
+      <p:sp>
+        <p:nvSpPr>
+          <p:cNvPr id="2" name="Образ слайда 1"/>
+          <p:cNvSpPr>
+            <a:spLocks noGrp="1" noRot="1" noChangeAspect="1"/>
+          </p:cNvSpPr>
+          <p:nvPr>
+            <p:ph type="sldImg"/>
+          </p:nvPr>
+        </p:nvSpPr>
+        <p:spPr/>
+      </p:sp>
+      <p:sp>
+        <p:nvSpPr>
+          <p:cNvPr id="3" name="Заметки 2"/>
+          <p:cNvSpPr>
+            <a:spLocks noGrp="1"/>
+          </p:cNvSpPr>
+          <p:nvPr>
+            <p:ph type="body" idx="1"/>
+          </p:nvPr>
+        </p:nvSpPr>
+        <p:spPr/>
+        <p:txBody>
+          <a:bodyPr/>
+          <a:lstStyle/>
+          <a:p>
+            <a:r>
+              <a:rPr lang="ru-RU" dirty="0"/>
+              <a:t>Перед </a:t>
+            </a:r>
+            <a:r>
+              <a:rPr lang="ru-RU" dirty="0" err="1"/>
+              <a:t>рефакторингом</a:t>
+            </a:r>
+            <a:r>
+              <a:rPr lang="ru-RU" baseline="0" dirty="0"/>
+              <a:t> тесты должны проходить. Если уже добавлен тест, на который не написана реализация – комментируем, </a:t>
+            </a:r>
+            <a:r>
+              <a:rPr lang="ru-RU" baseline="0" dirty="0" err="1"/>
+              <a:t>рефакторим</a:t>
+            </a:r>
+            <a:r>
+              <a:rPr lang="ru-RU" baseline="0" dirty="0"/>
+              <a:t>, и только потом чиним.</a:t>
+            </a:r>
+            <a:endParaRPr lang="ru-RU" dirty="0"/>
+          </a:p>
+        </p:txBody>
+      </p:sp>
+      <p:sp>
+        <p:nvSpPr>
+          <p:cNvPr id="4" name="Номер слайда 3"/>
+          <p:cNvSpPr>
+            <a:spLocks noGrp="1"/>
+          </p:cNvSpPr>
+          <p:nvPr>
+            <p:ph type="sldNum" sz="quarter" idx="10"/>
+          </p:nvPr>
+        </p:nvSpPr>
+        <p:spPr/>
+        <p:txBody>
+          <a:bodyPr/>
+          <a:lstStyle/>
+          <a:p>
+            <a:fld id="{3BAECB10-9972-4830-A584-02C41DAFD45B}" type="slidenum">
+              <a:rPr lang="ru-RU" smtClean="0"/>
+              <a:t>5</a:t>
+            </a:fld>
+            <a:endParaRPr lang="ru-RU"/>
+          </a:p>
+        </p:txBody>
+      </p:sp>
+    </p:spTree>
+    <p:extLst>
+      <p:ext uri="{BB962C8B-B14F-4D97-AF65-F5344CB8AC3E}">
+        <p14:creationId xmlns:p14="http://schemas.microsoft.com/office/powerpoint/2010/main" val="2936482345"/>
+      </p:ext>
+    </p:extLst>
+  </p:cSld>
+  <p:clrMapOvr>
+    <a:masterClrMapping/>
+  </p:clrMapOvr>
+</p:notes>
+</file>
+
+<file path=ppt/notesSlides/notesSlide4.xml><?xml version="1.0" encoding="utf-8"?>
+<p:notes xmlns:a="http://schemas.openxmlformats.org/drawingml/2006/main" xmlns:r="http://schemas.openxmlformats.org/officeDocument/2006/relationships" xmlns:p="http://schemas.openxmlformats.org/presentationml/2006/main">
+  <p:cSld>
+    <p:spTree>
+      <p:nvGrpSpPr>
+        <p:cNvPr id="1" name=""/>
+        <p:cNvGrpSpPr/>
+        <p:nvPr/>
+      </p:nvGrpSpPr>
+      <p:grpSpPr>
+        <a:xfrm>
+          <a:off x="0" y="0"/>
+          <a:ext cx="0" cy="0"/>
+          <a:chOff x="0" y="0"/>
+          <a:chExt cx="0" cy="0"/>
+        </a:xfrm>
+      </p:grpSpPr>
+      <p:sp>
+        <p:nvSpPr>
+          <p:cNvPr id="2" name="Образ слайда 1"/>
+          <p:cNvSpPr>
+            <a:spLocks noGrp="1" noRot="1" noChangeAspect="1"/>
+          </p:cNvSpPr>
+          <p:nvPr>
+            <p:ph type="sldImg"/>
+          </p:nvPr>
+        </p:nvSpPr>
+        <p:spPr/>
+      </p:sp>
+      <p:sp>
+        <p:nvSpPr>
+          <p:cNvPr id="3" name="Заметки 2"/>
+          <p:cNvSpPr>
+            <a:spLocks noGrp="1"/>
+          </p:cNvSpPr>
+          <p:nvPr>
+            <p:ph type="body" idx="1"/>
+          </p:nvPr>
+        </p:nvSpPr>
+        <p:spPr/>
+        <p:txBody>
+          <a:bodyPr/>
+          <a:lstStyle/>
+          <a:p>
+            <a:endParaRPr lang="ru-RU" dirty="0"/>
+          </a:p>
+        </p:txBody>
+      </p:sp>
+      <p:sp>
+        <p:nvSpPr>
+          <p:cNvPr id="4" name="Номер слайда 3"/>
+          <p:cNvSpPr>
+            <a:spLocks noGrp="1"/>
+          </p:cNvSpPr>
+          <p:nvPr>
+            <p:ph type="sldNum" sz="quarter" idx="10"/>
+          </p:nvPr>
+        </p:nvSpPr>
+        <p:spPr/>
+        <p:txBody>
+          <a:bodyPr/>
+          <a:lstStyle/>
+          <a:p>
+            <a:fld id="{3BAECB10-9972-4830-A584-02C41DAFD45B}" type="slidenum">
+              <a:rPr lang="ru-RU" smtClean="0"/>
+              <a:t>10</a:t>
+            </a:fld>
+            <a:endParaRPr lang="ru-RU"/>
+          </a:p>
+        </p:txBody>
+      </p:sp>
+    </p:spTree>
+    <p:extLst>
+      <p:ext uri="{BB962C8B-B14F-4D97-AF65-F5344CB8AC3E}">
+        <p14:creationId xmlns:p14="http://schemas.microsoft.com/office/powerpoint/2010/main" val="3929192255"/>
+      </p:ext>
+    </p:extLst>
+  </p:cSld>
+  <p:clrMapOvr>
+    <a:masterClrMapping/>
+  </p:clrMapOvr>
+</p:notes>
+</file>
+
+<file path=ppt/notesSlides/notesSlide5.xml><?xml version="1.0" encoding="utf-8"?>
+<p:notes xmlns:a="http://schemas.openxmlformats.org/drawingml/2006/main" xmlns:r="http://schemas.openxmlformats.org/officeDocument/2006/relationships" xmlns:p="http://schemas.openxmlformats.org/presentationml/2006/main">
+  <p:cSld>
+    <p:spTree>
+      <p:nvGrpSpPr>
+        <p:cNvPr id="1" name=""/>
+        <p:cNvGrpSpPr/>
+        <p:nvPr/>
+      </p:nvGrpSpPr>
+      <p:grpSpPr>
+        <a:xfrm>
+          <a:off x="0" y="0"/>
+          <a:ext cx="0" cy="0"/>
+          <a:chOff x="0" y="0"/>
+          <a:chExt cx="0" cy="0"/>
+        </a:xfrm>
+      </p:grpSpPr>
+      <p:sp>
+        <p:nvSpPr>
           <p:cNvPr id="58370" name="Rectangle 7"/>
           <p:cNvSpPr>
             <a:spLocks noGrp="1" noChangeArrowheads="1"/>
@@ -3679,7 +996,7 @@
                 <a:latin typeface="Arial" panose="020B0604020202020204" pitchFamily="34" charset="0"/>
               </a:rPr>
               <a:pPr eaLnBrk="1" hangingPunct="1"/>
-              <a:t>12</a:t>
+              <a:t>14</a:t>
             </a:fld>
             <a:endParaRPr lang="en-US" altLang="ru-RU">
               <a:latin typeface="Arial" panose="020B0604020202020204" pitchFamily="34" charset="0"/>
@@ -3719,7 +1036,7 @@
           <a:lstStyle/>
           <a:p>
             <a:pPr eaLnBrk="1" hangingPunct="1"/>
-            <a:endParaRPr lang="ru-RU" altLang="ru-RU" smtClean="0">
+            <a:endParaRPr lang="ru-RU" altLang="ru-RU">
               <a:latin typeface="Arial" panose="020B0604020202020204" pitchFamily="34" charset="0"/>
             </a:endParaRPr>
           </a:p>
@@ -3738,7 +1055,7 @@
 </p:notes>
 </file>
 
-<file path=ppt/notesSlides/notesSlide2.xml><?xml version="1.0" encoding="utf-8"?>
+<file path=ppt/notesSlides/notesSlide6.xml><?xml version="1.0" encoding="utf-8"?>
 <p:notes xmlns:a="http://schemas.openxmlformats.org/drawingml/2006/main" xmlns:r="http://schemas.openxmlformats.org/officeDocument/2006/relationships" xmlns:p="http://schemas.openxmlformats.org/presentationml/2006/main">
   <p:cSld>
     <p:spTree>
@@ -3875,7 +1192,7 @@
                 <a:latin typeface="Arial" panose="020B0604020202020204" pitchFamily="34" charset="0"/>
               </a:rPr>
               <a:pPr eaLnBrk="1" hangingPunct="1"/>
-              <a:t>13</a:t>
+              <a:t>15</a:t>
             </a:fld>
             <a:endParaRPr lang="en-US" altLang="ru-RU">
               <a:latin typeface="Arial" panose="020B0604020202020204" pitchFamily="34" charset="0"/>
@@ -3915,7 +1232,7 @@
           <a:lstStyle/>
           <a:p>
             <a:pPr eaLnBrk="1" hangingPunct="1"/>
-            <a:endParaRPr lang="ru-RU" altLang="ru-RU" smtClean="0">
+            <a:endParaRPr lang="ru-RU" altLang="ru-RU">
               <a:latin typeface="Arial" panose="020B0604020202020204" pitchFamily="34" charset="0"/>
             </a:endParaRPr>
           </a:p>
@@ -3972,10 +1289,9 @@
           <a:lstStyle/>
           <a:p>
             <a:r>
-              <a:rPr lang="ru-RU" dirty="0" smtClean="0"/>
+              <a:rPr lang="ru-RU" dirty="0"/>
               <a:t>Образец заголовка</a:t>
             </a:r>
-            <a:endParaRPr lang="ru-RU" dirty="0"/>
           </a:p>
         </p:txBody>
       </p:sp>
@@ -4091,10 +1407,9 @@
           </a:lstStyle>
           <a:p>
             <a:r>
-              <a:rPr lang="ru-RU" smtClean="0"/>
+              <a:rPr lang="ru-RU"/>
               <a:t>Образец подзаголовка</a:t>
             </a:r>
-            <a:endParaRPr lang="ru-RU"/>
           </a:p>
         </p:txBody>
       </p:sp>
@@ -4115,7 +1430,7 @@
           <a:p>
             <a:fld id="{ED7A5A9E-355E-4F5A-82F5-195339D13266}" type="datetimeFigureOut">
               <a:rPr lang="ru-RU" smtClean="0"/>
-              <a:t>05.04.2016</a:t>
+              <a:t>14.07.2016</a:t>
             </a:fld>
             <a:endParaRPr lang="ru-RU"/>
           </a:p>
@@ -4209,10 +1524,9 @@
           <a:lstStyle/>
           <a:p>
             <a:r>
-              <a:rPr lang="ru-RU" smtClean="0"/>
+              <a:rPr lang="ru-RU"/>
               <a:t>Образец заголовка</a:t>
             </a:r>
-            <a:endParaRPr lang="ru-RU"/>
           </a:p>
         </p:txBody>
       </p:sp>
@@ -4233,38 +1547,37 @@
           <a:p>
             <a:pPr lvl="0"/>
             <a:r>
-              <a:rPr lang="ru-RU" smtClean="0"/>
+              <a:rPr lang="ru-RU"/>
               <a:t>Образец текста</a:t>
             </a:r>
           </a:p>
           <a:p>
             <a:pPr lvl="1"/>
             <a:r>
-              <a:rPr lang="ru-RU" smtClean="0"/>
+              <a:rPr lang="ru-RU"/>
               <a:t>Второй уровень</a:t>
             </a:r>
           </a:p>
           <a:p>
             <a:pPr lvl="2"/>
             <a:r>
-              <a:rPr lang="ru-RU" smtClean="0"/>
+              <a:rPr lang="ru-RU"/>
               <a:t>Третий уровень</a:t>
             </a:r>
           </a:p>
           <a:p>
             <a:pPr lvl="3"/>
             <a:r>
-              <a:rPr lang="ru-RU" smtClean="0"/>
+              <a:rPr lang="ru-RU"/>
               <a:t>Четвертый уровень</a:t>
             </a:r>
           </a:p>
           <a:p>
             <a:pPr lvl="4"/>
             <a:r>
-              <a:rPr lang="ru-RU" smtClean="0"/>
+              <a:rPr lang="ru-RU"/>
               <a:t>Пятый уровень</a:t>
             </a:r>
-            <a:endParaRPr lang="ru-RU"/>
           </a:p>
         </p:txBody>
       </p:sp>
@@ -4285,7 +1598,7 @@
           <a:p>
             <a:fld id="{ED7A5A9E-355E-4F5A-82F5-195339D13266}" type="datetimeFigureOut">
               <a:rPr lang="ru-RU" smtClean="0"/>
-              <a:t>05.04.2016</a:t>
+              <a:t>14.07.2016</a:t>
             </a:fld>
             <a:endParaRPr lang="ru-RU"/>
           </a:p>
@@ -4384,10 +1697,9 @@
           <a:lstStyle/>
           <a:p>
             <a:r>
-              <a:rPr lang="ru-RU" smtClean="0"/>
+              <a:rPr lang="ru-RU"/>
               <a:t>Образец заголовка</a:t>
             </a:r>
-            <a:endParaRPr lang="ru-RU"/>
           </a:p>
         </p:txBody>
       </p:sp>
@@ -4413,38 +1725,37 @@
           <a:p>
             <a:pPr lvl="0"/>
             <a:r>
-              <a:rPr lang="ru-RU" smtClean="0"/>
+              <a:rPr lang="ru-RU"/>
               <a:t>Образец текста</a:t>
             </a:r>
           </a:p>
           <a:p>
             <a:pPr lvl="1"/>
             <a:r>
-              <a:rPr lang="ru-RU" smtClean="0"/>
+              <a:rPr lang="ru-RU"/>
               <a:t>Второй уровень</a:t>
             </a:r>
           </a:p>
           <a:p>
             <a:pPr lvl="2"/>
             <a:r>
-              <a:rPr lang="ru-RU" smtClean="0"/>
+              <a:rPr lang="ru-RU"/>
               <a:t>Третий уровень</a:t>
             </a:r>
           </a:p>
           <a:p>
             <a:pPr lvl="3"/>
             <a:r>
-              <a:rPr lang="ru-RU" smtClean="0"/>
+              <a:rPr lang="ru-RU"/>
               <a:t>Четвертый уровень</a:t>
             </a:r>
           </a:p>
           <a:p>
             <a:pPr lvl="4"/>
             <a:r>
-              <a:rPr lang="ru-RU" smtClean="0"/>
+              <a:rPr lang="ru-RU"/>
               <a:t>Пятый уровень</a:t>
             </a:r>
-            <a:endParaRPr lang="ru-RU"/>
           </a:p>
         </p:txBody>
       </p:sp>
@@ -4465,7 +1776,7 @@
           <a:p>
             <a:fld id="{ED7A5A9E-355E-4F5A-82F5-195339D13266}" type="datetimeFigureOut">
               <a:rPr lang="ru-RU" smtClean="0"/>
-              <a:t>05.04.2016</a:t>
+              <a:t>14.07.2016</a:t>
             </a:fld>
             <a:endParaRPr lang="ru-RU"/>
           </a:p>
@@ -4559,10 +1870,9 @@
           <a:lstStyle/>
           <a:p>
             <a:r>
-              <a:rPr lang="ru-RU" smtClean="0"/>
+              <a:rPr lang="ru-RU"/>
               <a:t>Образец заголовка</a:t>
             </a:r>
-            <a:endParaRPr lang="ru-RU"/>
           </a:p>
         </p:txBody>
       </p:sp>
@@ -4583,38 +1893,37 @@
           <a:p>
             <a:pPr lvl="0"/>
             <a:r>
-              <a:rPr lang="ru-RU" smtClean="0"/>
+              <a:rPr lang="ru-RU"/>
               <a:t>Образец текста</a:t>
             </a:r>
           </a:p>
           <a:p>
             <a:pPr lvl="1"/>
             <a:r>
-              <a:rPr lang="ru-RU" smtClean="0"/>
+              <a:rPr lang="ru-RU"/>
               <a:t>Второй уровень</a:t>
             </a:r>
           </a:p>
           <a:p>
             <a:pPr lvl="2"/>
             <a:r>
-              <a:rPr lang="ru-RU" smtClean="0"/>
+              <a:rPr lang="ru-RU"/>
               <a:t>Третий уровень</a:t>
             </a:r>
           </a:p>
           <a:p>
             <a:pPr lvl="3"/>
             <a:r>
-              <a:rPr lang="ru-RU" smtClean="0"/>
+              <a:rPr lang="ru-RU"/>
               <a:t>Четвертый уровень</a:t>
             </a:r>
           </a:p>
           <a:p>
             <a:pPr lvl="4"/>
             <a:r>
-              <a:rPr lang="ru-RU" smtClean="0"/>
+              <a:rPr lang="ru-RU"/>
               <a:t>Пятый уровень</a:t>
             </a:r>
-            <a:endParaRPr lang="ru-RU"/>
           </a:p>
         </p:txBody>
       </p:sp>
@@ -4635,7 +1944,7 @@
           <a:p>
             <a:fld id="{ED7A5A9E-355E-4F5A-82F5-195339D13266}" type="datetimeFigureOut">
               <a:rPr lang="ru-RU" smtClean="0"/>
-              <a:t>05.04.2016</a:t>
+              <a:t>14.07.2016</a:t>
             </a:fld>
             <a:endParaRPr lang="ru-RU"/>
           </a:p>
@@ -4738,10 +2047,9 @@
           </a:lstStyle>
           <a:p>
             <a:r>
-              <a:rPr lang="ru-RU" dirty="0" smtClean="0"/>
+              <a:rPr lang="ru-RU" dirty="0"/>
               <a:t>Образец заголовка</a:t>
             </a:r>
-            <a:endParaRPr lang="ru-RU" dirty="0"/>
           </a:p>
         </p:txBody>
       </p:sp>
@@ -4858,7 +2166,7 @@
           <a:p>
             <a:pPr lvl="0"/>
             <a:r>
-              <a:rPr lang="ru-RU" dirty="0" smtClean="0"/>
+              <a:rPr lang="ru-RU" dirty="0"/>
               <a:t>Образец текста</a:t>
             </a:r>
           </a:p>
@@ -4881,7 +2189,7 @@
           <a:p>
             <a:fld id="{ED7A5A9E-355E-4F5A-82F5-195339D13266}" type="datetimeFigureOut">
               <a:rPr lang="ru-RU" smtClean="0"/>
-              <a:t>05.04.2016</a:t>
+              <a:t>14.07.2016</a:t>
             </a:fld>
             <a:endParaRPr lang="ru-RU"/>
           </a:p>
@@ -4975,10 +2283,9 @@
           <a:lstStyle/>
           <a:p>
             <a:r>
-              <a:rPr lang="ru-RU" smtClean="0"/>
+              <a:rPr lang="ru-RU"/>
               <a:t>Образец заголовка</a:t>
             </a:r>
-            <a:endParaRPr lang="ru-RU"/>
           </a:p>
         </p:txBody>
       </p:sp>
@@ -5032,38 +2339,37 @@
           <a:p>
             <a:pPr lvl="0"/>
             <a:r>
-              <a:rPr lang="ru-RU" smtClean="0"/>
+              <a:rPr lang="ru-RU"/>
               <a:t>Образец текста</a:t>
             </a:r>
           </a:p>
           <a:p>
             <a:pPr lvl="1"/>
             <a:r>
-              <a:rPr lang="ru-RU" smtClean="0"/>
+              <a:rPr lang="ru-RU"/>
               <a:t>Второй уровень</a:t>
             </a:r>
           </a:p>
           <a:p>
             <a:pPr lvl="2"/>
             <a:r>
-              <a:rPr lang="ru-RU" smtClean="0"/>
+              <a:rPr lang="ru-RU"/>
               <a:t>Третий уровень</a:t>
             </a:r>
           </a:p>
           <a:p>
             <a:pPr lvl="3"/>
             <a:r>
-              <a:rPr lang="ru-RU" smtClean="0"/>
+              <a:rPr lang="ru-RU"/>
               <a:t>Четвертый уровень</a:t>
             </a:r>
           </a:p>
           <a:p>
             <a:pPr lvl="4"/>
             <a:r>
-              <a:rPr lang="ru-RU" smtClean="0"/>
+              <a:rPr lang="ru-RU"/>
               <a:t>Пятый уровень</a:t>
             </a:r>
-            <a:endParaRPr lang="ru-RU"/>
           </a:p>
         </p:txBody>
       </p:sp>
@@ -5117,38 +2423,37 @@
           <a:p>
             <a:pPr lvl="0"/>
             <a:r>
-              <a:rPr lang="ru-RU" smtClean="0"/>
+              <a:rPr lang="ru-RU"/>
               <a:t>Образец текста</a:t>
             </a:r>
           </a:p>
           <a:p>
             <a:pPr lvl="1"/>
             <a:r>
-              <a:rPr lang="ru-RU" smtClean="0"/>
+              <a:rPr lang="ru-RU"/>
               <a:t>Второй уровень</a:t>
             </a:r>
           </a:p>
           <a:p>
             <a:pPr lvl="2"/>
             <a:r>
-              <a:rPr lang="ru-RU" smtClean="0"/>
+              <a:rPr lang="ru-RU"/>
               <a:t>Третий уровень</a:t>
             </a:r>
           </a:p>
           <a:p>
             <a:pPr lvl="3"/>
             <a:r>
-              <a:rPr lang="ru-RU" smtClean="0"/>
+              <a:rPr lang="ru-RU"/>
               <a:t>Четвертый уровень</a:t>
             </a:r>
           </a:p>
           <a:p>
             <a:pPr lvl="4"/>
             <a:r>
-              <a:rPr lang="ru-RU" smtClean="0"/>
+              <a:rPr lang="ru-RU"/>
               <a:t>Пятый уровень</a:t>
             </a:r>
-            <a:endParaRPr lang="ru-RU"/>
           </a:p>
         </p:txBody>
       </p:sp>
@@ -5169,7 +2474,7 @@
           <a:p>
             <a:fld id="{ED7A5A9E-355E-4F5A-82F5-195339D13266}" type="datetimeFigureOut">
               <a:rPr lang="ru-RU" smtClean="0"/>
-              <a:t>05.04.2016</a:t>
+              <a:t>14.07.2016</a:t>
             </a:fld>
             <a:endParaRPr lang="ru-RU"/>
           </a:p>
@@ -5267,10 +2572,9 @@
           </a:lstStyle>
           <a:p>
             <a:r>
-              <a:rPr lang="ru-RU" smtClean="0"/>
+              <a:rPr lang="ru-RU"/>
               <a:t>Образец заголовка</a:t>
             </a:r>
-            <a:endParaRPr lang="ru-RU"/>
           </a:p>
         </p:txBody>
       </p:sp>
@@ -5333,7 +2637,7 @@
           <a:p>
             <a:pPr lvl="0"/>
             <a:r>
-              <a:rPr lang="ru-RU" smtClean="0"/>
+              <a:rPr lang="ru-RU"/>
               <a:t>Образец текста</a:t>
             </a:r>
           </a:p>
@@ -5389,38 +2693,37 @@
           <a:p>
             <a:pPr lvl="0"/>
             <a:r>
-              <a:rPr lang="ru-RU" smtClean="0"/>
+              <a:rPr lang="ru-RU"/>
               <a:t>Образец текста</a:t>
             </a:r>
           </a:p>
           <a:p>
             <a:pPr lvl="1"/>
             <a:r>
-              <a:rPr lang="ru-RU" smtClean="0"/>
+              <a:rPr lang="ru-RU"/>
               <a:t>Второй уровень</a:t>
             </a:r>
           </a:p>
           <a:p>
             <a:pPr lvl="2"/>
             <a:r>
-              <a:rPr lang="ru-RU" smtClean="0"/>
+              <a:rPr lang="ru-RU"/>
               <a:t>Третий уровень</a:t>
             </a:r>
           </a:p>
           <a:p>
             <a:pPr lvl="3"/>
             <a:r>
-              <a:rPr lang="ru-RU" smtClean="0"/>
+              <a:rPr lang="ru-RU"/>
               <a:t>Четвертый уровень</a:t>
             </a:r>
           </a:p>
           <a:p>
             <a:pPr lvl="4"/>
             <a:r>
-              <a:rPr lang="ru-RU" smtClean="0"/>
+              <a:rPr lang="ru-RU"/>
               <a:t>Пятый уровень</a:t>
             </a:r>
-            <a:endParaRPr lang="ru-RU"/>
           </a:p>
         </p:txBody>
       </p:sp>
@@ -5483,7 +2786,7 @@
           <a:p>
             <a:pPr lvl="0"/>
             <a:r>
-              <a:rPr lang="ru-RU" smtClean="0"/>
+              <a:rPr lang="ru-RU"/>
               <a:t>Образец текста</a:t>
             </a:r>
           </a:p>
@@ -5539,38 +2842,37 @@
           <a:p>
             <a:pPr lvl="0"/>
             <a:r>
-              <a:rPr lang="ru-RU" smtClean="0"/>
+              <a:rPr lang="ru-RU"/>
               <a:t>Образец текста</a:t>
             </a:r>
           </a:p>
           <a:p>
             <a:pPr lvl="1"/>
             <a:r>
-              <a:rPr lang="ru-RU" smtClean="0"/>
+              <a:rPr lang="ru-RU"/>
               <a:t>Второй уровень</a:t>
             </a:r>
           </a:p>
           <a:p>
             <a:pPr lvl="2"/>
             <a:r>
-              <a:rPr lang="ru-RU" smtClean="0"/>
+              <a:rPr lang="ru-RU"/>
               <a:t>Третий уровень</a:t>
             </a:r>
           </a:p>
           <a:p>
             <a:pPr lvl="3"/>
             <a:r>
-              <a:rPr lang="ru-RU" smtClean="0"/>
+              <a:rPr lang="ru-RU"/>
               <a:t>Четвертый уровень</a:t>
             </a:r>
           </a:p>
           <a:p>
             <a:pPr lvl="4"/>
             <a:r>
-              <a:rPr lang="ru-RU" smtClean="0"/>
+              <a:rPr lang="ru-RU"/>
               <a:t>Пятый уровень</a:t>
             </a:r>
-            <a:endParaRPr lang="ru-RU"/>
           </a:p>
         </p:txBody>
       </p:sp>
@@ -5591,7 +2893,7 @@
           <a:p>
             <a:fld id="{ED7A5A9E-355E-4F5A-82F5-195339D13266}" type="datetimeFigureOut">
               <a:rPr lang="ru-RU" smtClean="0"/>
-              <a:t>05.04.2016</a:t>
+              <a:t>14.07.2016</a:t>
             </a:fld>
             <a:endParaRPr lang="ru-RU"/>
           </a:p>
@@ -5685,10 +2987,9 @@
           <a:lstStyle/>
           <a:p>
             <a:r>
-              <a:rPr lang="ru-RU" smtClean="0"/>
+              <a:rPr lang="ru-RU"/>
               <a:t>Образец заголовка</a:t>
             </a:r>
-            <a:endParaRPr lang="ru-RU"/>
           </a:p>
         </p:txBody>
       </p:sp>
@@ -5709,7 +3010,7 @@
           <a:p>
             <a:fld id="{ED7A5A9E-355E-4F5A-82F5-195339D13266}" type="datetimeFigureOut">
               <a:rPr lang="ru-RU" smtClean="0"/>
-              <a:t>05.04.2016</a:t>
+              <a:t>14.07.2016</a:t>
             </a:fld>
             <a:endParaRPr lang="ru-RU"/>
           </a:p>
@@ -5804,7 +3105,7 @@
           <a:p>
             <a:fld id="{ED7A5A9E-355E-4F5A-82F5-195339D13266}" type="datetimeFigureOut">
               <a:rPr lang="ru-RU" smtClean="0"/>
-              <a:t>05.04.2016</a:t>
+              <a:t>14.07.2016</a:t>
             </a:fld>
             <a:endParaRPr lang="ru-RU"/>
           </a:p>
@@ -5907,10 +3208,9 @@
           </a:lstStyle>
           <a:p>
             <a:r>
-              <a:rPr lang="ru-RU" smtClean="0"/>
+              <a:rPr lang="ru-RU"/>
               <a:t>Образец заголовка</a:t>
             </a:r>
-            <a:endParaRPr lang="ru-RU"/>
           </a:p>
         </p:txBody>
       </p:sp>
@@ -5964,38 +3264,37 @@
           <a:p>
             <a:pPr lvl="0"/>
             <a:r>
-              <a:rPr lang="ru-RU" smtClean="0"/>
+              <a:rPr lang="ru-RU"/>
               <a:t>Образец текста</a:t>
             </a:r>
           </a:p>
           <a:p>
             <a:pPr lvl="1"/>
             <a:r>
-              <a:rPr lang="ru-RU" smtClean="0"/>
+              <a:rPr lang="ru-RU"/>
               <a:t>Второй уровень</a:t>
             </a:r>
           </a:p>
           <a:p>
             <a:pPr lvl="2"/>
             <a:r>
-              <a:rPr lang="ru-RU" smtClean="0"/>
+              <a:rPr lang="ru-RU"/>
               <a:t>Третий уровень</a:t>
             </a:r>
           </a:p>
           <a:p>
             <a:pPr lvl="3"/>
             <a:r>
-              <a:rPr lang="ru-RU" smtClean="0"/>
+              <a:rPr lang="ru-RU"/>
               <a:t>Четвертый уровень</a:t>
             </a:r>
           </a:p>
           <a:p>
             <a:pPr lvl="4"/>
             <a:r>
-              <a:rPr lang="ru-RU" smtClean="0"/>
+              <a:rPr lang="ru-RU"/>
               <a:t>Пятый уровень</a:t>
             </a:r>
-            <a:endParaRPr lang="ru-RU"/>
           </a:p>
         </p:txBody>
       </p:sp>
@@ -6058,7 +3357,7 @@
           <a:p>
             <a:pPr lvl="0"/>
             <a:r>
-              <a:rPr lang="ru-RU" smtClean="0"/>
+              <a:rPr lang="ru-RU"/>
               <a:t>Образец текста</a:t>
             </a:r>
           </a:p>
@@ -6081,7 +3380,7 @@
           <a:p>
             <a:fld id="{ED7A5A9E-355E-4F5A-82F5-195339D13266}" type="datetimeFigureOut">
               <a:rPr lang="ru-RU" smtClean="0"/>
-              <a:t>05.04.2016</a:t>
+              <a:t>14.07.2016</a:t>
             </a:fld>
             <a:endParaRPr lang="ru-RU"/>
           </a:p>
@@ -6184,10 +3483,9 @@
           </a:lstStyle>
           <a:p>
             <a:r>
-              <a:rPr lang="ru-RU" smtClean="0"/>
+              <a:rPr lang="ru-RU"/>
               <a:t>Образец заголовка</a:t>
             </a:r>
-            <a:endParaRPr lang="ru-RU"/>
           </a:p>
         </p:txBody>
       </p:sp>
@@ -6311,7 +3609,7 @@
           <a:p>
             <a:pPr lvl="0"/>
             <a:r>
-              <a:rPr lang="ru-RU" smtClean="0"/>
+              <a:rPr lang="ru-RU"/>
               <a:t>Образец текста</a:t>
             </a:r>
           </a:p>
@@ -6334,7 +3632,7 @@
           <a:p>
             <a:fld id="{ED7A5A9E-355E-4F5A-82F5-195339D13266}" type="datetimeFigureOut">
               <a:rPr lang="ru-RU" smtClean="0"/>
-              <a:t>05.04.2016</a:t>
+              <a:t>14.07.2016</a:t>
             </a:fld>
             <a:endParaRPr lang="ru-RU"/>
           </a:p>
@@ -6443,10 +3741,9 @@
           <a:lstStyle/>
           <a:p>
             <a:r>
-              <a:rPr lang="ru-RU" dirty="0" smtClean="0"/>
+              <a:rPr lang="ru-RU" dirty="0"/>
               <a:t>Образец заголовка</a:t>
             </a:r>
-            <a:endParaRPr lang="ru-RU" dirty="0"/>
           </a:p>
         </p:txBody>
       </p:sp>
@@ -6477,38 +3774,37 @@
           <a:p>
             <a:pPr lvl="0"/>
             <a:r>
-              <a:rPr lang="ru-RU" dirty="0" smtClean="0"/>
+              <a:rPr lang="ru-RU" dirty="0"/>
               <a:t>Образец текста</a:t>
             </a:r>
           </a:p>
           <a:p>
             <a:pPr lvl="1"/>
             <a:r>
-              <a:rPr lang="ru-RU" dirty="0" smtClean="0"/>
+              <a:rPr lang="ru-RU" dirty="0"/>
               <a:t>Второй уровень</a:t>
             </a:r>
           </a:p>
           <a:p>
             <a:pPr lvl="2"/>
             <a:r>
-              <a:rPr lang="ru-RU" dirty="0" smtClean="0"/>
+              <a:rPr lang="ru-RU" dirty="0"/>
               <a:t>Третий уровень</a:t>
             </a:r>
           </a:p>
           <a:p>
             <a:pPr lvl="3"/>
             <a:r>
-              <a:rPr lang="ru-RU" dirty="0" smtClean="0"/>
+              <a:rPr lang="ru-RU" dirty="0"/>
               <a:t>Четвертый уровень</a:t>
             </a:r>
           </a:p>
           <a:p>
             <a:pPr lvl="4"/>
             <a:r>
-              <a:rPr lang="ru-RU" dirty="0" smtClean="0"/>
+              <a:rPr lang="ru-RU" dirty="0"/>
               <a:t>Пятый уровень</a:t>
             </a:r>
-            <a:endParaRPr lang="ru-RU" dirty="0"/>
           </a:p>
         </p:txBody>
       </p:sp>
@@ -6547,7 +3843,7 @@
           <a:p>
             <a:fld id="{ED7A5A9E-355E-4F5A-82F5-195339D13266}" type="datetimeFigureOut">
               <a:rPr lang="ru-RU" smtClean="0"/>
-              <a:t>05.04.2016</a:t>
+              <a:t>14.07.2016</a:t>
             </a:fld>
             <a:endParaRPr lang="ru-RU"/>
           </a:p>
@@ -6938,7 +4234,7 @@
           <a:lstStyle/>
           <a:p>
             <a:r>
-              <a:rPr lang="en-US" dirty="0" smtClean="0"/>
+              <a:rPr lang="en-US" dirty="0"/>
               <a:t>Test Driven Development</a:t>
             </a:r>
             <a:endParaRPr lang="ru-RU" dirty="0"/>
@@ -6974,13 +4270,6 @@
   <p:clrMapOvr>
     <a:masterClrMapping/>
   </p:clrMapOvr>
-  <p:timing>
-    <p:tnLst>
-      <p:par>
-        <p:cTn id="1" dur="indefinite" restart="never" nodeType="tmRoot"/>
-      </p:par>
-    </p:tnLst>
-  </p:timing>
 </p:sld>
 </file>
 
@@ -7011,80 +4300,76 @@
             <p:ph type="title"/>
           </p:nvPr>
         </p:nvSpPr>
-        <p:spPr/>
-        <p:txBody>
-          <a:bodyPr/>
-          <a:lstStyle/>
-          <a:p>
-            <a:r>
-              <a:rPr lang="ru-RU" dirty="0" smtClean="0"/>
-              <a:t>Парное </a:t>
-            </a:r>
-            <a:r>
-              <a:rPr lang="en-US" dirty="0" smtClean="0"/>
-              <a:t>TDD</a:t>
-            </a:r>
-            <a:endParaRPr lang="ru-RU" dirty="0"/>
-          </a:p>
-        </p:txBody>
-      </p:sp>
-      <p:sp>
-        <p:nvSpPr>
-          <p:cNvPr id="3" name="Объект 2"/>
-          <p:cNvSpPr>
-            <a:spLocks noGrp="1"/>
-          </p:cNvSpPr>
-          <p:nvPr>
-            <p:ph idx="1"/>
-          </p:nvPr>
-        </p:nvSpPr>
-        <p:spPr/>
-        <p:txBody>
-          <a:bodyPr/>
-          <a:lstStyle/>
-          <a:p>
-            <a:r>
-              <a:rPr lang="en-US" dirty="0" smtClean="0"/>
-              <a:t>Ping pong</a:t>
-            </a:r>
-          </a:p>
-          <a:p>
-            <a:r>
-              <a:rPr lang="en-US" dirty="0" smtClean="0"/>
-              <a:t>Devil's advocate</a:t>
-            </a:r>
-            <a:endParaRPr lang="ru-RU" dirty="0" smtClean="0"/>
-          </a:p>
-          <a:p>
-            <a:r>
-              <a:rPr lang="ru-RU" dirty="0" smtClean="0"/>
-              <a:t>3 </a:t>
-            </a:r>
-            <a:r>
-              <a:rPr lang="en-US" dirty="0" smtClean="0"/>
-              <a:t>min timeframe</a:t>
-            </a:r>
-            <a:endParaRPr lang="ru-RU" dirty="0"/>
-          </a:p>
-        </p:txBody>
-      </p:sp>
+        <p:spPr>
+          <a:xfrm>
+            <a:off x="457200" y="274638"/>
+            <a:ext cx="8229600" cy="1642194"/>
+          </a:xfrm>
+        </p:spPr>
+        <p:txBody>
+          <a:bodyPr>
+            <a:noAutofit/>
+          </a:bodyPr>
+          <a:lstStyle/>
+          <a:p>
+            <a:r>
+              <a:rPr lang="ru-RU" sz="4400" dirty="0"/>
+              <a:t>Качество кода - ответственность разработчика!</a:t>
+            </a:r>
+          </a:p>
+        </p:txBody>
+      </p:sp>
+      <p:pic>
+        <p:nvPicPr>
+          <p:cNvPr id="2052" name="Picture 4" descr="http://www.wired.com/images_blogs/threatlevel/2012/06/unclesam.jpg"/>
+          <p:cNvPicPr>
+            <a:picLocks noChangeAspect="1" noChangeArrowheads="1"/>
+          </p:cNvPicPr>
+          <p:nvPr/>
+        </p:nvPicPr>
+        <p:blipFill>
+          <a:blip r:embed="rId3">
+            <a:extLst>
+              <a:ext uri="{28A0092B-C50C-407E-A947-70E740481C1C}">
+                <a14:useLocalDpi xmlns:a14="http://schemas.microsoft.com/office/drawing/2010/main" val="0"/>
+              </a:ext>
+            </a:extLst>
+          </a:blip>
+          <a:srcRect/>
+          <a:stretch>
+            <a:fillRect/>
+          </a:stretch>
+        </p:blipFill>
+        <p:spPr bwMode="auto">
+          <a:xfrm>
+            <a:off x="2612172" y="1916832"/>
+            <a:ext cx="3919655" cy="4703586"/>
+          </a:xfrm>
+          <a:prstGeom prst="rect">
+            <a:avLst/>
+          </a:prstGeom>
+          <a:noFill/>
+          <a:extLst>
+            <a:ext uri="{909E8E84-426E-40DD-AFC4-6F175D3DCCD1}">
+              <a14:hiddenFill xmlns:a14="http://schemas.microsoft.com/office/drawing/2010/main">
+                <a:solidFill>
+                  <a:srgbClr val="FFFFFF"/>
+                </a:solidFill>
+              </a14:hiddenFill>
+            </a:ext>
+          </a:extLst>
+        </p:spPr>
+      </p:pic>
     </p:spTree>
     <p:extLst>
       <p:ext uri="{BB962C8B-B14F-4D97-AF65-F5344CB8AC3E}">
-        <p14:creationId xmlns:p14="http://schemas.microsoft.com/office/powerpoint/2010/main" val="4076201943"/>
+        <p14:creationId xmlns:p14="http://schemas.microsoft.com/office/powerpoint/2010/main" val="1746228453"/>
       </p:ext>
     </p:extLst>
   </p:cSld>
   <p:clrMapOvr>
     <a:masterClrMapping/>
   </p:clrMapOvr>
-  <p:timing>
-    <p:tnLst>
-      <p:par>
-        <p:cTn id="1" dur="indefinite" restart="never" nodeType="tmRoot"/>
-      </p:par>
-    </p:tnLst>
-  </p:timing>
 </p:sld>
 </file>
 
@@ -7117,54 +4402,117 @@
         </p:nvSpPr>
         <p:spPr/>
         <p:txBody>
+          <a:bodyPr>
+            <a:normAutofit fontScale="90000"/>
+          </a:bodyPr>
+          <a:lstStyle/>
+          <a:p>
+            <a:r>
+              <a:rPr lang="ru-RU" sz="4800" dirty="0"/>
+              <a:t>Как сделать так, </a:t>
+            </a:r>
+            <a:br>
+              <a:rPr lang="ru-RU" sz="4800" dirty="0"/>
+            </a:br>
+            <a:r>
+              <a:rPr lang="ru-RU" sz="4800" dirty="0"/>
+              <a:t>чтобы все писали тесты?</a:t>
+            </a:r>
+          </a:p>
+        </p:txBody>
+      </p:sp>
+      <p:sp>
+        <p:nvSpPr>
+          <p:cNvPr id="3" name="Объект 2"/>
+          <p:cNvSpPr>
+            <a:spLocks noGrp="1"/>
+          </p:cNvSpPr>
+          <p:nvPr>
+            <p:ph idx="1"/>
+          </p:nvPr>
+        </p:nvSpPr>
+        <p:spPr/>
+        <p:txBody>
           <a:bodyPr/>
           <a:lstStyle/>
           <a:p>
-            <a:r>
-              <a:rPr lang="ru-RU" dirty="0" smtClean="0"/>
-              <a:t>Практика</a:t>
-            </a:r>
+            <a:pPr marL="0" indent="0">
+              <a:buNone/>
+            </a:pPr>
+            <a:r>
+              <a:rPr lang="ru-RU" dirty="0"/>
+              <a:t>Никакой магии!</a:t>
+            </a:r>
+          </a:p>
+          <a:p>
+            <a:pPr marL="514350" indent="-514350">
+              <a:buFont typeface="Arial" pitchFamily="34" charset="0"/>
+              <a:buAutoNum type="arabicPeriod"/>
+            </a:pPr>
+            <a:r>
+              <a:rPr lang="ru-RU" dirty="0"/>
+              <a:t>Понимание полезности</a:t>
+            </a:r>
+          </a:p>
+          <a:p>
+            <a:pPr marL="514350" indent="-514350">
+              <a:buAutoNum type="arabicPeriod"/>
+            </a:pPr>
+            <a:r>
+              <a:rPr lang="ru-RU" dirty="0"/>
+              <a:t>Требование менеджмента</a:t>
+            </a:r>
+            <a:r>
+              <a:rPr lang="en-US" dirty="0"/>
+              <a:t> = </a:t>
+            </a:r>
+            <a:r>
+              <a:rPr lang="ru-RU" dirty="0"/>
+              <a:t>договоренность в команде. </a:t>
+            </a:r>
+            <a:br>
+              <a:rPr lang="ru-RU" dirty="0"/>
+            </a:br>
+            <a:r>
+              <a:rPr lang="ru-RU" dirty="0"/>
+              <a:t>Без тестов </a:t>
+            </a:r>
+            <a:r>
+              <a:rPr lang="en-US" dirty="0"/>
+              <a:t>code-review</a:t>
+            </a:r>
+            <a:r>
+              <a:rPr lang="ru-RU" dirty="0"/>
+              <a:t> не пройден.</a:t>
+            </a:r>
+          </a:p>
+          <a:p>
+            <a:pPr marL="514350" indent="-514350">
+              <a:buAutoNum type="arabicPeriod"/>
+            </a:pPr>
+            <a:r>
+              <a:rPr lang="ru-RU" dirty="0"/>
+              <a:t>Образовательно-игровые формы </a:t>
+            </a:r>
+            <a:r>
+              <a:rPr lang="en-US" dirty="0"/>
+              <a:t>TDD</a:t>
+            </a:r>
+            <a:r>
+              <a:rPr lang="ru-RU" dirty="0"/>
+              <a:t> </a:t>
+            </a:r>
+            <a:br>
+              <a:rPr lang="ru-RU" dirty="0"/>
+            </a:br>
             <a:endParaRPr lang="ru-RU" dirty="0"/>
-          </a:p>
-        </p:txBody>
-      </p:sp>
-      <p:sp>
-        <p:nvSpPr>
-          <p:cNvPr id="3" name="Объект 2"/>
-          <p:cNvSpPr>
-            <a:spLocks noGrp="1"/>
-          </p:cNvSpPr>
-          <p:nvPr>
-            <p:ph idx="1"/>
-          </p:nvPr>
-        </p:nvSpPr>
-        <p:spPr>
-          <a:xfrm>
-            <a:off x="457200" y="2420888"/>
-            <a:ext cx="8229600" cy="3705275"/>
-          </a:xfrm>
-        </p:spPr>
-        <p:txBody>
-          <a:bodyPr>
-            <a:normAutofit/>
-          </a:bodyPr>
-          <a:lstStyle/>
-          <a:p>
-            <a:pPr marL="0" indent="0" algn="ctr">
-              <a:buNone/>
-            </a:pPr>
-            <a:r>
-              <a:rPr lang="en-US" sz="6000" dirty="0" smtClean="0"/>
-              <a:t>Code-Kata</a:t>
-            </a:r>
-            <a:endParaRPr lang="ru-RU" sz="6000" dirty="0"/>
           </a:p>
         </p:txBody>
       </p:sp>
     </p:spTree>
     <p:extLst>
       <p:ext uri="{BB962C8B-B14F-4D97-AF65-F5344CB8AC3E}">
-        <p14:creationId xmlns:p14="http://schemas.microsoft.com/office/powerpoint/2010/main" val="3070989260"/>
+        <p14:creationId xmlns:p14="http://schemas.microsoft.com/office/powerpoint/2010/main" val="3214365600"/>
       </p:ext>
     </p:extLst>
   </p:cSld>
@@ -7174,9 +4522,231 @@
   <p:timing>
     <p:tnLst>
       <p:par>
-        <p:cTn id="1" dur="indefinite" restart="never" nodeType="tmRoot"/>
+        <p:cTn id="1" dur="indefinite" restart="never" nodeType="tmRoot">
+          <p:childTnLst>
+            <p:seq concurrent="1" nextAc="seek">
+              <p:cTn id="2" dur="indefinite" nodeType="mainSeq">
+                <p:childTnLst>
+                  <p:par>
+                    <p:cTn id="3" fill="hold">
+                      <p:stCondLst>
+                        <p:cond delay="indefinite"/>
+                      </p:stCondLst>
+                      <p:childTnLst>
+                        <p:par>
+                          <p:cTn id="4" fill="hold">
+                            <p:stCondLst>
+                              <p:cond delay="0"/>
+                            </p:stCondLst>
+                            <p:childTnLst>
+                              <p:par>
+                                <p:cTn id="5" presetID="1" presetClass="entr" presetSubtype="0" fill="hold" grpId="0" nodeType="clickEffect">
+                                  <p:stCondLst>
+                                    <p:cond delay="0"/>
+                                  </p:stCondLst>
+                                  <p:childTnLst>
+                                    <p:set>
+                                      <p:cBhvr>
+                                        <p:cTn id="6" dur="1" fill="hold">
+                                          <p:stCondLst>
+                                            <p:cond delay="0"/>
+                                          </p:stCondLst>
+                                        </p:cTn>
+                                        <p:tgtEl>
+                                          <p:spTgt spid="3">
+                                            <p:txEl>
+                                              <p:pRg st="0" end="0"/>
+                                            </p:txEl>
+                                          </p:spTgt>
+                                        </p:tgtEl>
+                                        <p:attrNameLst>
+                                          <p:attrName>style.visibility</p:attrName>
+                                        </p:attrNameLst>
+                                      </p:cBhvr>
+                                      <p:to>
+                                        <p:strVal val="visible"/>
+                                      </p:to>
+                                    </p:set>
+                                  </p:childTnLst>
+                                </p:cTn>
+                              </p:par>
+                            </p:childTnLst>
+                          </p:cTn>
+                        </p:par>
+                      </p:childTnLst>
+                    </p:cTn>
+                  </p:par>
+                  <p:par>
+                    <p:cTn id="7" fill="hold">
+                      <p:stCondLst>
+                        <p:cond delay="indefinite"/>
+                      </p:stCondLst>
+                      <p:childTnLst>
+                        <p:par>
+                          <p:cTn id="8" fill="hold">
+                            <p:stCondLst>
+                              <p:cond delay="0"/>
+                            </p:stCondLst>
+                            <p:childTnLst>
+                              <p:par>
+                                <p:cTn id="9" presetID="1" presetClass="entr" presetSubtype="0" fill="hold" grpId="0" nodeType="clickEffect">
+                                  <p:stCondLst>
+                                    <p:cond delay="0"/>
+                                  </p:stCondLst>
+                                  <p:childTnLst>
+                                    <p:set>
+                                      <p:cBhvr>
+                                        <p:cTn id="10" dur="1" fill="hold">
+                                          <p:stCondLst>
+                                            <p:cond delay="0"/>
+                                          </p:stCondLst>
+                                        </p:cTn>
+                                        <p:tgtEl>
+                                          <p:spTgt spid="3">
+                                            <p:txEl>
+                                              <p:pRg st="1" end="1"/>
+                                            </p:txEl>
+                                          </p:spTgt>
+                                        </p:tgtEl>
+                                        <p:attrNameLst>
+                                          <p:attrName>style.visibility</p:attrName>
+                                        </p:attrNameLst>
+                                      </p:cBhvr>
+                                      <p:to>
+                                        <p:strVal val="visible"/>
+                                      </p:to>
+                                    </p:set>
+                                  </p:childTnLst>
+                                </p:cTn>
+                              </p:par>
+                            </p:childTnLst>
+                          </p:cTn>
+                        </p:par>
+                      </p:childTnLst>
+                    </p:cTn>
+                  </p:par>
+                  <p:par>
+                    <p:cTn id="11" fill="hold">
+                      <p:stCondLst>
+                        <p:cond delay="indefinite"/>
+                      </p:stCondLst>
+                      <p:childTnLst>
+                        <p:par>
+                          <p:cTn id="12" fill="hold">
+                            <p:stCondLst>
+                              <p:cond delay="0"/>
+                            </p:stCondLst>
+                            <p:childTnLst>
+                              <p:par>
+                                <p:cTn id="13" presetID="1" presetClass="entr" presetSubtype="0" fill="hold" grpId="0" nodeType="clickEffect">
+                                  <p:stCondLst>
+                                    <p:cond delay="0"/>
+                                  </p:stCondLst>
+                                  <p:childTnLst>
+                                    <p:set>
+                                      <p:cBhvr>
+                                        <p:cTn id="14" dur="1" fill="hold">
+                                          <p:stCondLst>
+                                            <p:cond delay="0"/>
+                                          </p:stCondLst>
+                                        </p:cTn>
+                                        <p:tgtEl>
+                                          <p:spTgt spid="3">
+                                            <p:txEl>
+                                              <p:pRg st="2" end="2"/>
+                                            </p:txEl>
+                                          </p:spTgt>
+                                        </p:tgtEl>
+                                        <p:attrNameLst>
+                                          <p:attrName>style.visibility</p:attrName>
+                                        </p:attrNameLst>
+                                      </p:cBhvr>
+                                      <p:to>
+                                        <p:strVal val="visible"/>
+                                      </p:to>
+                                    </p:set>
+                                  </p:childTnLst>
+                                </p:cTn>
+                              </p:par>
+                            </p:childTnLst>
+                          </p:cTn>
+                        </p:par>
+                      </p:childTnLst>
+                    </p:cTn>
+                  </p:par>
+                  <p:par>
+                    <p:cTn id="15" fill="hold">
+                      <p:stCondLst>
+                        <p:cond delay="indefinite"/>
+                      </p:stCondLst>
+                      <p:childTnLst>
+                        <p:par>
+                          <p:cTn id="16" fill="hold">
+                            <p:stCondLst>
+                              <p:cond delay="0"/>
+                            </p:stCondLst>
+                            <p:childTnLst>
+                              <p:par>
+                                <p:cTn id="17" presetID="1" presetClass="entr" presetSubtype="0" fill="hold" grpId="0" nodeType="clickEffect">
+                                  <p:stCondLst>
+                                    <p:cond delay="0"/>
+                                  </p:stCondLst>
+                                  <p:childTnLst>
+                                    <p:set>
+                                      <p:cBhvr>
+                                        <p:cTn id="18" dur="1" fill="hold">
+                                          <p:stCondLst>
+                                            <p:cond delay="0"/>
+                                          </p:stCondLst>
+                                        </p:cTn>
+                                        <p:tgtEl>
+                                          <p:spTgt spid="3">
+                                            <p:txEl>
+                                              <p:pRg st="3" end="3"/>
+                                            </p:txEl>
+                                          </p:spTgt>
+                                        </p:tgtEl>
+                                        <p:attrNameLst>
+                                          <p:attrName>style.visibility</p:attrName>
+                                        </p:attrNameLst>
+                                      </p:cBhvr>
+                                      <p:to>
+                                        <p:strVal val="visible"/>
+                                      </p:to>
+                                    </p:set>
+                                  </p:childTnLst>
+                                </p:cTn>
+                              </p:par>
+                            </p:childTnLst>
+                          </p:cTn>
+                        </p:par>
+                      </p:childTnLst>
+                    </p:cTn>
+                  </p:par>
+                </p:childTnLst>
+              </p:cTn>
+              <p:prevCondLst>
+                <p:cond evt="onPrev" delay="0">
+                  <p:tgtEl>
+                    <p:sldTgt/>
+                  </p:tgtEl>
+                </p:cond>
+              </p:prevCondLst>
+              <p:nextCondLst>
+                <p:cond evt="onNext" delay="0">
+                  <p:tgtEl>
+                    <p:sldTgt/>
+                  </p:tgtEl>
+                </p:cond>
+              </p:nextCondLst>
+            </p:seq>
+          </p:childTnLst>
+        </p:cTn>
       </p:par>
     </p:tnLst>
+    <p:bldLst>
+      <p:bldP spid="3" grpId="0" build="p"/>
+    </p:bldLst>
   </p:timing>
 </p:sld>
 </file>
@@ -7200,6 +4770,218 @@
       </p:grpSpPr>
       <p:sp>
         <p:nvSpPr>
+          <p:cNvPr id="2" name="Заголовок 1"/>
+          <p:cNvSpPr>
+            <a:spLocks noGrp="1"/>
+          </p:cNvSpPr>
+          <p:nvPr>
+            <p:ph type="title"/>
+          </p:nvPr>
+        </p:nvSpPr>
+        <p:spPr/>
+        <p:txBody>
+          <a:bodyPr/>
+          <a:lstStyle/>
+          <a:p>
+            <a:r>
+              <a:rPr lang="ru-RU" dirty="0"/>
+              <a:t>Парное </a:t>
+            </a:r>
+            <a:r>
+              <a:rPr lang="en-US" dirty="0"/>
+              <a:t>TDD</a:t>
+            </a:r>
+            <a:endParaRPr lang="ru-RU" dirty="0"/>
+          </a:p>
+        </p:txBody>
+      </p:sp>
+      <p:sp>
+        <p:nvSpPr>
+          <p:cNvPr id="3" name="Объект 2"/>
+          <p:cNvSpPr>
+            <a:spLocks noGrp="1"/>
+          </p:cNvSpPr>
+          <p:nvPr>
+            <p:ph idx="1"/>
+          </p:nvPr>
+        </p:nvSpPr>
+        <p:spPr/>
+        <p:txBody>
+          <a:bodyPr/>
+          <a:lstStyle/>
+          <a:p>
+            <a:r>
+              <a:rPr lang="en-US" dirty="0"/>
+              <a:t>Ping pong</a:t>
+            </a:r>
+          </a:p>
+          <a:p>
+            <a:r>
+              <a:rPr lang="en-US" dirty="0"/>
+              <a:t>Devil's advocate</a:t>
+            </a:r>
+            <a:endParaRPr lang="ru-RU" dirty="0"/>
+          </a:p>
+          <a:p>
+            <a:r>
+              <a:rPr lang="ru-RU" dirty="0"/>
+              <a:t>3 </a:t>
+            </a:r>
+            <a:r>
+              <a:rPr lang="en-US" dirty="0"/>
+              <a:t>min timeframe</a:t>
+            </a:r>
+            <a:endParaRPr lang="ru-RU" dirty="0"/>
+          </a:p>
+        </p:txBody>
+      </p:sp>
+    </p:spTree>
+    <p:extLst>
+      <p:ext uri="{BB962C8B-B14F-4D97-AF65-F5344CB8AC3E}">
+        <p14:creationId xmlns:p14="http://schemas.microsoft.com/office/powerpoint/2010/main" val="4076201943"/>
+      </p:ext>
+    </p:extLst>
+  </p:cSld>
+  <p:clrMapOvr>
+    <a:masterClrMapping/>
+  </p:clrMapOvr>
+</p:sld>
+</file>
+
+<file path=ppt/slides/slide13.xml><?xml version="1.0" encoding="utf-8"?>
+<p:sld xmlns:a="http://schemas.openxmlformats.org/drawingml/2006/main" xmlns:r="http://schemas.openxmlformats.org/officeDocument/2006/relationships" xmlns:p="http://schemas.openxmlformats.org/presentationml/2006/main">
+  <p:cSld>
+    <p:spTree>
+      <p:nvGrpSpPr>
+        <p:cNvPr id="1" name=""/>
+        <p:cNvGrpSpPr/>
+        <p:nvPr/>
+      </p:nvGrpSpPr>
+      <p:grpSpPr>
+        <a:xfrm>
+          <a:off x="0" y="0"/>
+          <a:ext cx="0" cy="0"/>
+          <a:chOff x="0" y="0"/>
+          <a:chExt cx="0" cy="0"/>
+        </a:xfrm>
+      </p:grpSpPr>
+      <p:sp>
+        <p:nvSpPr>
+          <p:cNvPr id="2" name="Заголовок 1"/>
+          <p:cNvSpPr>
+            <a:spLocks noGrp="1"/>
+          </p:cNvSpPr>
+          <p:nvPr>
+            <p:ph type="title"/>
+          </p:nvPr>
+        </p:nvSpPr>
+        <p:spPr/>
+        <p:txBody>
+          <a:bodyPr/>
+          <a:lstStyle/>
+          <a:p>
+            <a:r>
+              <a:rPr lang="ru-RU" dirty="0"/>
+              <a:t>Практика</a:t>
+            </a:r>
+          </a:p>
+        </p:txBody>
+      </p:sp>
+      <p:sp>
+        <p:nvSpPr>
+          <p:cNvPr id="3" name="Объект 2"/>
+          <p:cNvSpPr>
+            <a:spLocks noGrp="1"/>
+          </p:cNvSpPr>
+          <p:nvPr>
+            <p:ph idx="1"/>
+          </p:nvPr>
+        </p:nvSpPr>
+        <p:spPr>
+          <a:xfrm>
+            <a:off x="457200" y="4797152"/>
+            <a:ext cx="8229600" cy="1329011"/>
+          </a:xfrm>
+        </p:spPr>
+        <p:txBody>
+          <a:bodyPr>
+            <a:normAutofit/>
+          </a:bodyPr>
+          <a:lstStyle/>
+          <a:p>
+            <a:pPr marL="0" indent="0" algn="ctr">
+              <a:buNone/>
+            </a:pPr>
+            <a:r>
+              <a:rPr lang="en-US" sz="6000" dirty="0"/>
+              <a:t>Code-Kata</a:t>
+            </a:r>
+            <a:endParaRPr lang="ru-RU" sz="6000" dirty="0"/>
+          </a:p>
+        </p:txBody>
+      </p:sp>
+      <p:pic>
+        <p:nvPicPr>
+          <p:cNvPr id="4" name="Рисунок 3"/>
+          <p:cNvPicPr>
+            <a:picLocks noChangeAspect="1"/>
+          </p:cNvPicPr>
+          <p:nvPr/>
+        </p:nvPicPr>
+        <p:blipFill>
+          <a:blip r:embed="rId2">
+            <a:extLst>
+              <a:ext uri="{28A0092B-C50C-407E-A947-70E740481C1C}">
+                <a14:useLocalDpi xmlns:a14="http://schemas.microsoft.com/office/drawing/2010/main" val="0"/>
+              </a:ext>
+            </a:extLst>
+          </a:blip>
+          <a:stretch>
+            <a:fillRect/>
+          </a:stretch>
+        </p:blipFill>
+        <p:spPr>
+          <a:xfrm>
+            <a:off x="2318990" y="1417638"/>
+            <a:ext cx="4506019" cy="3379514"/>
+          </a:xfrm>
+          <a:prstGeom prst="rect">
+            <a:avLst/>
+          </a:prstGeom>
+        </p:spPr>
+      </p:pic>
+    </p:spTree>
+    <p:extLst>
+      <p:ext uri="{BB962C8B-B14F-4D97-AF65-F5344CB8AC3E}">
+        <p14:creationId xmlns:p14="http://schemas.microsoft.com/office/powerpoint/2010/main" val="3070989260"/>
+      </p:ext>
+    </p:extLst>
+  </p:cSld>
+  <p:clrMapOvr>
+    <a:masterClrMapping/>
+  </p:clrMapOvr>
+</p:sld>
+</file>
+
+<file path=ppt/slides/slide14.xml><?xml version="1.0" encoding="utf-8"?>
+<p:sld xmlns:a="http://schemas.openxmlformats.org/drawingml/2006/main" xmlns:r="http://schemas.openxmlformats.org/officeDocument/2006/relationships" xmlns:p="http://schemas.openxmlformats.org/presentationml/2006/main">
+  <p:cSld>
+    <p:spTree>
+      <p:nvGrpSpPr>
+        <p:cNvPr id="1" name=""/>
+        <p:cNvGrpSpPr/>
+        <p:nvPr/>
+      </p:nvGrpSpPr>
+      <p:grpSpPr>
+        <a:xfrm>
+          <a:off x="0" y="0"/>
+          <a:ext cx="0" cy="0"/>
+          <a:chOff x="0" y="0"/>
+          <a:chExt cx="0" cy="0"/>
+        </a:xfrm>
+      </p:grpSpPr>
+      <p:sp>
+        <p:nvSpPr>
           <p:cNvPr id="3074" name="Rectangle 2"/>
           <p:cNvSpPr>
             <a:spLocks noGrp="1" noChangeArrowheads="1"/>
@@ -7215,7 +4997,7 @@
           <a:p>
             <a:pPr eaLnBrk="1" hangingPunct="1"/>
             <a:r>
-              <a:rPr lang="en-US" altLang="ru-RU" dirty="0" smtClean="0"/>
+              <a:rPr lang="en-US" altLang="ru-RU" dirty="0"/>
               <a:t>Scoring Bowling</a:t>
             </a:r>
           </a:p>
@@ -7239,7 +5021,7 @@
           <a:graphicData uri="http://schemas.openxmlformats.org/presentationml/2006/ole">
             <mc:AlternateContent xmlns:mc="http://schemas.openxmlformats.org/markup-compatibility/2006">
               <mc:Choice xmlns:v="urn:schemas-microsoft-com:vml" Requires="v">
-                <p:oleObj spid="_x0000_s1061" name="VISIO" r:id="rId4" imgW="2544803" imgH="251238" progId="Visio.Drawing.5">
+                <p:oleObj spid="_x0000_s1072" name="VISIO" r:id="rId4" imgW="2544803" imgH="251238" progId="Visio.Drawing.5">
                   <p:embed/>
                 </p:oleObj>
               </mc:Choice>
@@ -7606,17 +5388,10 @@
   <p:clrMapOvr>
     <a:masterClrMapping/>
   </p:clrMapOvr>
-  <p:timing>
-    <p:tnLst>
-      <p:par>
-        <p:cTn id="1" dur="indefinite" restart="never" nodeType="tmRoot"/>
-      </p:par>
-    </p:tnLst>
-  </p:timing>
 </p:sld>
 </file>
 
-<file path=ppt/slides/slide13.xml><?xml version="1.0" encoding="utf-8"?>
+<file path=ppt/slides/slide15.xml><?xml version="1.0" encoding="utf-8"?>
 <p:sld xmlns:a="http://schemas.openxmlformats.org/drawingml/2006/main" xmlns:r="http://schemas.openxmlformats.org/officeDocument/2006/relationships" xmlns:p="http://schemas.openxmlformats.org/presentationml/2006/main">
   <p:cSld>
     <p:spTree>
@@ -7650,7 +5425,7 @@
           <a:p>
             <a:pPr eaLnBrk="1" hangingPunct="1"/>
             <a:r>
-              <a:rPr lang="en-US" altLang="ru-RU" dirty="0" smtClean="0"/>
+              <a:rPr lang="en-US" altLang="ru-RU" dirty="0"/>
               <a:t>Design</a:t>
             </a:r>
           </a:p>
@@ -7680,49 +5455,61 @@
               <a:buNone/>
             </a:pPr>
             <a:r>
-              <a:rPr lang="en-US" altLang="ru-RU" dirty="0" smtClean="0">
-                <a:latin typeface="Consolas" panose="020B0609020204030204" pitchFamily="49" charset="0"/>
-                <a:cs typeface="Consolas" panose="020B0609020204030204" pitchFamily="49" charset="0"/>
-              </a:rPr>
-              <a:t>class Game</a:t>
-            </a:r>
-            <a:r>
-              <a:rPr lang="en-US" altLang="ru-RU" dirty="0" smtClean="0">
-                <a:latin typeface="Consolas" panose="020B0609020204030204" pitchFamily="49" charset="0"/>
-                <a:cs typeface="Consolas" panose="020B0609020204030204" pitchFamily="49" charset="0"/>
-              </a:rPr>
-              <a:t>{</a:t>
-            </a:r>
-          </a:p>
-          <a:p>
-            <a:pPr marL="57150" indent="0">
-              <a:buNone/>
-            </a:pPr>
-            <a:r>
               <a:rPr lang="en-US" altLang="ru-RU" dirty="0">
                 <a:latin typeface="Consolas" panose="020B0609020204030204" pitchFamily="49" charset="0"/>
                 <a:cs typeface="Consolas" panose="020B0609020204030204" pitchFamily="49" charset="0"/>
               </a:rPr>
-              <a:t> </a:t>
-            </a:r>
-            <a:r>
-              <a:rPr lang="en-US" altLang="ru-RU" dirty="0" smtClean="0">
+              <a:t>class Game{</a:t>
+            </a:r>
+          </a:p>
+          <a:p>
+            <a:pPr marL="57150" indent="0">
+              <a:buNone/>
+            </a:pPr>
+            <a:r>
+              <a:rPr lang="en-US" altLang="ru-RU" dirty="0">
                 <a:latin typeface="Consolas" panose="020B0609020204030204" pitchFamily="49" charset="0"/>
                 <a:cs typeface="Consolas" panose="020B0609020204030204" pitchFamily="49" charset="0"/>
               </a:rPr>
-              <a:t>   // throws </a:t>
-            </a:r>
-            <a:r>
-              <a:rPr lang="en-US" altLang="ru-RU" dirty="0" err="1" smtClean="0">
+              <a:t>    // throws </a:t>
+            </a:r>
+            <a:r>
+              <a:rPr lang="en-US" altLang="ru-RU" dirty="0" err="1">
                 <a:latin typeface="Consolas" panose="020B0609020204030204" pitchFamily="49" charset="0"/>
                 <a:cs typeface="Consolas" panose="020B0609020204030204" pitchFamily="49" charset="0"/>
               </a:rPr>
               <a:t>GameIsOverException</a:t>
             </a:r>
-            <a:endParaRPr lang="en-US" altLang="ru-RU" dirty="0" smtClean="0">
+            <a:endParaRPr lang="en-US" altLang="ru-RU" dirty="0">
               <a:latin typeface="Consolas" panose="020B0609020204030204" pitchFamily="49" charset="0"/>
               <a:cs typeface="Consolas" panose="020B0609020204030204" pitchFamily="49" charset="0"/>
             </a:endParaRPr>
+          </a:p>
+          <a:p>
+            <a:pPr marL="57150" indent="0">
+              <a:buNone/>
+            </a:pPr>
+            <a:r>
+              <a:rPr lang="en-US" altLang="ru-RU" dirty="0">
+                <a:latin typeface="Consolas" panose="020B0609020204030204" pitchFamily="49" charset="0"/>
+                <a:cs typeface="Consolas" panose="020B0609020204030204" pitchFamily="49" charset="0"/>
+              </a:rPr>
+              <a:t>	void Roll(</a:t>
+            </a:r>
+            <a:r>
+              <a:rPr lang="en-US" altLang="ru-RU" dirty="0" err="1">
+                <a:latin typeface="Consolas" panose="020B0609020204030204" pitchFamily="49" charset="0"/>
+                <a:cs typeface="Consolas" panose="020B0609020204030204" pitchFamily="49" charset="0"/>
+              </a:rPr>
+              <a:t>int</a:t>
+            </a:r>
+            <a:r>
+              <a:rPr lang="en-US" altLang="ru-RU" dirty="0">
+                <a:latin typeface="Consolas" panose="020B0609020204030204" pitchFamily="49" charset="0"/>
+                <a:cs typeface="Consolas" panose="020B0609020204030204" pitchFamily="49" charset="0"/>
+              </a:rPr>
+              <a:t> pins) { }</a:t>
+            </a:r>
           </a:p>
           <a:p>
             <a:pPr marL="57150" indent="0">
@@ -7736,25 +5523,32 @@
               <a:t>	</a:t>
             </a:r>
             <a:r>
-              <a:rPr lang="en-US" altLang="ru-RU" dirty="0" smtClean="0">
+              <a:rPr lang="en-US" altLang="ru-RU" dirty="0" err="1">
                 <a:latin typeface="Consolas" panose="020B0609020204030204" pitchFamily="49" charset="0"/>
                 <a:cs typeface="Consolas" panose="020B0609020204030204" pitchFamily="49" charset="0"/>
               </a:rPr>
-              <a:t>void Roll(</a:t>
-            </a:r>
-            <a:r>
-              <a:rPr lang="en-US" altLang="ru-RU" dirty="0" err="1" smtClean="0">
+              <a:t>IList</a:t>
+            </a:r>
+            <a:r>
+              <a:rPr lang="en-US" altLang="ru-RU" dirty="0">
                 <a:latin typeface="Consolas" panose="020B0609020204030204" pitchFamily="49" charset="0"/>
                 <a:cs typeface="Consolas" panose="020B0609020204030204" pitchFamily="49" charset="0"/>
               </a:rPr>
-              <a:t>int</a:t>
-            </a:r>
-            <a:r>
-              <a:rPr lang="en-US" altLang="ru-RU" dirty="0" smtClean="0">
+              <a:t>&lt;Frame&gt; </a:t>
+            </a:r>
+            <a:r>
+              <a:rPr lang="en-US" altLang="ru-RU" dirty="0" err="1">
                 <a:latin typeface="Consolas" panose="020B0609020204030204" pitchFamily="49" charset="0"/>
                 <a:cs typeface="Consolas" panose="020B0609020204030204" pitchFamily="49" charset="0"/>
               </a:rPr>
-              <a:t> pins) { }</a:t>
+              <a:t>GetFrames</a:t>
+            </a:r>
+            <a:r>
+              <a:rPr lang="en-US" altLang="ru-RU" dirty="0">
+                <a:latin typeface="Consolas" panose="020B0609020204030204" pitchFamily="49" charset="0"/>
+                <a:cs typeface="Consolas" panose="020B0609020204030204" pitchFamily="49" charset="0"/>
+              </a:rPr>
+              <a:t>() { }</a:t>
             </a:r>
           </a:p>
           <a:p>
@@ -7769,91 +5563,26 @@
               <a:t>	</a:t>
             </a:r>
             <a:r>
-              <a:rPr lang="en-US" altLang="ru-RU" dirty="0" err="1" smtClean="0">
+              <a:rPr lang="en-US" altLang="ru-RU" dirty="0" err="1">
                 <a:latin typeface="Consolas" panose="020B0609020204030204" pitchFamily="49" charset="0"/>
                 <a:cs typeface="Consolas" panose="020B0609020204030204" pitchFamily="49" charset="0"/>
               </a:rPr>
-              <a:t>IList</a:t>
-            </a:r>
-            <a:r>
-              <a:rPr lang="en-US" altLang="ru-RU" dirty="0" smtClean="0">
-                <a:latin typeface="Consolas" panose="020B0609020204030204" pitchFamily="49" charset="0"/>
-                <a:cs typeface="Consolas" panose="020B0609020204030204" pitchFamily="49" charset="0"/>
-              </a:rPr>
-              <a:t>&lt;</a:t>
-            </a:r>
-            <a:r>
-              <a:rPr lang="en-US" altLang="ru-RU" dirty="0" smtClean="0">
-                <a:latin typeface="Consolas" panose="020B0609020204030204" pitchFamily="49" charset="0"/>
-                <a:cs typeface="Consolas" panose="020B0609020204030204" pitchFamily="49" charset="0"/>
-              </a:rPr>
-              <a:t>Frame&gt; </a:t>
-            </a:r>
-            <a:r>
-              <a:rPr lang="en-US" altLang="ru-RU" dirty="0" err="1" smtClean="0">
-                <a:latin typeface="Consolas" panose="020B0609020204030204" pitchFamily="49" charset="0"/>
-                <a:cs typeface="Consolas" panose="020B0609020204030204" pitchFamily="49" charset="0"/>
-              </a:rPr>
-              <a:t>GetFrames</a:t>
-            </a:r>
-            <a:r>
-              <a:rPr lang="en-US" altLang="ru-RU" dirty="0" smtClean="0">
-                <a:latin typeface="Consolas" panose="020B0609020204030204" pitchFamily="49" charset="0"/>
-                <a:cs typeface="Consolas" panose="020B0609020204030204" pitchFamily="49" charset="0"/>
-              </a:rPr>
-              <a:t>() </a:t>
-            </a:r>
-            <a:r>
-              <a:rPr lang="en-US" altLang="ru-RU" dirty="0" smtClean="0">
-                <a:latin typeface="Consolas" panose="020B0609020204030204" pitchFamily="49" charset="0"/>
-                <a:cs typeface="Consolas" panose="020B0609020204030204" pitchFamily="49" charset="0"/>
-              </a:rPr>
-              <a:t>{ </a:t>
-            </a:r>
-            <a:r>
-              <a:rPr lang="en-US" altLang="ru-RU" dirty="0" smtClean="0">
-                <a:latin typeface="Consolas" panose="020B0609020204030204" pitchFamily="49" charset="0"/>
-                <a:cs typeface="Consolas" panose="020B0609020204030204" pitchFamily="49" charset="0"/>
-              </a:rPr>
-              <a:t>}</a:t>
-            </a:r>
-          </a:p>
-          <a:p>
-            <a:pPr marL="57150" indent="0">
-              <a:buNone/>
-            </a:pPr>
+              <a:t>int</a:t>
+            </a:r>
             <a:r>
               <a:rPr lang="en-US" altLang="ru-RU" dirty="0">
                 <a:latin typeface="Consolas" panose="020B0609020204030204" pitchFamily="49" charset="0"/>
                 <a:cs typeface="Consolas" panose="020B0609020204030204" pitchFamily="49" charset="0"/>
               </a:rPr>
-              <a:t>	</a:t>
-            </a:r>
-            <a:r>
-              <a:rPr lang="en-US" altLang="ru-RU" dirty="0" err="1" smtClean="0">
-                <a:latin typeface="Consolas" panose="020B0609020204030204" pitchFamily="49" charset="0"/>
-                <a:cs typeface="Consolas" panose="020B0609020204030204" pitchFamily="49" charset="0"/>
-              </a:rPr>
-              <a:t>int</a:t>
-            </a:r>
-            <a:r>
-              <a:rPr lang="en-US" altLang="ru-RU" dirty="0" smtClean="0">
-                <a:latin typeface="Consolas" panose="020B0609020204030204" pitchFamily="49" charset="0"/>
-                <a:cs typeface="Consolas" panose="020B0609020204030204" pitchFamily="49" charset="0"/>
-              </a:rPr>
               <a:t> Score { get; }</a:t>
             </a:r>
-            <a:endParaRPr lang="en-US" altLang="ru-RU" dirty="0" smtClean="0">
-              <a:latin typeface="Consolas" panose="020B0609020204030204" pitchFamily="49" charset="0"/>
-              <a:cs typeface="Consolas" panose="020B0609020204030204" pitchFamily="49" charset="0"/>
-            </a:endParaRPr>
           </a:p>
           <a:p>
             <a:pPr marL="57150" indent="0">
               <a:buNone/>
             </a:pPr>
             <a:r>
-              <a:rPr lang="en-US" altLang="ru-RU" dirty="0" smtClean="0">
+              <a:rPr lang="en-US" altLang="ru-RU" dirty="0">
                 <a:latin typeface="Consolas" panose="020B0609020204030204" pitchFamily="49" charset="0"/>
                 <a:cs typeface="Consolas" panose="020B0609020204030204" pitchFamily="49" charset="0"/>
               </a:rPr>
@@ -7872,13 +5601,6 @@
   <p:clrMapOvr>
     <a:masterClrMapping/>
   </p:clrMapOvr>
-  <p:timing>
-    <p:tnLst>
-      <p:par>
-        <p:cTn id="1" dur="indefinite" restart="never" nodeType="tmRoot"/>
-      </p:par>
-    </p:tnLst>
-  </p:timing>
 </p:sld>
 </file>
 
@@ -7909,7 +5631,12 @@
             <p:ph type="title"/>
           </p:nvPr>
         </p:nvSpPr>
-        <p:spPr/>
+        <p:spPr>
+          <a:xfrm>
+            <a:off x="457200" y="274638"/>
+            <a:ext cx="8229600" cy="1642194"/>
+          </a:xfrm>
+        </p:spPr>
         <p:txBody>
           <a:bodyPr>
             <a:normAutofit/>
@@ -7917,16 +5644,15 @@
           <a:lstStyle/>
           <a:p>
             <a:r>
-              <a:rPr lang="ru-RU" dirty="0" smtClean="0"/>
+              <a:rPr lang="ru-RU" dirty="0"/>
               <a:t>Проблема</a:t>
             </a:r>
-            <a:endParaRPr lang="ru-RU" dirty="0"/>
-          </a:p>
-        </p:txBody>
-      </p:sp>
-      <p:sp>
-        <p:nvSpPr>
-          <p:cNvPr id="4" name="Объект 3"/>
+          </a:p>
+        </p:txBody>
+      </p:sp>
+      <p:sp>
+        <p:nvSpPr>
+          <p:cNvPr id="3" name="Объект 2"/>
           <p:cNvSpPr>
             <a:spLocks noGrp="1"/>
           </p:cNvSpPr>
@@ -7934,36 +5660,54 @@
             <p:ph idx="1"/>
           </p:nvPr>
         </p:nvSpPr>
-        <p:spPr/>
+        <p:spPr>
+          <a:xfrm>
+            <a:off x="457200" y="2132856"/>
+            <a:ext cx="8229600" cy="3993307"/>
+          </a:xfrm>
+        </p:spPr>
         <p:txBody>
           <a:bodyPr/>
           <a:lstStyle/>
           <a:p>
-            <a:r>
-              <a:rPr lang="ru-RU" dirty="0" smtClean="0"/>
-              <a:t>До тестов руки не дошли...</a:t>
-            </a:r>
-            <a:endParaRPr lang="ru-RU" dirty="0"/>
+            <a:pPr marL="0" indent="0" algn="ctr">
+              <a:buNone/>
+            </a:pPr>
+            <a:r>
+              <a:rPr lang="ru-RU" dirty="0"/>
+              <a:t>Сначала пишем рабочий код, </a:t>
+            </a:r>
+          </a:p>
+          <a:p>
+            <a:pPr marL="0" indent="0" algn="ctr">
+              <a:buNone/>
+            </a:pPr>
+            <a:r>
+              <a:rPr lang="ru-RU" dirty="0"/>
+              <a:t>а потом уже некогда писать тесты,</a:t>
+            </a:r>
+          </a:p>
+          <a:p>
+            <a:pPr marL="0" indent="0" algn="ctr">
+              <a:buNone/>
+            </a:pPr>
+            <a:r>
+              <a:rPr lang="ru-RU" dirty="0"/>
+              <a:t>да и желания тоже нет.</a:t>
+            </a:r>
           </a:p>
         </p:txBody>
       </p:sp>
     </p:spTree>
     <p:extLst>
       <p:ext uri="{BB962C8B-B14F-4D97-AF65-F5344CB8AC3E}">
-        <p14:creationId xmlns:p14="http://schemas.microsoft.com/office/powerpoint/2010/main" val="2594183771"/>
+        <p14:creationId xmlns:p14="http://schemas.microsoft.com/office/powerpoint/2010/main" val="1541888399"/>
       </p:ext>
     </p:extLst>
   </p:cSld>
   <p:clrMapOvr>
     <a:masterClrMapping/>
   </p:clrMapOvr>
-  <p:timing>
-    <p:tnLst>
-      <p:par>
-        <p:cTn id="1" dur="indefinite" restart="never" nodeType="tmRoot"/>
-      </p:par>
-    </p:tnLst>
-  </p:timing>
 </p:sld>
 </file>
 
@@ -7994,7 +5738,12 @@
             <p:ph type="title"/>
           </p:nvPr>
         </p:nvSpPr>
-        <p:spPr/>
+        <p:spPr>
+          <a:xfrm>
+            <a:off x="457200" y="274638"/>
+            <a:ext cx="8229600" cy="1642194"/>
+          </a:xfrm>
+        </p:spPr>
         <p:txBody>
           <a:bodyPr>
             <a:normAutofit/>
@@ -8002,52 +5751,52 @@
           <a:lstStyle/>
           <a:p>
             <a:r>
-              <a:rPr lang="en-US" dirty="0" smtClean="0"/>
-              <a:t>TDD</a:t>
-            </a:r>
-            <a:endParaRPr lang="ru-RU" dirty="0"/>
-          </a:p>
-        </p:txBody>
-      </p:sp>
-      <p:graphicFrame>
-        <p:nvGraphicFramePr>
-          <p:cNvPr id="3" name="Схема 2"/>
-          <p:cNvGraphicFramePr/>
-          <p:nvPr>
-            <p:extLst>
-              <p:ext uri="{D42A27DB-BD31-4B8C-83A1-F6EECF244321}">
-                <p14:modId xmlns:p14="http://schemas.microsoft.com/office/powerpoint/2010/main" val="3169981546"/>
-              </p:ext>
-            </p:extLst>
-          </p:nvPr>
-        </p:nvGraphicFramePr>
-        <p:xfrm>
-          <a:off x="1043608" y="1268760"/>
-          <a:ext cx="6912768" cy="4896544"/>
-        </p:xfrm>
-        <a:graphic>
-          <a:graphicData uri="http://schemas.openxmlformats.org/drawingml/2006/diagram">
-            <dgm:relIds xmlns:dgm="http://schemas.openxmlformats.org/drawingml/2006/diagram" xmlns:r="http://schemas.openxmlformats.org/officeDocument/2006/relationships" r:dm="rId2" r:lo="rId3" r:qs="rId4" r:cs="rId5"/>
-          </a:graphicData>
-        </a:graphic>
-      </p:graphicFrame>
+              <a:rPr lang="ru-RU" dirty="0"/>
+              <a:t>Решение</a:t>
+            </a:r>
+          </a:p>
+        </p:txBody>
+      </p:sp>
+      <p:sp>
+        <p:nvSpPr>
+          <p:cNvPr id="3" name="Объект 2"/>
+          <p:cNvSpPr>
+            <a:spLocks noGrp="1"/>
+          </p:cNvSpPr>
+          <p:nvPr>
+            <p:ph idx="1"/>
+          </p:nvPr>
+        </p:nvSpPr>
+        <p:spPr>
+          <a:xfrm>
+            <a:off x="457200" y="2132856"/>
+            <a:ext cx="8229600" cy="3993307"/>
+          </a:xfrm>
+        </p:spPr>
+        <p:txBody>
+          <a:bodyPr/>
+          <a:lstStyle/>
+          <a:p>
+            <a:pPr marL="0" indent="0" algn="ctr">
+              <a:buNone/>
+            </a:pPr>
+            <a:r>
+              <a:rPr lang="ru-RU" dirty="0"/>
+              <a:t>Писать тесты одновременно с кодом!</a:t>
+            </a:r>
+          </a:p>
+        </p:txBody>
+      </p:sp>
     </p:spTree>
     <p:extLst>
       <p:ext uri="{BB962C8B-B14F-4D97-AF65-F5344CB8AC3E}">
-        <p14:creationId xmlns:p14="http://schemas.microsoft.com/office/powerpoint/2010/main" val="4285619561"/>
+        <p14:creationId xmlns:p14="http://schemas.microsoft.com/office/powerpoint/2010/main" val="659984251"/>
       </p:ext>
     </p:extLst>
   </p:cSld>
   <p:clrMapOvr>
     <a:masterClrMapping/>
   </p:clrMapOvr>
-  <p:timing>
-    <p:tnLst>
-      <p:par>
-        <p:cTn id="1" dur="indefinite" restart="never" nodeType="tmRoot"/>
-      </p:par>
-    </p:tnLst>
-  </p:timing>
 </p:sld>
 </file>
 
@@ -8078,16 +5827,380 @@
             <p:ph type="title"/>
           </p:nvPr>
         </p:nvSpPr>
+        <p:spPr>
+          <a:xfrm>
+            <a:off x="609852" y="254409"/>
+            <a:ext cx="8229600" cy="1143000"/>
+          </a:xfrm>
+        </p:spPr>
+        <p:txBody>
+          <a:bodyPr/>
+          <a:lstStyle/>
+          <a:p>
+            <a:r>
+              <a:rPr lang="ru-RU" dirty="0"/>
+              <a:t>Цикл </a:t>
+            </a:r>
+            <a:r>
+              <a:rPr lang="en-US" dirty="0"/>
+              <a:t>TDD</a:t>
+            </a:r>
+            <a:endParaRPr lang="ru-RU" dirty="0"/>
+          </a:p>
+        </p:txBody>
+      </p:sp>
+      <p:sp>
+        <p:nvSpPr>
+          <p:cNvPr id="4" name="Овал 3"/>
+          <p:cNvSpPr/>
+          <p:nvPr/>
+        </p:nvSpPr>
+        <p:spPr>
+          <a:xfrm>
+            <a:off x="6876256" y="2636912"/>
+            <a:ext cx="1656184" cy="1656184"/>
+          </a:xfrm>
+          <a:prstGeom prst="ellipse">
+            <a:avLst/>
+          </a:prstGeom>
+        </p:spPr>
+        <p:style>
+          <a:lnRef idx="2">
+            <a:schemeClr val="accent2">
+              <a:shade val="50000"/>
+            </a:schemeClr>
+          </a:lnRef>
+          <a:fillRef idx="1">
+            <a:schemeClr val="accent2"/>
+          </a:fillRef>
+          <a:effectRef idx="0">
+            <a:schemeClr val="accent2"/>
+          </a:effectRef>
+          <a:fontRef idx="minor">
+            <a:schemeClr val="lt1"/>
+          </a:fontRef>
+        </p:style>
+        <p:txBody>
+          <a:bodyPr rtlCol="0" anchor="ctr"/>
+          <a:lstStyle/>
+          <a:p>
+            <a:pPr algn="ctr"/>
+            <a:endParaRPr lang="ru-RU"/>
+          </a:p>
+        </p:txBody>
+      </p:sp>
+      <p:sp>
+        <p:nvSpPr>
+          <p:cNvPr id="5" name="Овал 4"/>
+          <p:cNvSpPr/>
+          <p:nvPr/>
+        </p:nvSpPr>
+        <p:spPr>
+          <a:xfrm>
+            <a:off x="3059832" y="2636912"/>
+            <a:ext cx="1656184" cy="1656184"/>
+          </a:xfrm>
+          <a:prstGeom prst="ellipse">
+            <a:avLst/>
+          </a:prstGeom>
+        </p:spPr>
+        <p:style>
+          <a:lnRef idx="2">
+            <a:schemeClr val="accent3">
+              <a:shade val="50000"/>
+            </a:schemeClr>
+          </a:lnRef>
+          <a:fillRef idx="1">
+            <a:schemeClr val="accent3"/>
+          </a:fillRef>
+          <a:effectRef idx="0">
+            <a:schemeClr val="accent3"/>
+          </a:effectRef>
+          <a:fontRef idx="minor">
+            <a:schemeClr val="lt1"/>
+          </a:fontRef>
+        </p:style>
+        <p:txBody>
+          <a:bodyPr rtlCol="0" anchor="ctr"/>
+          <a:lstStyle/>
+          <a:p>
+            <a:pPr algn="ctr"/>
+            <a:endParaRPr lang="ru-RU"/>
+          </a:p>
+        </p:txBody>
+      </p:sp>
+      <p:cxnSp>
+        <p:nvCxnSpPr>
+          <p:cNvPr id="8" name="Скругленная соединительная линия 7"/>
+          <p:cNvCxnSpPr>
+            <a:stCxn id="5" idx="7"/>
+            <a:endCxn id="4" idx="1"/>
+          </p:cNvCxnSpPr>
+          <p:nvPr/>
+        </p:nvCxnSpPr>
+        <p:spPr>
+          <a:xfrm rot="5400000" flipH="1" flipV="1">
+            <a:off x="5796136" y="1556792"/>
+            <a:ext cx="12700" cy="2645326"/>
+          </a:xfrm>
+          <a:prstGeom prst="curvedConnector3">
+            <a:avLst>
+              <a:gd name="adj1" fmla="val 3709787"/>
+            </a:avLst>
+          </a:prstGeom>
+          <a:ln w="76200">
+            <a:solidFill>
+              <a:schemeClr val="bg1">
+                <a:lumMod val="50000"/>
+              </a:schemeClr>
+            </a:solidFill>
+            <a:tailEnd type="triangle"/>
+          </a:ln>
+        </p:spPr>
+        <p:style>
+          <a:lnRef idx="1">
+            <a:schemeClr val="accent1"/>
+          </a:lnRef>
+          <a:fillRef idx="0">
+            <a:schemeClr val="accent1"/>
+          </a:fillRef>
+          <a:effectRef idx="0">
+            <a:schemeClr val="accent1"/>
+          </a:effectRef>
+          <a:fontRef idx="minor">
+            <a:schemeClr val="tx1"/>
+          </a:fontRef>
+        </p:style>
+      </p:cxnSp>
+      <p:cxnSp>
+        <p:nvCxnSpPr>
+          <p:cNvPr id="12" name="Скругленная соединительная линия 11"/>
+          <p:cNvCxnSpPr>
+            <a:stCxn id="4" idx="3"/>
+            <a:endCxn id="5" idx="5"/>
+          </p:cNvCxnSpPr>
+          <p:nvPr/>
+        </p:nvCxnSpPr>
+        <p:spPr>
+          <a:xfrm rot="5400000">
+            <a:off x="5796136" y="2727890"/>
+            <a:ext cx="12700" cy="2645326"/>
+          </a:xfrm>
+          <a:prstGeom prst="curvedConnector3">
+            <a:avLst>
+              <a:gd name="adj1" fmla="val 3709787"/>
+            </a:avLst>
+          </a:prstGeom>
+          <a:ln w="76200">
+            <a:solidFill>
+              <a:schemeClr val="bg1">
+                <a:lumMod val="50000"/>
+              </a:schemeClr>
+            </a:solidFill>
+            <a:tailEnd type="triangle"/>
+          </a:ln>
+        </p:spPr>
+        <p:style>
+          <a:lnRef idx="1">
+            <a:schemeClr val="accent1"/>
+          </a:lnRef>
+          <a:fillRef idx="0">
+            <a:schemeClr val="accent1"/>
+          </a:fillRef>
+          <a:effectRef idx="0">
+            <a:schemeClr val="accent1"/>
+          </a:effectRef>
+          <a:fontRef idx="minor">
+            <a:schemeClr val="tx1"/>
+          </a:fontRef>
+        </p:style>
+      </p:cxnSp>
+      <p:sp>
+        <p:nvSpPr>
+          <p:cNvPr id="15" name="TextBox 14"/>
+          <p:cNvSpPr txBox="1"/>
+          <p:nvPr/>
+        </p:nvSpPr>
+        <p:spPr>
+          <a:xfrm>
+            <a:off x="4862963" y="1704449"/>
+            <a:ext cx="2271904" cy="584775"/>
+          </a:xfrm>
+          <a:prstGeom prst="rect">
+            <a:avLst/>
+          </a:prstGeom>
+          <a:noFill/>
+        </p:spPr>
+        <p:txBody>
+          <a:bodyPr wrap="none" rtlCol="0">
+            <a:spAutoFit/>
+          </a:bodyPr>
+          <a:lstStyle/>
+          <a:p>
+            <a:r>
+              <a:rPr lang="en-US" sz="3200" dirty="0"/>
+              <a:t>1. Write Test</a:t>
+            </a:r>
+            <a:endParaRPr lang="ru-RU" sz="3200" dirty="0"/>
+          </a:p>
+        </p:txBody>
+      </p:sp>
+      <p:sp>
+        <p:nvSpPr>
+          <p:cNvPr id="16" name="TextBox 15"/>
+          <p:cNvSpPr txBox="1"/>
+          <p:nvPr/>
+        </p:nvSpPr>
+        <p:spPr>
+          <a:xfrm>
+            <a:off x="3857979" y="4578849"/>
+            <a:ext cx="4294574" cy="584775"/>
+          </a:xfrm>
+          <a:prstGeom prst="rect">
+            <a:avLst/>
+          </a:prstGeom>
+          <a:noFill/>
+        </p:spPr>
+        <p:txBody>
+          <a:bodyPr wrap="none" rtlCol="0">
+            <a:spAutoFit/>
+          </a:bodyPr>
+          <a:lstStyle/>
+          <a:p>
+            <a:r>
+              <a:rPr lang="en-US" sz="3200" dirty="0"/>
+              <a:t>2. Write Implementation</a:t>
+            </a:r>
+            <a:endParaRPr lang="ru-RU" sz="3200" dirty="0"/>
+          </a:p>
+        </p:txBody>
+      </p:sp>
+      <p:cxnSp>
+        <p:nvCxnSpPr>
+          <p:cNvPr id="17" name="Скругленная соединительная линия 16"/>
+          <p:cNvCxnSpPr>
+            <a:stCxn id="5" idx="3"/>
+            <a:endCxn id="5" idx="1"/>
+          </p:cNvCxnSpPr>
+          <p:nvPr/>
+        </p:nvCxnSpPr>
+        <p:spPr>
+          <a:xfrm rot="5400000" flipH="1">
+            <a:off x="2716826" y="3465004"/>
+            <a:ext cx="1171098" cy="12700"/>
+          </a:xfrm>
+          <a:prstGeom prst="curvedConnector5">
+            <a:avLst>
+              <a:gd name="adj1" fmla="val -19520"/>
+              <a:gd name="adj2" fmla="val 12931031"/>
+              <a:gd name="adj3" fmla="val 119520"/>
+            </a:avLst>
+          </a:prstGeom>
+          <a:ln w="76200">
+            <a:solidFill>
+              <a:schemeClr val="bg1">
+                <a:lumMod val="50000"/>
+              </a:schemeClr>
+            </a:solidFill>
+            <a:tailEnd type="triangle"/>
+          </a:ln>
+        </p:spPr>
+        <p:style>
+          <a:lnRef idx="1">
+            <a:schemeClr val="accent1"/>
+          </a:lnRef>
+          <a:fillRef idx="0">
+            <a:schemeClr val="accent1"/>
+          </a:fillRef>
+          <a:effectRef idx="0">
+            <a:schemeClr val="accent1"/>
+          </a:effectRef>
+          <a:fontRef idx="minor">
+            <a:schemeClr val="tx1"/>
+          </a:fontRef>
+        </p:style>
+      </p:cxnSp>
+      <p:sp>
+        <p:nvSpPr>
+          <p:cNvPr id="20" name="TextBox 19"/>
+          <p:cNvSpPr txBox="1"/>
+          <p:nvPr/>
+        </p:nvSpPr>
+        <p:spPr>
+          <a:xfrm>
+            <a:off x="323528" y="3178966"/>
+            <a:ext cx="2490938" cy="584775"/>
+          </a:xfrm>
+          <a:prstGeom prst="rect">
+            <a:avLst/>
+          </a:prstGeom>
+          <a:solidFill>
+            <a:schemeClr val="bg1"/>
+          </a:solidFill>
+        </p:spPr>
+        <p:txBody>
+          <a:bodyPr wrap="none" rtlCol="0">
+            <a:spAutoFit/>
+          </a:bodyPr>
+          <a:lstStyle/>
+          <a:p>
+            <a:r>
+              <a:rPr lang="en-US" sz="3200" dirty="0"/>
+              <a:t>3. Refactoring</a:t>
+            </a:r>
+            <a:endParaRPr lang="ru-RU" sz="3200" dirty="0"/>
+          </a:p>
+        </p:txBody>
+      </p:sp>
+    </p:spTree>
+    <p:extLst>
+      <p:ext uri="{BB962C8B-B14F-4D97-AF65-F5344CB8AC3E}">
+        <p14:creationId xmlns:p14="http://schemas.microsoft.com/office/powerpoint/2010/main" val="2376977084"/>
+      </p:ext>
+    </p:extLst>
+  </p:cSld>
+  <p:clrMapOvr>
+    <a:masterClrMapping/>
+  </p:clrMapOvr>
+</p:sld>
+</file>
+
+<file path=ppt/slides/slide5.xml><?xml version="1.0" encoding="utf-8"?>
+<p:sld xmlns:a="http://schemas.openxmlformats.org/drawingml/2006/main" xmlns:r="http://schemas.openxmlformats.org/officeDocument/2006/relationships" xmlns:p="http://schemas.openxmlformats.org/presentationml/2006/main">
+  <p:cSld>
+    <p:spTree>
+      <p:nvGrpSpPr>
+        <p:cNvPr id="1" name=""/>
+        <p:cNvGrpSpPr/>
+        <p:nvPr/>
+      </p:nvGrpSpPr>
+      <p:grpSpPr>
+        <a:xfrm>
+          <a:off x="0" y="0"/>
+          <a:ext cx="0" cy="0"/>
+          <a:chOff x="0" y="0"/>
+          <a:chExt cx="0" cy="0"/>
+        </a:xfrm>
+      </p:grpSpPr>
+      <p:sp>
+        <p:nvSpPr>
+          <p:cNvPr id="2" name="Заголовок 1"/>
+          <p:cNvSpPr>
+            <a:spLocks noGrp="1"/>
+          </p:cNvSpPr>
+          <p:nvPr>
+            <p:ph type="title"/>
+          </p:nvPr>
+        </p:nvSpPr>
         <p:spPr/>
         <p:txBody>
           <a:bodyPr/>
           <a:lstStyle/>
           <a:p>
             <a:r>
-              <a:rPr lang="ru-RU" dirty="0" smtClean="0"/>
+              <a:rPr lang="ru-RU" dirty="0"/>
               <a:t>Принципы</a:t>
             </a:r>
-            <a:endParaRPr lang="ru-RU" dirty="0"/>
           </a:p>
         </p:txBody>
       </p:sp>
@@ -8104,25 +6217,25 @@
         <p:spPr/>
         <p:txBody>
           <a:bodyPr>
-            <a:normAutofit lnSpcReduction="10000"/>
+            <a:normAutofit fontScale="92500" lnSpcReduction="20000"/>
           </a:bodyPr>
           <a:lstStyle/>
           <a:p>
             <a:r>
-              <a:rPr lang="ru-RU" dirty="0" smtClean="0"/>
+              <a:rPr lang="ru-RU" dirty="0"/>
               <a:t>Начинайте с теста</a:t>
             </a:r>
           </a:p>
           <a:p>
             <a:r>
-              <a:rPr lang="ru-RU" dirty="0" smtClean="0"/>
+              <a:rPr lang="ru-RU" dirty="0"/>
               <a:t>Двигайтесь маленькими шажками</a:t>
             </a:r>
           </a:p>
           <a:p>
             <a:pPr lvl="1"/>
             <a:r>
-              <a:rPr lang="ru-RU" dirty="0" smtClean="0"/>
+              <a:rPr lang="ru-RU" dirty="0"/>
               <a:t>Добавьте простейший красный тест</a:t>
             </a:r>
           </a:p>
@@ -8134,11 +6247,7 @@
             </a:r>
             <a:r>
               <a:rPr lang="ru-RU" dirty="0"/>
-              <a:t>и </a:t>
-            </a:r>
-            <a:r>
-              <a:rPr lang="ru-RU" dirty="0" smtClean="0"/>
-              <a:t>один </a:t>
+              <a:t>и один </a:t>
             </a:r>
             <a:r>
               <a:rPr lang="en-US" dirty="0"/>
@@ -8152,45 +6261,47 @@
           <a:p>
             <a:pPr lvl="1"/>
             <a:r>
-              <a:rPr lang="ru-RU" dirty="0" smtClean="0"/>
+              <a:rPr lang="ru-RU" dirty="0"/>
               <a:t>Добавьте простейший код, проходящий тест. Например, заглушку</a:t>
             </a:r>
-            <a:endParaRPr lang="ru-RU" dirty="0"/>
-          </a:p>
-          <a:p>
-            <a:r>
-              <a:rPr lang="ru-RU" dirty="0" smtClean="0"/>
+          </a:p>
+          <a:p>
+            <a:r>
+              <a:rPr lang="ru-RU" dirty="0"/>
               <a:t>Один красный тест в каждый момент</a:t>
             </a:r>
           </a:p>
           <a:p>
             <a:r>
-              <a:rPr lang="ru-RU" dirty="0" smtClean="0"/>
-              <a:t>Планируйте </a:t>
-            </a:r>
-            <a:r>
               <a:rPr lang="ru-RU" dirty="0"/>
-              <a:t>шажки </a:t>
-            </a:r>
-            <a:r>
-              <a:rPr lang="ru-RU" dirty="0" smtClean="0"/>
-              <a:t>наперед</a:t>
-            </a:r>
-          </a:p>
-          <a:p>
-            <a:r>
-              <a:rPr lang="ru-RU" dirty="0" smtClean="0"/>
-              <a:t>Не </a:t>
-            </a:r>
+              <a:t>Планируйте шажки наперед</a:t>
+            </a:r>
+          </a:p>
+          <a:p>
             <a:r>
               <a:rPr lang="ru-RU" dirty="0"/>
-              <a:t>забывайте про </a:t>
-            </a:r>
-            <a:r>
-              <a:rPr lang="ru-RU" dirty="0" err="1" smtClean="0"/>
+              <a:t>Не забывайте про </a:t>
+            </a:r>
+            <a:r>
+              <a:rPr lang="ru-RU" dirty="0" err="1"/>
               <a:t>рефакторинг</a:t>
             </a:r>
-            <a:endParaRPr lang="ru-RU" dirty="0"/>
+            <a:endParaRPr lang="en-US" dirty="0"/>
+          </a:p>
+          <a:p>
+            <a:pPr lvl="1"/>
+            <a:r>
+              <a:rPr lang="ru-RU" dirty="0"/>
+              <a:t>Перед </a:t>
+            </a:r>
+            <a:r>
+              <a:rPr lang="ru-RU" dirty="0" err="1"/>
+              <a:t>рефакторингом</a:t>
+            </a:r>
+            <a:r>
+              <a:rPr lang="ru-RU" dirty="0"/>
+              <a:t> тесты должны проходить</a:t>
+            </a:r>
           </a:p>
         </p:txBody>
       </p:sp>
@@ -8544,6 +6655,37 @@
                                   </p:childTnLst>
                                 </p:cTn>
                               </p:par>
+                              <p:par>
+                                <p:cTn id="29" presetID="1" presetClass="entr" presetSubtype="0" fill="hold" grpId="0" nodeType="withEffect">
+                                  <p:stCondLst>
+                                    <p:cond delay="0"/>
+                                  </p:stCondLst>
+                                  <p:childTnLst>
+                                    <p:set>
+                                      <p:cBhvr>
+                                        <p:cTn id="30" dur="1" fill="hold">
+                                          <p:stCondLst>
+                                            <p:cond delay="0"/>
+                                          </p:stCondLst>
+                                        </p:cTn>
+                                        <p:tgtEl>
+                                          <p:spTgt spid="3">
+                                            <p:txEl>
+                                              <p:pRg st="8" end="8"/>
+                                            </p:txEl>
+                                          </p:spTgt>
+                                        </p:tgtEl>
+                                        <p:attrNameLst>
+                                          <p:attrName>style.visibility</p:attrName>
+                                        </p:attrNameLst>
+                                      </p:cBhvr>
+                                      <p:to>
+                                        <p:strVal val="visible"/>
+                                      </p:to>
+                                    </p:set>
+                                  </p:childTnLst>
+                                </p:cTn>
+                              </p:par>
                             </p:childTnLst>
                           </p:cTn>
                         </p:par>
@@ -8578,88 +6720,6 @@
 </p:sld>
 </file>
 
-<file path=ppt/slides/slide5.xml><?xml version="1.0" encoding="utf-8"?>
-<p:sld xmlns:a="http://schemas.openxmlformats.org/drawingml/2006/main" xmlns:r="http://schemas.openxmlformats.org/officeDocument/2006/relationships" xmlns:p="http://schemas.openxmlformats.org/presentationml/2006/main">
-  <p:cSld>
-    <p:spTree>
-      <p:nvGrpSpPr>
-        <p:cNvPr id="1" name=""/>
-        <p:cNvGrpSpPr/>
-        <p:nvPr/>
-      </p:nvGrpSpPr>
-      <p:grpSpPr>
-        <a:xfrm>
-          <a:off x="0" y="0"/>
-          <a:ext cx="0" cy="0"/>
-          <a:chOff x="0" y="0"/>
-          <a:chExt cx="0" cy="0"/>
-        </a:xfrm>
-      </p:grpSpPr>
-      <p:sp>
-        <p:nvSpPr>
-          <p:cNvPr id="2" name="Заголовок 1"/>
-          <p:cNvSpPr>
-            <a:spLocks noGrp="1"/>
-          </p:cNvSpPr>
-          <p:nvPr>
-            <p:ph type="title"/>
-          </p:nvPr>
-        </p:nvSpPr>
-        <p:spPr/>
-        <p:txBody>
-          <a:bodyPr/>
-          <a:lstStyle/>
-          <a:p>
-            <a:r>
-              <a:rPr lang="en-US" dirty="0" smtClean="0"/>
-              <a:t>TDD Demo</a:t>
-            </a:r>
-            <a:endParaRPr lang="ru-RU" dirty="0"/>
-          </a:p>
-        </p:txBody>
-      </p:sp>
-      <p:sp>
-        <p:nvSpPr>
-          <p:cNvPr id="3" name="Объект 2"/>
-          <p:cNvSpPr>
-            <a:spLocks noGrp="1"/>
-          </p:cNvSpPr>
-          <p:nvPr>
-            <p:ph idx="1"/>
-          </p:nvPr>
-        </p:nvSpPr>
-        <p:spPr/>
-        <p:txBody>
-          <a:bodyPr/>
-          <a:lstStyle/>
-          <a:p>
-            <a:pPr marL="0" indent="0">
-              <a:buNone/>
-            </a:pPr>
-            <a:endParaRPr lang="ru-RU" dirty="0"/>
-          </a:p>
-        </p:txBody>
-      </p:sp>
-    </p:spTree>
-    <p:extLst>
-      <p:ext uri="{BB962C8B-B14F-4D97-AF65-F5344CB8AC3E}">
-        <p14:creationId xmlns:p14="http://schemas.microsoft.com/office/powerpoint/2010/main" val="712305020"/>
-      </p:ext>
-    </p:extLst>
-  </p:cSld>
-  <p:clrMapOvr>
-    <a:masterClrMapping/>
-  </p:clrMapOvr>
-  <p:timing>
-    <p:tnLst>
-      <p:par>
-        <p:cTn id="1" dur="indefinite" restart="never" nodeType="tmRoot"/>
-      </p:par>
-    </p:tnLst>
-  </p:timing>
-</p:sld>
-</file>
-
 <file path=ppt/slides/slide6.xml><?xml version="1.0" encoding="utf-8"?>
 <p:sld xmlns:a="http://schemas.openxmlformats.org/drawingml/2006/main" xmlns:r="http://schemas.openxmlformats.org/officeDocument/2006/relationships" xmlns:p="http://schemas.openxmlformats.org/presentationml/2006/main">
   <p:cSld>
@@ -8693,12 +6753,8 @@
           <a:lstStyle/>
           <a:p>
             <a:r>
-              <a:rPr lang="en-US" dirty="0" smtClean="0"/>
-              <a:t>TDD</a:t>
-            </a:r>
-            <a:r>
-              <a:rPr lang="ru-RU" dirty="0" smtClean="0"/>
-              <a:t> ваши возражения?</a:t>
+              <a:rPr lang="en-US" dirty="0"/>
+              <a:t>TDD Demo</a:t>
             </a:r>
             <a:endParaRPr lang="ru-RU" dirty="0"/>
           </a:p>
@@ -8722,30 +6778,20 @@
             <a:pPr marL="0" indent="0">
               <a:buNone/>
             </a:pPr>
-            <a:r>
-              <a:rPr lang="ru-RU" dirty="0" smtClean="0"/>
-              <a:t>Слайд ответов на возражения</a:t>
-            </a:r>
+            <a:endParaRPr lang="ru-RU" dirty="0"/>
           </a:p>
         </p:txBody>
       </p:sp>
     </p:spTree>
     <p:extLst>
       <p:ext uri="{BB962C8B-B14F-4D97-AF65-F5344CB8AC3E}">
-        <p14:creationId xmlns:p14="http://schemas.microsoft.com/office/powerpoint/2010/main" val="438521335"/>
+        <p14:creationId xmlns:p14="http://schemas.microsoft.com/office/powerpoint/2010/main" val="712305020"/>
       </p:ext>
     </p:extLst>
   </p:cSld>
   <p:clrMapOvr>
     <a:masterClrMapping/>
   </p:clrMapOvr>
-  <p:timing>
-    <p:tnLst>
-      <p:par>
-        <p:cTn id="1" dur="indefinite" restart="never" nodeType="tmRoot"/>
-      </p:par>
-    </p:tnLst>
-  </p:timing>
 </p:sld>
 </file>
 
@@ -8782,10 +6828,13 @@
           <a:lstStyle/>
           <a:p>
             <a:r>
-              <a:rPr lang="en-US" dirty="0" smtClean="0"/>
+              <a:rPr lang="en-US" dirty="0"/>
               <a:t>TDD</a:t>
             </a:r>
-            <a:endParaRPr lang="ru-RU" dirty="0"/>
+            <a:r>
+              <a:rPr lang="ru-RU" dirty="0"/>
+              <a:t> ваши возражения?</a:t>
+            </a:r>
           </a:p>
         </p:txBody>
       </p:sp>
@@ -8808,126 +6857,22 @@
               <a:buNone/>
             </a:pPr>
             <a:r>
-              <a:rPr lang="ru-RU" dirty="0" smtClean="0"/>
-              <a:t>+30% время разработки</a:t>
-            </a:r>
-            <a:br>
-              <a:rPr lang="ru-RU" dirty="0" smtClean="0"/>
-            </a:br>
-            <a:r>
-              <a:rPr lang="ru-RU" dirty="0" smtClean="0"/>
-              <a:t>–70</a:t>
-            </a:r>
-            <a:r>
-              <a:rPr lang="en-US" dirty="0" smtClean="0"/>
-              <a:t>% </a:t>
-            </a:r>
-            <a:r>
-              <a:rPr lang="ru-RU" dirty="0" smtClean="0"/>
-              <a:t>багов</a:t>
-            </a:r>
-            <a:endParaRPr lang="ru-RU" dirty="0"/>
-          </a:p>
-          <a:p>
-            <a:pPr marL="0" indent="0">
-              <a:buNone/>
-            </a:pPr>
-            <a:r>
-              <a:rPr lang="ru-RU" dirty="0" smtClean="0"/>
-              <a:t>+ ощущение блага у девелоперов</a:t>
-            </a:r>
-          </a:p>
-          <a:p>
-            <a:pPr marL="0" indent="0">
-              <a:buNone/>
-            </a:pPr>
-            <a:endParaRPr lang="ru-RU" sz="1800" dirty="0" smtClean="0">
-              <a:hlinkClick r:id="rId2"/>
-            </a:endParaRPr>
-          </a:p>
-          <a:p>
-            <a:pPr marL="0" indent="0">
-              <a:buNone/>
-            </a:pPr>
-            <a:endParaRPr lang="ru-RU" sz="1800" dirty="0" smtClean="0">
-              <a:hlinkClick r:id="rId2"/>
-            </a:endParaRPr>
-          </a:p>
-          <a:p>
-            <a:pPr marL="0" indent="0">
-              <a:buNone/>
-            </a:pPr>
-            <a:endParaRPr lang="ru-RU" sz="1800" dirty="0" smtClean="0">
-              <a:hlinkClick r:id="rId2"/>
-            </a:endParaRPr>
-          </a:p>
-          <a:p>
-            <a:pPr marL="0" indent="0">
-              <a:buNone/>
-            </a:pPr>
-            <a:r>
-              <a:rPr lang="en-US" sz="1800" dirty="0" smtClean="0">
-                <a:hlinkClick r:id="rId2"/>
-              </a:rPr>
-              <a:t>http</a:t>
-            </a:r>
-            <a:r>
-              <a:rPr lang="en-US" sz="1800" dirty="0">
-                <a:hlinkClick r:id="rId2"/>
-              </a:rPr>
-              <a:t>://collaboration.csc.ncsu.edu/laurie/Papers/Unit_testing_cameraReady.pdf</a:t>
-            </a:r>
-            <a:endParaRPr lang="ru-RU" sz="1800" dirty="0"/>
-          </a:p>
-          <a:p>
-            <a:pPr marL="0" indent="0">
-              <a:buNone/>
-            </a:pPr>
-            <a:r>
-              <a:rPr lang="en-US" sz="1800" dirty="0" smtClean="0">
-                <a:hlinkClick r:id="rId3"/>
-              </a:rPr>
-              <a:t>http</a:t>
-            </a:r>
-            <a:r>
-              <a:rPr lang="en-US" sz="1800" dirty="0">
-                <a:hlinkClick r:id="rId3"/>
-              </a:rPr>
-              <a:t>://</a:t>
-            </a:r>
-            <a:r>
-              <a:rPr lang="en-US" sz="1800" dirty="0" smtClean="0">
-                <a:hlinkClick r:id="rId3"/>
-              </a:rPr>
-              <a:t>www.msr-waypoint.net/en-us/groups/ese/nagappan_tdd.pdf</a:t>
-            </a:r>
-            <a:endParaRPr lang="ru-RU" sz="1800" dirty="0" smtClean="0"/>
-          </a:p>
-          <a:p>
-            <a:pPr marL="0" indent="0">
-              <a:buNone/>
-            </a:pPr>
-            <a:endParaRPr lang="en-US" dirty="0" smtClean="0"/>
+              <a:rPr lang="ru-RU" dirty="0"/>
+              <a:t>Слайд ответов на возражения</a:t>
+            </a:r>
           </a:p>
         </p:txBody>
       </p:sp>
     </p:spTree>
     <p:extLst>
       <p:ext uri="{BB962C8B-B14F-4D97-AF65-F5344CB8AC3E}">
-        <p14:creationId xmlns:p14="http://schemas.microsoft.com/office/powerpoint/2010/main" val="1375130771"/>
+        <p14:creationId xmlns:p14="http://schemas.microsoft.com/office/powerpoint/2010/main" val="438521335"/>
       </p:ext>
     </p:extLst>
   </p:cSld>
   <p:clrMapOvr>
     <a:masterClrMapping/>
   </p:clrMapOvr>
-  <p:timing>
-    <p:tnLst>
-      <p:par>
-        <p:cTn id="1" dur="indefinite" restart="never" nodeType="tmRoot"/>
-      </p:par>
-    </p:tnLst>
-  </p:timing>
 </p:sld>
 </file>
 
@@ -8960,14 +6905,174 @@
         </p:nvSpPr>
         <p:spPr/>
         <p:txBody>
+          <a:bodyPr/>
+          <a:lstStyle/>
+          <a:p>
+            <a:r>
+              <a:rPr lang="en-US" dirty="0"/>
+              <a:t>TDD</a:t>
+            </a:r>
+            <a:endParaRPr lang="ru-RU" dirty="0"/>
+          </a:p>
+        </p:txBody>
+      </p:sp>
+      <p:sp>
+        <p:nvSpPr>
+          <p:cNvPr id="3" name="Объект 2"/>
+          <p:cNvSpPr>
+            <a:spLocks noGrp="1"/>
+          </p:cNvSpPr>
+          <p:nvPr>
+            <p:ph idx="1"/>
+          </p:nvPr>
+        </p:nvSpPr>
+        <p:spPr/>
+        <p:txBody>
+          <a:bodyPr/>
+          <a:lstStyle/>
+          <a:p>
+            <a:pPr marL="0" indent="0">
+              <a:buNone/>
+            </a:pPr>
+            <a:r>
+              <a:rPr lang="ru-RU" dirty="0"/>
+              <a:t>+30% время разработки</a:t>
+            </a:r>
+            <a:br>
+              <a:rPr lang="ru-RU" dirty="0"/>
+            </a:br>
+            <a:r>
+              <a:rPr lang="ru-RU" dirty="0"/>
+              <a:t>–70</a:t>
+            </a:r>
+            <a:r>
+              <a:rPr lang="en-US" dirty="0"/>
+              <a:t>% </a:t>
+            </a:r>
+            <a:r>
+              <a:rPr lang="ru-RU" dirty="0"/>
+              <a:t>багов</a:t>
+            </a:r>
+          </a:p>
+          <a:p>
+            <a:pPr marL="0" indent="0">
+              <a:buNone/>
+            </a:pPr>
+            <a:r>
+              <a:rPr lang="ru-RU" dirty="0"/>
+              <a:t>+ ощущение блага у девелоперов</a:t>
+            </a:r>
+          </a:p>
+          <a:p>
+            <a:pPr marL="0" indent="0">
+              <a:buNone/>
+            </a:pPr>
+            <a:endParaRPr lang="ru-RU" sz="1800" dirty="0">
+              <a:hlinkClick r:id="rId2"/>
+            </a:endParaRPr>
+          </a:p>
+          <a:p>
+            <a:pPr marL="0" indent="0">
+              <a:buNone/>
+            </a:pPr>
+            <a:endParaRPr lang="ru-RU" sz="1800" dirty="0">
+              <a:hlinkClick r:id="rId2"/>
+            </a:endParaRPr>
+          </a:p>
+          <a:p>
+            <a:pPr marL="0" indent="0">
+              <a:buNone/>
+            </a:pPr>
+            <a:endParaRPr lang="ru-RU" sz="1800" dirty="0">
+              <a:hlinkClick r:id="rId2"/>
+            </a:endParaRPr>
+          </a:p>
+          <a:p>
+            <a:pPr marL="0" indent="0">
+              <a:buNone/>
+            </a:pPr>
+            <a:r>
+              <a:rPr lang="en-US" sz="1800" dirty="0">
+                <a:hlinkClick r:id="rId2"/>
+              </a:rPr>
+              <a:t>http://collaboration.csc.ncsu.edu/laurie/Papers/Unit_testing_cameraReady.pdf</a:t>
+            </a:r>
+            <a:endParaRPr lang="ru-RU" sz="1800" dirty="0"/>
+          </a:p>
+          <a:p>
+            <a:pPr marL="0" indent="0">
+              <a:buNone/>
+            </a:pPr>
+            <a:r>
+              <a:rPr lang="en-US" sz="1800" dirty="0">
+                <a:hlinkClick r:id="rId3"/>
+              </a:rPr>
+              <a:t>http://www.msr-waypoint.net/en-us/groups/ese/nagappan_tdd.pdf</a:t>
+            </a:r>
+            <a:endParaRPr lang="ru-RU" sz="1800" dirty="0"/>
+          </a:p>
+          <a:p>
+            <a:pPr marL="0" indent="0">
+              <a:buNone/>
+            </a:pPr>
+            <a:endParaRPr lang="en-US" dirty="0"/>
+          </a:p>
+        </p:txBody>
+      </p:sp>
+    </p:spTree>
+    <p:extLst>
+      <p:ext uri="{BB962C8B-B14F-4D97-AF65-F5344CB8AC3E}">
+        <p14:creationId xmlns:p14="http://schemas.microsoft.com/office/powerpoint/2010/main" val="1375130771"/>
+      </p:ext>
+    </p:extLst>
+  </p:cSld>
+  <p:clrMapOvr>
+    <a:masterClrMapping/>
+  </p:clrMapOvr>
+</p:sld>
+</file>
+
+<file path=ppt/slides/slide9.xml><?xml version="1.0" encoding="utf-8"?>
+<p:sld xmlns:a="http://schemas.openxmlformats.org/drawingml/2006/main" xmlns:r="http://schemas.openxmlformats.org/officeDocument/2006/relationships" xmlns:p="http://schemas.openxmlformats.org/presentationml/2006/main">
+  <p:cSld>
+    <p:spTree>
+      <p:nvGrpSpPr>
+        <p:cNvPr id="1" name=""/>
+        <p:cNvGrpSpPr/>
+        <p:nvPr/>
+      </p:nvGrpSpPr>
+      <p:grpSpPr>
+        <a:xfrm>
+          <a:off x="0" y="0"/>
+          <a:ext cx="0" cy="0"/>
+          <a:chOff x="0" y="0"/>
+          <a:chExt cx="0" cy="0"/>
+        </a:xfrm>
+      </p:grpSpPr>
+      <p:sp>
+        <p:nvSpPr>
+          <p:cNvPr id="2" name="Заголовок 1"/>
+          <p:cNvSpPr>
+            <a:spLocks noGrp="1"/>
+          </p:cNvSpPr>
+          <p:nvPr>
+            <p:ph type="title"/>
+          </p:nvPr>
+        </p:nvSpPr>
+        <p:spPr/>
+        <p:txBody>
           <a:bodyPr>
             <a:normAutofit/>
           </a:bodyPr>
           <a:lstStyle/>
           <a:p>
             <a:r>
-              <a:rPr lang="ru-RU" dirty="0" smtClean="0"/>
-              <a:t>Некогда писать тесты</a:t>
+              <a:rPr lang="ru-RU" dirty="0"/>
+              <a:t>Менеджер не разрешит!</a:t>
+            </a:r>
+            <a:r>
+              <a:rPr lang="en-US" dirty="0"/>
+              <a:t>?</a:t>
             </a:r>
             <a:endParaRPr lang="ru-RU" dirty="0"/>
           </a:p>
@@ -8992,7 +7097,7 @@
               <a:buNone/>
             </a:pPr>
             <a:r>
-              <a:rPr lang="ru-RU" dirty="0" smtClean="0"/>
+              <a:rPr lang="ru-RU" dirty="0"/>
               <a:t>Что нужно менеджменту?</a:t>
             </a:r>
           </a:p>
@@ -9001,7 +7106,7 @@
               <a:buAutoNum type="arabicPeriod"/>
             </a:pPr>
             <a:r>
-              <a:rPr lang="ru-RU" dirty="0" smtClean="0"/>
+              <a:rPr lang="ru-RU" dirty="0"/>
               <a:t>Предсказуемость по времени</a:t>
             </a:r>
           </a:p>
@@ -9010,7 +7115,7 @@
               <a:buAutoNum type="arabicPeriod"/>
             </a:pPr>
             <a:r>
-              <a:rPr lang="ru-RU" dirty="0" smtClean="0"/>
+              <a:rPr lang="ru-RU" dirty="0"/>
               <a:t>Качество</a:t>
             </a:r>
           </a:p>
@@ -9019,7 +7124,7 @@
               <a:buAutoNum type="arabicPeriod"/>
             </a:pPr>
             <a:r>
-              <a:rPr lang="ru-RU" dirty="0" smtClean="0"/>
+              <a:rPr lang="ru-RU" dirty="0"/>
               <a:t>Скорость разработки менее важна</a:t>
             </a:r>
           </a:p>
@@ -9034,10 +7139,9 @@
               <a:buNone/>
             </a:pPr>
             <a:r>
-              <a:rPr lang="ru-RU" dirty="0" smtClean="0"/>
+              <a:rPr lang="ru-RU" dirty="0"/>
               <a:t>Тесты дают качество и более предсказуемую фазу тестирования и стабилизации.</a:t>
             </a:r>
-            <a:endParaRPr lang="ru-RU" dirty="0"/>
           </a:p>
         </p:txBody>
       </p:sp>
@@ -9284,385 +7388,6 @@
                                           <p:spTgt spid="3">
                                             <p:txEl>
                                               <p:pRg st="5" end="5"/>
-                                            </p:txEl>
-                                          </p:spTgt>
-                                        </p:tgtEl>
-                                        <p:attrNameLst>
-                                          <p:attrName>style.visibility</p:attrName>
-                                        </p:attrNameLst>
-                                      </p:cBhvr>
-                                      <p:to>
-                                        <p:strVal val="visible"/>
-                                      </p:to>
-                                    </p:set>
-                                  </p:childTnLst>
-                                </p:cTn>
-                              </p:par>
-                            </p:childTnLst>
-                          </p:cTn>
-                        </p:par>
-                      </p:childTnLst>
-                    </p:cTn>
-                  </p:par>
-                </p:childTnLst>
-              </p:cTn>
-              <p:prevCondLst>
-                <p:cond evt="onPrev" delay="0">
-                  <p:tgtEl>
-                    <p:sldTgt/>
-                  </p:tgtEl>
-                </p:cond>
-              </p:prevCondLst>
-              <p:nextCondLst>
-                <p:cond evt="onNext" delay="0">
-                  <p:tgtEl>
-                    <p:sldTgt/>
-                  </p:tgtEl>
-                </p:cond>
-              </p:nextCondLst>
-            </p:seq>
-          </p:childTnLst>
-        </p:cTn>
-      </p:par>
-    </p:tnLst>
-    <p:bldLst>
-      <p:bldP spid="3" grpId="0" build="p"/>
-    </p:bldLst>
-  </p:timing>
-</p:sld>
-</file>
-
-<file path=ppt/slides/slide9.xml><?xml version="1.0" encoding="utf-8"?>
-<p:sld xmlns:a="http://schemas.openxmlformats.org/drawingml/2006/main" xmlns:r="http://schemas.openxmlformats.org/officeDocument/2006/relationships" xmlns:p="http://schemas.openxmlformats.org/presentationml/2006/main">
-  <p:cSld>
-    <p:spTree>
-      <p:nvGrpSpPr>
-        <p:cNvPr id="1" name=""/>
-        <p:cNvGrpSpPr/>
-        <p:nvPr/>
-      </p:nvGrpSpPr>
-      <p:grpSpPr>
-        <a:xfrm>
-          <a:off x="0" y="0"/>
-          <a:ext cx="0" cy="0"/>
-          <a:chOff x="0" y="0"/>
-          <a:chExt cx="0" cy="0"/>
-        </a:xfrm>
-      </p:grpSpPr>
-      <p:sp>
-        <p:nvSpPr>
-          <p:cNvPr id="2" name="Заголовок 1"/>
-          <p:cNvSpPr>
-            <a:spLocks noGrp="1"/>
-          </p:cNvSpPr>
-          <p:nvPr>
-            <p:ph type="title"/>
-          </p:nvPr>
-        </p:nvSpPr>
-        <p:spPr/>
-        <p:txBody>
-          <a:bodyPr>
-            <a:normAutofit fontScale="90000"/>
-          </a:bodyPr>
-          <a:lstStyle/>
-          <a:p>
-            <a:r>
-              <a:rPr lang="ru-RU" sz="4800" dirty="0" smtClean="0"/>
-              <a:t>Как сделать так, </a:t>
-            </a:r>
-            <a:br>
-              <a:rPr lang="ru-RU" sz="4800" dirty="0" smtClean="0"/>
-            </a:br>
-            <a:r>
-              <a:rPr lang="ru-RU" sz="4800" dirty="0" smtClean="0"/>
-              <a:t>чтобы все писали тесты?</a:t>
-            </a:r>
-            <a:endParaRPr lang="ru-RU" sz="4800" dirty="0"/>
-          </a:p>
-        </p:txBody>
-      </p:sp>
-      <p:sp>
-        <p:nvSpPr>
-          <p:cNvPr id="3" name="Объект 2"/>
-          <p:cNvSpPr>
-            <a:spLocks noGrp="1"/>
-          </p:cNvSpPr>
-          <p:nvPr>
-            <p:ph idx="1"/>
-          </p:nvPr>
-        </p:nvSpPr>
-        <p:spPr/>
-        <p:txBody>
-          <a:bodyPr/>
-          <a:lstStyle/>
-          <a:p>
-            <a:pPr marL="0" indent="0">
-              <a:buNone/>
-            </a:pPr>
-            <a:r>
-              <a:rPr lang="ru-RU" dirty="0" smtClean="0"/>
-              <a:t>Никакой магии!</a:t>
-            </a:r>
-          </a:p>
-          <a:p>
-            <a:pPr marL="514350" indent="-514350">
-              <a:buFont typeface="Arial" pitchFamily="34" charset="0"/>
-              <a:buAutoNum type="arabicPeriod"/>
-            </a:pPr>
-            <a:r>
-              <a:rPr lang="ru-RU" dirty="0"/>
-              <a:t>Понимание полезности</a:t>
-            </a:r>
-          </a:p>
-          <a:p>
-            <a:pPr marL="514350" indent="-514350">
-              <a:buAutoNum type="arabicPeriod"/>
-            </a:pPr>
-            <a:r>
-              <a:rPr lang="ru-RU" dirty="0" smtClean="0"/>
-              <a:t>Требование менеджмента</a:t>
-            </a:r>
-            <a:r>
-              <a:rPr lang="en-US" dirty="0" smtClean="0"/>
-              <a:t> = </a:t>
-            </a:r>
-            <a:r>
-              <a:rPr lang="ru-RU" dirty="0" smtClean="0"/>
-              <a:t>договоренность в команде. </a:t>
-            </a:r>
-            <a:br>
-              <a:rPr lang="ru-RU" dirty="0" smtClean="0"/>
-            </a:br>
-            <a:r>
-              <a:rPr lang="ru-RU" dirty="0" smtClean="0"/>
-              <a:t>Без тестов </a:t>
-            </a:r>
-            <a:r>
-              <a:rPr lang="en-US" dirty="0" smtClean="0"/>
-              <a:t>code-review</a:t>
-            </a:r>
-            <a:r>
-              <a:rPr lang="ru-RU" dirty="0" smtClean="0"/>
-              <a:t> не пройден.</a:t>
-            </a:r>
-          </a:p>
-          <a:p>
-            <a:pPr marL="514350" indent="-514350">
-              <a:buAutoNum type="arabicPeriod"/>
-            </a:pPr>
-            <a:r>
-              <a:rPr lang="ru-RU" dirty="0" smtClean="0"/>
-              <a:t>Образовательно-игровые формы </a:t>
-            </a:r>
-            <a:r>
-              <a:rPr lang="en-US" dirty="0" smtClean="0"/>
-              <a:t>TDD</a:t>
-            </a:r>
-            <a:r>
-              <a:rPr lang="ru-RU" dirty="0" smtClean="0"/>
-              <a:t> </a:t>
-            </a:r>
-            <a:br>
-              <a:rPr lang="ru-RU" dirty="0" smtClean="0"/>
-            </a:br>
-            <a:endParaRPr lang="ru-RU" dirty="0"/>
-          </a:p>
-        </p:txBody>
-      </p:sp>
-    </p:spTree>
-    <p:extLst>
-      <p:ext uri="{BB962C8B-B14F-4D97-AF65-F5344CB8AC3E}">
-        <p14:creationId xmlns:p14="http://schemas.microsoft.com/office/powerpoint/2010/main" val="3214365600"/>
-      </p:ext>
-    </p:extLst>
-  </p:cSld>
-  <p:clrMapOvr>
-    <a:masterClrMapping/>
-  </p:clrMapOvr>
-  <p:timing>
-    <p:tnLst>
-      <p:par>
-        <p:cTn id="1" dur="indefinite" restart="never" nodeType="tmRoot">
-          <p:childTnLst>
-            <p:seq concurrent="1" nextAc="seek">
-              <p:cTn id="2" dur="indefinite" nodeType="mainSeq">
-                <p:childTnLst>
-                  <p:par>
-                    <p:cTn id="3" fill="hold">
-                      <p:stCondLst>
-                        <p:cond delay="indefinite"/>
-                      </p:stCondLst>
-                      <p:childTnLst>
-                        <p:par>
-                          <p:cTn id="4" fill="hold">
-                            <p:stCondLst>
-                              <p:cond delay="0"/>
-                            </p:stCondLst>
-                            <p:childTnLst>
-                              <p:par>
-                                <p:cTn id="5" presetID="1" presetClass="entr" presetSubtype="0" fill="hold" grpId="0" nodeType="clickEffect">
-                                  <p:stCondLst>
-                                    <p:cond delay="0"/>
-                                  </p:stCondLst>
-                                  <p:childTnLst>
-                                    <p:set>
-                                      <p:cBhvr>
-                                        <p:cTn id="6" dur="1" fill="hold">
-                                          <p:stCondLst>
-                                            <p:cond delay="0"/>
-                                          </p:stCondLst>
-                                        </p:cTn>
-                                        <p:tgtEl>
-                                          <p:spTgt spid="3">
-                                            <p:txEl>
-                                              <p:pRg st="0" end="0"/>
-                                            </p:txEl>
-                                          </p:spTgt>
-                                        </p:tgtEl>
-                                        <p:attrNameLst>
-                                          <p:attrName>style.visibility</p:attrName>
-                                        </p:attrNameLst>
-                                      </p:cBhvr>
-                                      <p:to>
-                                        <p:strVal val="visible"/>
-                                      </p:to>
-                                    </p:set>
-                                  </p:childTnLst>
-                                </p:cTn>
-                              </p:par>
-                            </p:childTnLst>
-                          </p:cTn>
-                        </p:par>
-                      </p:childTnLst>
-                    </p:cTn>
-                  </p:par>
-                  <p:par>
-                    <p:cTn id="7" fill="hold">
-                      <p:stCondLst>
-                        <p:cond delay="indefinite"/>
-                      </p:stCondLst>
-                      <p:childTnLst>
-                        <p:par>
-                          <p:cTn id="8" fill="hold">
-                            <p:stCondLst>
-                              <p:cond delay="0"/>
-                            </p:stCondLst>
-                            <p:childTnLst>
-                              <p:par>
-                                <p:cTn id="9" presetID="1" presetClass="entr" presetSubtype="0" fill="hold" grpId="0" nodeType="clickEffect">
-                                  <p:stCondLst>
-                                    <p:cond delay="0"/>
-                                  </p:stCondLst>
-                                  <p:childTnLst>
-                                    <p:set>
-                                      <p:cBhvr>
-                                        <p:cTn id="10" dur="1" fill="hold">
-                                          <p:stCondLst>
-                                            <p:cond delay="0"/>
-                                          </p:stCondLst>
-                                        </p:cTn>
-                                        <p:tgtEl>
-                                          <p:spTgt spid="3">
-                                            <p:txEl>
-                                              <p:pRg st="1" end="1"/>
-                                            </p:txEl>
-                                          </p:spTgt>
-                                        </p:tgtEl>
-                                        <p:attrNameLst>
-                                          <p:attrName>style.visibility</p:attrName>
-                                        </p:attrNameLst>
-                                      </p:cBhvr>
-                                      <p:to>
-                                        <p:strVal val="visible"/>
-                                      </p:to>
-                                    </p:set>
-                                  </p:childTnLst>
-                                </p:cTn>
-                              </p:par>
-                            </p:childTnLst>
-                          </p:cTn>
-                        </p:par>
-                      </p:childTnLst>
-                    </p:cTn>
-                  </p:par>
-                  <p:par>
-                    <p:cTn id="11" fill="hold">
-                      <p:stCondLst>
-                        <p:cond delay="indefinite"/>
-                      </p:stCondLst>
-                      <p:childTnLst>
-                        <p:par>
-                          <p:cTn id="12" fill="hold">
-                            <p:stCondLst>
-                              <p:cond delay="0"/>
-                            </p:stCondLst>
-                            <p:childTnLst>
-                              <p:par>
-                                <p:cTn id="13" presetID="1" presetClass="entr" presetSubtype="0" fill="hold" grpId="0" nodeType="clickEffect">
-                                  <p:stCondLst>
-                                    <p:cond delay="0"/>
-                                  </p:stCondLst>
-                                  <p:childTnLst>
-                                    <p:set>
-                                      <p:cBhvr>
-                                        <p:cTn id="14" dur="1" fill="hold">
-                                          <p:stCondLst>
-                                            <p:cond delay="0"/>
-                                          </p:stCondLst>
-                                        </p:cTn>
-                                        <p:tgtEl>
-                                          <p:spTgt spid="3">
-                                            <p:txEl>
-                                              <p:pRg st="2" end="2"/>
-                                            </p:txEl>
-                                          </p:spTgt>
-                                        </p:tgtEl>
-                                        <p:attrNameLst>
-                                          <p:attrName>style.visibility</p:attrName>
-                                        </p:attrNameLst>
-                                      </p:cBhvr>
-                                      <p:to>
-                                        <p:strVal val="visible"/>
-                                      </p:to>
-                                    </p:set>
-                                  </p:childTnLst>
-                                </p:cTn>
-                              </p:par>
-                            </p:childTnLst>
-                          </p:cTn>
-                        </p:par>
-                      </p:childTnLst>
-                    </p:cTn>
-                  </p:par>
-                  <p:par>
-                    <p:cTn id="15" fill="hold">
-                      <p:stCondLst>
-                        <p:cond delay="indefinite"/>
-                      </p:stCondLst>
-                      <p:childTnLst>
-                        <p:par>
-                          <p:cTn id="16" fill="hold">
-                            <p:stCondLst>
-                              <p:cond delay="0"/>
-                            </p:stCondLst>
-                            <p:childTnLst>
-                              <p:par>
-                                <p:cTn id="17" presetID="1" presetClass="entr" presetSubtype="0" fill="hold" grpId="0" nodeType="clickEffect">
-                                  <p:stCondLst>
-                                    <p:cond delay="0"/>
-                                  </p:stCondLst>
-                                  <p:childTnLst>
-                                    <p:set>
-                                      <p:cBhvr>
-                                        <p:cTn id="18" dur="1" fill="hold">
-                                          <p:stCondLst>
-                                            <p:cond delay="0"/>
-                                          </p:stCondLst>
-                                        </p:cTn>
-                                        <p:tgtEl>
-                                          <p:spTgt spid="3">
-                                            <p:txEl>
-                                              <p:pRg st="3" end="3"/>
                                             </p:txEl>
                                           </p:spTgt>
                                         </p:tgtEl>

--- a/tdd.pptx
+++ b/tdd.pptx
@@ -7147,7 +7147,7 @@
           <a:p>
             <a:fld id="{16E5F246-0B7D-44DF-8C1B-EDFCA5DA626A}" type="datetimeFigureOut">
               <a:rPr lang="ru-RU" smtClean="0"/>
-              <a:t>10.10.2016</a:t>
+              <a:t>16.10.2016</a:t>
             </a:fld>
             <a:endParaRPr lang="ru-RU"/>
           </a:p>
@@ -13072,7 +13072,7 @@
           <a:graphicData uri="http://schemas.openxmlformats.org/presentationml/2006/ole">
             <mc:AlternateContent xmlns:mc="http://schemas.openxmlformats.org/markup-compatibility/2006">
               <mc:Choice xmlns:v="urn:schemas-microsoft-com:vml" Requires="v">
-                <p:oleObj spid="_x0000_s1087" name="VISIO" r:id="rId4" imgW="2544803" imgH="251238" progId="Visio.Drawing.5">
+                <p:oleObj spid="_x0000_s1088" name="VISIO" r:id="rId4" imgW="2544803" imgH="251238" progId="Visio.Drawing.5">
                   <p:embed/>
                 </p:oleObj>
               </mc:Choice>
@@ -13603,7 +13603,7 @@
 </file>
 
 <file path=ppt/slides/slide16.xml><?xml version="1.0" encoding="utf-8"?>
-<p:sld xmlns:a="http://schemas.openxmlformats.org/drawingml/2006/main" xmlns:r="http://schemas.openxmlformats.org/officeDocument/2006/relationships" xmlns:p="http://schemas.openxmlformats.org/presentationml/2006/main">
+<p:sld xmlns:a="http://schemas.openxmlformats.org/drawingml/2006/main" xmlns:r="http://schemas.openxmlformats.org/officeDocument/2006/relationships" xmlns:p="http://schemas.openxmlformats.org/presentationml/2006/main" show="0">
   <p:cSld>
     <p:spTree>
       <p:nvGrpSpPr>
@@ -13664,7 +13664,7 @@
           <a:lstStyle/>
           <a:p>
             <a:r>
-              <a:rPr lang="ru-RU" sz="4000" dirty="0">
+              <a:rPr lang="ru-RU" dirty="0">
                 <a:solidFill>
                   <a:schemeClr val="tx1"/>
                 </a:solidFill>
@@ -13672,14 +13672,14 @@
               <a:t>Спецзадание</a:t>
             </a:r>
             <a:r>
-              <a:rPr lang="ru-RU" sz="4000" dirty="0"/>
+              <a:rPr lang="ru-RU" dirty="0"/>
               <a:t> </a:t>
             </a:r>
             <a:r>
-              <a:rPr lang="en-US" sz="4000" dirty="0"/>
+              <a:rPr lang="en-US" dirty="0"/>
               <a:t>TDD</a:t>
             </a:r>
-            <a:endParaRPr lang="ru-RU" sz="4000" dirty="0"/>
+            <a:endParaRPr lang="ru-RU" dirty="0"/>
           </a:p>
         </p:txBody>
       </p:sp>

--- a/tdd.pptx
+++ b/tdd.pptx
@@ -6,7 +6,7 @@
     <p:sldMasterId id="2147483812" r:id="rId2"/>
   </p:sldMasterIdLst>
   <p:notesMasterIdLst>
-    <p:notesMasterId r:id="rId19"/>
+    <p:notesMasterId r:id="rId20"/>
   </p:notesMasterIdLst>
   <p:sldIdLst>
     <p:sldId id="362" r:id="rId3"/>
@@ -24,7 +24,8 @@
     <p:sldId id="317" r:id="rId15"/>
     <p:sldId id="321" r:id="rId16"/>
     <p:sldId id="322" r:id="rId17"/>
-    <p:sldId id="365" r:id="rId18"/>
+    <p:sldId id="366" r:id="rId18"/>
+    <p:sldId id="365" r:id="rId19"/>
   </p:sldIdLst>
   <p:sldSz cx="12192000" cy="6858000"/>
   <p:notesSz cx="6858000" cy="9144000"/>
@@ -159,6 +160,7 @@
           <p14:sldIdLst>
             <p14:sldId id="321"/>
             <p14:sldId id="322"/>
+            <p14:sldId id="366"/>
           </p14:sldIdLst>
         </p14:section>
         <p14:section name="Заключение" id="{AA203E91-F98F-41A1-8F75-19A6FD21C125}">
@@ -198,6 +200,10 @@
     </p:ext>
   </p:extLst>
 </p:presentation>
+</file>
+
+<file path=ppt/revisionInfo.xml><?xml version="1.0" encoding="utf-8"?>
+<p1510:revInfo xmlns:a="http://schemas.openxmlformats.org/drawingml/2006/main" xmlns:r="http://schemas.openxmlformats.org/officeDocument/2006/relationships" xmlns:p1510="http://schemas.microsoft.com/office/powerpoint/2015/10/main"/>
 </file>
 
 <file path=ppt/diagrams/colors1.xml><?xml version="1.0" encoding="utf-8"?>
@@ -2531,9 +2537,9 @@
     </dgm:pt>
   </dgm:ptLst>
   <dgm:cxnLst>
-    <dgm:cxn modelId="{017518C9-1619-4B19-AA03-86BA999BA287}" srcId="{EAB81984-5B84-4970-8447-2B456B8C58DF}" destId="{B75F6A3A-9A51-4DF3-8A57-9AEB0739425C}" srcOrd="0" destOrd="0" parTransId="{203596AF-4F49-40BA-B1E1-11BDD34B512E}" sibTransId="{A056157B-3867-49A4-9195-F3A4F3FBBA8E}"/>
     <dgm:cxn modelId="{1CEAA455-5BF4-4666-95B8-390900AB8124}" type="presOf" srcId="{EAB81984-5B84-4970-8447-2B456B8C58DF}" destId="{3A252E36-3D7E-49E5-B812-EE4CACF0D5CF}" srcOrd="0" destOrd="0" presId="urn:microsoft.com/office/officeart/2008/layout/PictureGrid"/>
     <dgm:cxn modelId="{147A14B3-96E8-4139-969B-9DB1BCB4D95E}" type="presOf" srcId="{B75F6A3A-9A51-4DF3-8A57-9AEB0739425C}" destId="{B29ABF60-EC0F-45AD-A90E-9C76D15C2F14}" srcOrd="0" destOrd="0" presId="urn:microsoft.com/office/officeart/2008/layout/PictureGrid"/>
+    <dgm:cxn modelId="{017518C9-1619-4B19-AA03-86BA999BA287}" srcId="{EAB81984-5B84-4970-8447-2B456B8C58DF}" destId="{B75F6A3A-9A51-4DF3-8A57-9AEB0739425C}" srcOrd="0" destOrd="0" parTransId="{203596AF-4F49-40BA-B1E1-11BDD34B512E}" sibTransId="{A056157B-3867-49A4-9195-F3A4F3FBBA8E}"/>
     <dgm:cxn modelId="{D3458AFA-605E-43EE-8C8A-0E0C1E3CD931}" type="presParOf" srcId="{3A252E36-3D7E-49E5-B812-EE4CACF0D5CF}" destId="{CF6D50B3-578A-4EA0-A5A0-492FA729F6ED}" srcOrd="0" destOrd="0" presId="urn:microsoft.com/office/officeart/2008/layout/PictureGrid"/>
     <dgm:cxn modelId="{9835F3F3-3E30-4AC4-AD89-BC095FA9A878}" type="presParOf" srcId="{CF6D50B3-578A-4EA0-A5A0-492FA729F6ED}" destId="{B29ABF60-EC0F-45AD-A90E-9C76D15C2F14}" srcOrd="0" destOrd="0" presId="urn:microsoft.com/office/officeart/2008/layout/PictureGrid"/>
     <dgm:cxn modelId="{70FA379F-7827-49B9-806E-1FD72CAE8F89}" type="presParOf" srcId="{CF6D50B3-578A-4EA0-A5A0-492FA729F6ED}" destId="{61EB78D8-69FF-471D-8FEB-71388C442F55}" srcOrd="1" destOrd="0" presId="urn:microsoft.com/office/officeart/2008/layout/PictureGrid"/>
@@ -2638,9 +2644,9 @@
     </dgm:pt>
   </dgm:ptLst>
   <dgm:cxnLst>
-    <dgm:cxn modelId="{017518C9-1619-4B19-AA03-86BA999BA287}" srcId="{EAB81984-5B84-4970-8447-2B456B8C58DF}" destId="{B75F6A3A-9A51-4DF3-8A57-9AEB0739425C}" srcOrd="0" destOrd="0" parTransId="{203596AF-4F49-40BA-B1E1-11BDD34B512E}" sibTransId="{A056157B-3867-49A4-9195-F3A4F3FBBA8E}"/>
     <dgm:cxn modelId="{1CEAA455-5BF4-4666-95B8-390900AB8124}" type="presOf" srcId="{EAB81984-5B84-4970-8447-2B456B8C58DF}" destId="{3A252E36-3D7E-49E5-B812-EE4CACF0D5CF}" srcOrd="0" destOrd="0" presId="urn:microsoft.com/office/officeart/2008/layout/PictureGrid"/>
     <dgm:cxn modelId="{147A14B3-96E8-4139-969B-9DB1BCB4D95E}" type="presOf" srcId="{B75F6A3A-9A51-4DF3-8A57-9AEB0739425C}" destId="{B29ABF60-EC0F-45AD-A90E-9C76D15C2F14}" srcOrd="0" destOrd="0" presId="urn:microsoft.com/office/officeart/2008/layout/PictureGrid"/>
+    <dgm:cxn modelId="{017518C9-1619-4B19-AA03-86BA999BA287}" srcId="{EAB81984-5B84-4970-8447-2B456B8C58DF}" destId="{B75F6A3A-9A51-4DF3-8A57-9AEB0739425C}" srcOrd="0" destOrd="0" parTransId="{203596AF-4F49-40BA-B1E1-11BDD34B512E}" sibTransId="{A056157B-3867-49A4-9195-F3A4F3FBBA8E}"/>
     <dgm:cxn modelId="{D3458AFA-605E-43EE-8C8A-0E0C1E3CD931}" type="presParOf" srcId="{3A252E36-3D7E-49E5-B812-EE4CACF0D5CF}" destId="{CF6D50B3-578A-4EA0-A5A0-492FA729F6ED}" srcOrd="0" destOrd="0" presId="urn:microsoft.com/office/officeart/2008/layout/PictureGrid"/>
     <dgm:cxn modelId="{9835F3F3-3E30-4AC4-AD89-BC095FA9A878}" type="presParOf" srcId="{CF6D50B3-578A-4EA0-A5A0-492FA729F6ED}" destId="{B29ABF60-EC0F-45AD-A90E-9C76D15C2F14}" srcOrd="0" destOrd="0" presId="urn:microsoft.com/office/officeart/2008/layout/PictureGrid"/>
     <dgm:cxn modelId="{70FA379F-7827-49B9-806E-1FD72CAE8F89}" type="presParOf" srcId="{CF6D50B3-578A-4EA0-A5A0-492FA729F6ED}" destId="{61EB78D8-69FF-471D-8FEB-71388C442F55}" srcOrd="1" destOrd="0" presId="urn:microsoft.com/office/officeart/2008/layout/PictureGrid"/>
@@ -2766,8 +2772,8 @@
     </dgm:pt>
   </dgm:ptLst>
   <dgm:cxnLst>
+    <dgm:cxn modelId="{A9E27516-E8E4-42A7-A155-024D48E79559}" type="presOf" srcId="{8F66C165-B39F-46D3-B19F-623799541DD3}" destId="{B6F028CB-F170-4FEF-BC3A-25F0E90D434A}" srcOrd="0" destOrd="0" presId="urn:microsoft.com/office/officeart/2008/layout/PictureGrid"/>
     <dgm:cxn modelId="{A177C822-7566-4410-A889-706A6CE15148}" srcId="{8F66C165-B39F-46D3-B19F-623799541DD3}" destId="{9C9C0585-42CE-4F34-A2BB-F1377DA03788}" srcOrd="0" destOrd="0" parTransId="{4E5DCF2B-AAE7-41E2-837F-518128C03597}" sibTransId="{56F70C7F-1925-4DBA-9BD6-AF5E91799A59}"/>
-    <dgm:cxn modelId="{A9E27516-E8E4-42A7-A155-024D48E79559}" type="presOf" srcId="{8F66C165-B39F-46D3-B19F-623799541DD3}" destId="{B6F028CB-F170-4FEF-BC3A-25F0E90D434A}" srcOrd="0" destOrd="0" presId="urn:microsoft.com/office/officeart/2008/layout/PictureGrid"/>
     <dgm:cxn modelId="{ACD53F50-5BA1-48C9-B5DF-09BF6DA4DE65}" type="presOf" srcId="{9C9C0585-42CE-4F34-A2BB-F1377DA03788}" destId="{A30F2283-C0A4-4A69-BCBE-833D967155A2}" srcOrd="0" destOrd="0" presId="urn:microsoft.com/office/officeart/2008/layout/PictureGrid"/>
     <dgm:cxn modelId="{CC189C1C-06A1-4F03-B886-67BF46A53703}" type="presParOf" srcId="{B6F028CB-F170-4FEF-BC3A-25F0E90D434A}" destId="{65D73C51-61AB-436D-8191-975603FC9C68}" srcOrd="0" destOrd="0" presId="urn:microsoft.com/office/officeart/2008/layout/PictureGrid"/>
     <dgm:cxn modelId="{CD7DB92E-B84F-43A0-AC2D-FBBFB40722EE}" type="presParOf" srcId="{65D73C51-61AB-436D-8191-975603FC9C68}" destId="{A30F2283-C0A4-4A69-BCBE-833D967155A2}" srcOrd="0" destOrd="0" presId="urn:microsoft.com/office/officeart/2008/layout/PictureGrid"/>
@@ -7147,7 +7153,7 @@
           <a:p>
             <a:fld id="{16E5F246-0B7D-44DF-8C1B-EDFCA5DA626A}" type="datetimeFigureOut">
               <a:rPr lang="ru-RU" smtClean="0"/>
-              <a:t>16.10.2016</a:t>
+              <a:t>06.09.2017</a:t>
             </a:fld>
             <a:endParaRPr lang="ru-RU"/>
           </a:p>
@@ -8190,6 +8196,206 @@
 </p:notes>
 </file>
 
+<file path=ppt/notesSlides/notesSlide7.xml><?xml version="1.0" encoding="utf-8"?>
+<p:notes xmlns:a="http://schemas.openxmlformats.org/drawingml/2006/main" xmlns:r="http://schemas.openxmlformats.org/officeDocument/2006/relationships" xmlns:p="http://schemas.openxmlformats.org/presentationml/2006/main">
+  <p:cSld>
+    <p:spTree>
+      <p:nvGrpSpPr>
+        <p:cNvPr id="1" name=""/>
+        <p:cNvGrpSpPr/>
+        <p:nvPr/>
+      </p:nvGrpSpPr>
+      <p:grpSpPr>
+        <a:xfrm>
+          <a:off x="0" y="0"/>
+          <a:ext cx="0" cy="0"/>
+          <a:chOff x="0" y="0"/>
+          <a:chExt cx="0" cy="0"/>
+        </a:xfrm>
+      </p:grpSpPr>
+      <p:sp>
+        <p:nvSpPr>
+          <p:cNvPr id="59394" name="Rectangle 7"/>
+          <p:cNvSpPr>
+            <a:spLocks noGrp="1" noChangeArrowheads="1"/>
+          </p:cNvSpPr>
+          <p:nvPr>
+            <p:ph type="sldNum" sz="quarter" idx="5"/>
+          </p:nvPr>
+        </p:nvSpPr>
+        <p:spPr>
+          <a:noFill/>
+        </p:spPr>
+        <p:txBody>
+          <a:bodyPr/>
+          <a:lstStyle>
+            <a:lvl1pPr eaLnBrk="0" hangingPunct="0">
+              <a:defRPr>
+                <a:solidFill>
+                  <a:schemeClr val="tx1"/>
+                </a:solidFill>
+                <a:latin typeface="Courier New" panose="02070309020205020404" pitchFamily="49" charset="0"/>
+              </a:defRPr>
+            </a:lvl1pPr>
+            <a:lvl2pPr marL="742950" indent="-285750" eaLnBrk="0" hangingPunct="0">
+              <a:defRPr>
+                <a:solidFill>
+                  <a:schemeClr val="tx1"/>
+                </a:solidFill>
+                <a:latin typeface="Courier New" panose="02070309020205020404" pitchFamily="49" charset="0"/>
+              </a:defRPr>
+            </a:lvl2pPr>
+            <a:lvl3pPr marL="1143000" indent="-228600" eaLnBrk="0" hangingPunct="0">
+              <a:defRPr>
+                <a:solidFill>
+                  <a:schemeClr val="tx1"/>
+                </a:solidFill>
+                <a:latin typeface="Courier New" panose="02070309020205020404" pitchFamily="49" charset="0"/>
+              </a:defRPr>
+            </a:lvl3pPr>
+            <a:lvl4pPr marL="1600200" indent="-228600" eaLnBrk="0" hangingPunct="0">
+              <a:defRPr>
+                <a:solidFill>
+                  <a:schemeClr val="tx1"/>
+                </a:solidFill>
+                <a:latin typeface="Courier New" panose="02070309020205020404" pitchFamily="49" charset="0"/>
+              </a:defRPr>
+            </a:lvl4pPr>
+            <a:lvl5pPr marL="2057400" indent="-228600" eaLnBrk="0" hangingPunct="0">
+              <a:defRPr>
+                <a:solidFill>
+                  <a:schemeClr val="tx1"/>
+                </a:solidFill>
+                <a:latin typeface="Courier New" panose="02070309020205020404" pitchFamily="49" charset="0"/>
+              </a:defRPr>
+            </a:lvl5pPr>
+            <a:lvl6pPr marL="2514600" indent="-228600" eaLnBrk="0" fontAlgn="base" hangingPunct="0">
+              <a:spcBef>
+                <a:spcPct val="0"/>
+              </a:spcBef>
+              <a:spcAft>
+                <a:spcPct val="0"/>
+              </a:spcAft>
+              <a:defRPr>
+                <a:solidFill>
+                  <a:schemeClr val="tx1"/>
+                </a:solidFill>
+                <a:latin typeface="Courier New" panose="02070309020205020404" pitchFamily="49" charset="0"/>
+              </a:defRPr>
+            </a:lvl6pPr>
+            <a:lvl7pPr marL="2971800" indent="-228600" eaLnBrk="0" fontAlgn="base" hangingPunct="0">
+              <a:spcBef>
+                <a:spcPct val="0"/>
+              </a:spcBef>
+              <a:spcAft>
+                <a:spcPct val="0"/>
+              </a:spcAft>
+              <a:defRPr>
+                <a:solidFill>
+                  <a:schemeClr val="tx1"/>
+                </a:solidFill>
+                <a:latin typeface="Courier New" panose="02070309020205020404" pitchFamily="49" charset="0"/>
+              </a:defRPr>
+            </a:lvl7pPr>
+            <a:lvl8pPr marL="3429000" indent="-228600" eaLnBrk="0" fontAlgn="base" hangingPunct="0">
+              <a:spcBef>
+                <a:spcPct val="0"/>
+              </a:spcBef>
+              <a:spcAft>
+                <a:spcPct val="0"/>
+              </a:spcAft>
+              <a:defRPr>
+                <a:solidFill>
+                  <a:schemeClr val="tx1"/>
+                </a:solidFill>
+                <a:latin typeface="Courier New" panose="02070309020205020404" pitchFamily="49" charset="0"/>
+              </a:defRPr>
+            </a:lvl8pPr>
+            <a:lvl9pPr marL="3886200" indent="-228600" eaLnBrk="0" fontAlgn="base" hangingPunct="0">
+              <a:spcBef>
+                <a:spcPct val="0"/>
+              </a:spcBef>
+              <a:spcAft>
+                <a:spcPct val="0"/>
+              </a:spcAft>
+              <a:defRPr>
+                <a:solidFill>
+                  <a:schemeClr val="tx1"/>
+                </a:solidFill>
+                <a:latin typeface="Courier New" panose="02070309020205020404" pitchFamily="49" charset="0"/>
+              </a:defRPr>
+            </a:lvl9pPr>
+          </a:lstStyle>
+          <a:p>
+            <a:pPr eaLnBrk="1" hangingPunct="1"/>
+            <a:fld id="{9EBFE6F2-0560-4196-B770-1A7881528D98}" type="slidenum">
+              <a:rPr lang="en-US" altLang="ru-RU">
+                <a:latin typeface="Arial" panose="020B0604020202020204" pitchFamily="34" charset="0"/>
+              </a:rPr>
+              <a:pPr eaLnBrk="1" hangingPunct="1"/>
+              <a:t>16</a:t>
+            </a:fld>
+            <a:endParaRPr lang="en-US" altLang="ru-RU">
+              <a:latin typeface="Arial" panose="020B0604020202020204" pitchFamily="34" charset="0"/>
+            </a:endParaRPr>
+          </a:p>
+        </p:txBody>
+      </p:sp>
+      <p:sp>
+        <p:nvSpPr>
+          <p:cNvPr id="59395" name="Rectangle 2"/>
+          <p:cNvSpPr>
+            <a:spLocks noGrp="1" noRot="1" noChangeAspect="1" noChangeArrowheads="1" noTextEdit="1"/>
+          </p:cNvSpPr>
+          <p:nvPr>
+            <p:ph type="sldImg"/>
+          </p:nvPr>
+        </p:nvSpPr>
+        <p:spPr>
+          <a:xfrm>
+            <a:off x="381000" y="685800"/>
+            <a:ext cx="6096000" cy="3429000"/>
+          </a:xfrm>
+          <a:ln/>
+        </p:spPr>
+      </p:sp>
+      <p:sp>
+        <p:nvSpPr>
+          <p:cNvPr id="59396" name="Rectangle 3"/>
+          <p:cNvSpPr>
+            <a:spLocks noGrp="1" noChangeArrowheads="1"/>
+          </p:cNvSpPr>
+          <p:nvPr>
+            <p:ph type="body" idx="1"/>
+          </p:nvPr>
+        </p:nvSpPr>
+        <p:spPr>
+          <a:noFill/>
+        </p:spPr>
+        <p:txBody>
+          <a:bodyPr/>
+          <a:lstStyle/>
+          <a:p>
+            <a:pPr eaLnBrk="1" hangingPunct="1"/>
+            <a:endParaRPr lang="ru-RU" altLang="ru-RU">
+              <a:latin typeface="Arial" panose="020B0604020202020204" pitchFamily="34" charset="0"/>
+            </a:endParaRPr>
+          </a:p>
+        </p:txBody>
+      </p:sp>
+    </p:spTree>
+    <p:extLst>
+      <p:ext uri="{BB962C8B-B14F-4D97-AF65-F5344CB8AC3E}">
+        <p14:creationId xmlns:p14="http://schemas.microsoft.com/office/powerpoint/2010/main" val="2590802896"/>
+      </p:ext>
+    </p:extLst>
+  </p:cSld>
+  <p:clrMapOvr>
+    <a:masterClrMapping/>
+  </p:clrMapOvr>
+</p:notes>
+</file>
+
 <file path=ppt/slideLayouts/slideLayout1.xml><?xml version="1.0" encoding="utf-8"?>
 <p:sldLayout xmlns:a="http://schemas.openxmlformats.org/drawingml/2006/main" xmlns:r="http://schemas.openxmlformats.org/officeDocument/2006/relationships" xmlns:p="http://schemas.openxmlformats.org/presentationml/2006/main" preserve="1">
   <p:cSld name="Титульный слайд">
@@ -13072,7 +13278,7 @@
           <a:graphicData uri="http://schemas.openxmlformats.org/presentationml/2006/ole">
             <mc:AlternateContent xmlns:mc="http://schemas.openxmlformats.org/markup-compatibility/2006">
               <mc:Choice xmlns:v="urn:schemas-microsoft-com:vml" Requires="v">
-                <p:oleObj spid="_x0000_s1088" name="VISIO" r:id="rId4" imgW="2544803" imgH="251238" progId="Visio.Drawing.5">
+                <p:oleObj spid="_x0000_s1090" name="VISIO" r:id="rId4" imgW="2544803" imgH="251238" progId="Visio.Drawing.5">
                   <p:embed/>
                 </p:oleObj>
               </mc:Choice>
@@ -13603,6 +13809,121 @@
 </file>
 
 <file path=ppt/slides/slide16.xml><?xml version="1.0" encoding="utf-8"?>
+<p:sld xmlns:a="http://schemas.openxmlformats.org/drawingml/2006/main" xmlns:r="http://schemas.openxmlformats.org/officeDocument/2006/relationships" xmlns:p="http://schemas.openxmlformats.org/presentationml/2006/main" show="0">
+  <p:cSld>
+    <p:spTree>
+      <p:nvGrpSpPr>
+        <p:cNvPr id="1" name=""/>
+        <p:cNvGrpSpPr/>
+        <p:nvPr/>
+      </p:nvGrpSpPr>
+      <p:grpSpPr>
+        <a:xfrm>
+          <a:off x="0" y="0"/>
+          <a:ext cx="0" cy="0"/>
+          <a:chOff x="0" y="0"/>
+          <a:chExt cx="0" cy="0"/>
+        </a:xfrm>
+      </p:grpSpPr>
+      <p:sp>
+        <p:nvSpPr>
+          <p:cNvPr id="4100" name="Rectangle 6"/>
+          <p:cNvSpPr>
+            <a:spLocks noGrp="1" noChangeArrowheads="1"/>
+          </p:cNvSpPr>
+          <p:nvPr>
+            <p:ph sz="quarter" idx="13"/>
+          </p:nvPr>
+        </p:nvSpPr>
+        <p:spPr/>
+        <p:txBody>
+          <a:bodyPr/>
+          <a:lstStyle/>
+          <a:p>
+            <a:pPr marL="457200" indent="-457200">
+              <a:buFont typeface="Arial" panose="020B0604020202020204" pitchFamily="34" charset="0"/>
+              <a:buChar char="•"/>
+            </a:pPr>
+            <a:r>
+              <a:rPr lang="ru-RU" altLang="ru-RU" dirty="0"/>
+              <a:t>Тесты написаны</a:t>
+            </a:r>
+            <a:endParaRPr lang="en-US" altLang="ru-RU" dirty="0"/>
+          </a:p>
+          <a:p>
+            <a:pPr marL="457200" indent="-457200">
+              <a:buFont typeface="Arial" panose="020B0604020202020204" pitchFamily="34" charset="0"/>
+              <a:buChar char="•"/>
+            </a:pPr>
+            <a:r>
+              <a:rPr lang="ru-RU" altLang="ru-RU" dirty="0"/>
+              <a:t>Код готов к тестам</a:t>
+            </a:r>
+          </a:p>
+          <a:p>
+            <a:pPr marL="457200" indent="-457200">
+              <a:buFont typeface="Arial" panose="020B0604020202020204" pitchFamily="34" charset="0"/>
+              <a:buChar char="•"/>
+            </a:pPr>
+            <a:r>
+              <a:rPr lang="ru-RU" altLang="ru-RU" dirty="0"/>
+              <a:t>Лучше покрытие тестами</a:t>
+            </a:r>
+          </a:p>
+          <a:p>
+            <a:pPr marL="1200095" lvl="1" indent="-457200"/>
+            <a:r>
+              <a:rPr lang="ru-RU" altLang="ru-RU" dirty="0"/>
+              <a:t>Особенно в </a:t>
+            </a:r>
+            <a:r>
+              <a:rPr lang="en-US" altLang="ru-RU" dirty="0"/>
+              <a:t>Devil’s advocate</a:t>
+            </a:r>
+            <a:endParaRPr lang="ru-RU" altLang="ru-RU" dirty="0"/>
+          </a:p>
+        </p:txBody>
+      </p:sp>
+      <p:sp>
+        <p:nvSpPr>
+          <p:cNvPr id="4098" name="Rectangle 2"/>
+          <p:cNvSpPr>
+            <a:spLocks noGrp="1" noChangeArrowheads="1"/>
+          </p:cNvSpPr>
+          <p:nvPr>
+            <p:ph type="title"/>
+          </p:nvPr>
+        </p:nvSpPr>
+        <p:spPr/>
+        <p:txBody>
+          <a:bodyPr/>
+          <a:lstStyle/>
+          <a:p>
+            <a:r>
+              <a:rPr lang="ru-RU" altLang="ru-RU" dirty="0"/>
+              <a:t>Эффекты </a:t>
+            </a:r>
+            <a:r>
+              <a:rPr lang="en-US" altLang="ru-RU" dirty="0"/>
+              <a:t>TDD</a:t>
+            </a:r>
+          </a:p>
+        </p:txBody>
+      </p:sp>
+    </p:spTree>
+    <p:extLst>
+      <p:ext uri="{BB962C8B-B14F-4D97-AF65-F5344CB8AC3E}">
+        <p14:creationId xmlns:p14="http://schemas.microsoft.com/office/powerpoint/2010/main" val="310099616"/>
+      </p:ext>
+    </p:extLst>
+  </p:cSld>
+  <p:clrMapOvr>
+    <a:masterClrMapping/>
+  </p:clrMapOvr>
+</p:sld>
+</file>
+
+<file path=ppt/slides/slide17.xml><?xml version="1.0" encoding="utf-8"?>
 <p:sld xmlns:a="http://schemas.openxmlformats.org/drawingml/2006/main" xmlns:r="http://schemas.openxmlformats.org/officeDocument/2006/relationships" xmlns:p="http://schemas.openxmlformats.org/presentationml/2006/main" show="0">
   <p:cSld>
     <p:spTree>

--- a/tdd.pptx
+++ b/tdd.pptx
@@ -2504,6 +2504,13 @@
         </dgm:presLayoutVars>
       </dgm:prSet>
       <dgm:spPr/>
+      <dgm:t>
+        <a:bodyPr/>
+        <a:lstStyle/>
+        <a:p>
+          <a:endParaRPr lang="ru-RU"/>
+        </a:p>
+      </dgm:t>
     </dgm:pt>
     <dgm:pt modelId="{CF6D50B3-578A-4EA0-A5A0-492FA729F6ED}" type="pres">
       <dgm:prSet presAssocID="{B75F6A3A-9A51-4DF3-8A57-9AEB0739425C}" presName="composite" presStyleCnt="0"/>
@@ -2516,6 +2523,13 @@
         </dgm:presLayoutVars>
       </dgm:prSet>
       <dgm:spPr/>
+      <dgm:t>
+        <a:bodyPr/>
+        <a:lstStyle/>
+        <a:p>
+          <a:endParaRPr lang="ru-RU"/>
+        </a:p>
+      </dgm:t>
     </dgm:pt>
     <dgm:pt modelId="{61EB78D8-69FF-471D-8FEB-71388C442F55}" type="pres">
       <dgm:prSet presAssocID="{B75F6A3A-9A51-4DF3-8A57-9AEB0739425C}" presName="rect1" presStyleLbl="alignImgPlace1" presStyleIdx="0" presStyleCnt="1" custScaleX="596594" custScaleY="114980" custLinFactX="-64576" custLinFactNeighborX="-100000" custLinFactNeighborY="-13065"/>
@@ -2537,9 +2551,9 @@
     </dgm:pt>
   </dgm:ptLst>
   <dgm:cxnLst>
+    <dgm:cxn modelId="{017518C9-1619-4B19-AA03-86BA999BA287}" srcId="{EAB81984-5B84-4970-8447-2B456B8C58DF}" destId="{B75F6A3A-9A51-4DF3-8A57-9AEB0739425C}" srcOrd="0" destOrd="0" parTransId="{203596AF-4F49-40BA-B1E1-11BDD34B512E}" sibTransId="{A056157B-3867-49A4-9195-F3A4F3FBBA8E}"/>
     <dgm:cxn modelId="{1CEAA455-5BF4-4666-95B8-390900AB8124}" type="presOf" srcId="{EAB81984-5B84-4970-8447-2B456B8C58DF}" destId="{3A252E36-3D7E-49E5-B812-EE4CACF0D5CF}" srcOrd="0" destOrd="0" presId="urn:microsoft.com/office/officeart/2008/layout/PictureGrid"/>
     <dgm:cxn modelId="{147A14B3-96E8-4139-969B-9DB1BCB4D95E}" type="presOf" srcId="{B75F6A3A-9A51-4DF3-8A57-9AEB0739425C}" destId="{B29ABF60-EC0F-45AD-A90E-9C76D15C2F14}" srcOrd="0" destOrd="0" presId="urn:microsoft.com/office/officeart/2008/layout/PictureGrid"/>
-    <dgm:cxn modelId="{017518C9-1619-4B19-AA03-86BA999BA287}" srcId="{EAB81984-5B84-4970-8447-2B456B8C58DF}" destId="{B75F6A3A-9A51-4DF3-8A57-9AEB0739425C}" srcOrd="0" destOrd="0" parTransId="{203596AF-4F49-40BA-B1E1-11BDD34B512E}" sibTransId="{A056157B-3867-49A4-9195-F3A4F3FBBA8E}"/>
     <dgm:cxn modelId="{D3458AFA-605E-43EE-8C8A-0E0C1E3CD931}" type="presParOf" srcId="{3A252E36-3D7E-49E5-B812-EE4CACF0D5CF}" destId="{CF6D50B3-578A-4EA0-A5A0-492FA729F6ED}" srcOrd="0" destOrd="0" presId="urn:microsoft.com/office/officeart/2008/layout/PictureGrid"/>
     <dgm:cxn modelId="{9835F3F3-3E30-4AC4-AD89-BC095FA9A878}" type="presParOf" srcId="{CF6D50B3-578A-4EA0-A5A0-492FA729F6ED}" destId="{B29ABF60-EC0F-45AD-A90E-9C76D15C2F14}" srcOrd="0" destOrd="0" presId="urn:microsoft.com/office/officeart/2008/layout/PictureGrid"/>
     <dgm:cxn modelId="{70FA379F-7827-49B9-806E-1FD72CAE8F89}" type="presParOf" srcId="{CF6D50B3-578A-4EA0-A5A0-492FA729F6ED}" destId="{61EB78D8-69FF-471D-8FEB-71388C442F55}" srcOrd="1" destOrd="0" presId="urn:microsoft.com/office/officeart/2008/layout/PictureGrid"/>
@@ -2611,6 +2625,13 @@
         </dgm:presLayoutVars>
       </dgm:prSet>
       <dgm:spPr/>
+      <dgm:t>
+        <a:bodyPr/>
+        <a:lstStyle/>
+        <a:p>
+          <a:endParaRPr lang="ru-RU"/>
+        </a:p>
+      </dgm:t>
     </dgm:pt>
     <dgm:pt modelId="{CF6D50B3-578A-4EA0-A5A0-492FA729F6ED}" type="pres">
       <dgm:prSet presAssocID="{B75F6A3A-9A51-4DF3-8A57-9AEB0739425C}" presName="composite" presStyleCnt="0"/>
@@ -2623,6 +2644,13 @@
         </dgm:presLayoutVars>
       </dgm:prSet>
       <dgm:spPr/>
+      <dgm:t>
+        <a:bodyPr/>
+        <a:lstStyle/>
+        <a:p>
+          <a:endParaRPr lang="ru-RU"/>
+        </a:p>
+      </dgm:t>
     </dgm:pt>
     <dgm:pt modelId="{61EB78D8-69FF-471D-8FEB-71388C442F55}" type="pres">
       <dgm:prSet presAssocID="{B75F6A3A-9A51-4DF3-8A57-9AEB0739425C}" presName="rect1" presStyleLbl="alignImgPlace1" presStyleIdx="0" presStyleCnt="1" custScaleX="596594" custScaleY="114980" custLinFactX="-64576" custLinFactNeighborX="-100000" custLinFactNeighborY="-13065"/>
@@ -2644,9 +2672,9 @@
     </dgm:pt>
   </dgm:ptLst>
   <dgm:cxnLst>
+    <dgm:cxn modelId="{017518C9-1619-4B19-AA03-86BA999BA287}" srcId="{EAB81984-5B84-4970-8447-2B456B8C58DF}" destId="{B75F6A3A-9A51-4DF3-8A57-9AEB0739425C}" srcOrd="0" destOrd="0" parTransId="{203596AF-4F49-40BA-B1E1-11BDD34B512E}" sibTransId="{A056157B-3867-49A4-9195-F3A4F3FBBA8E}"/>
     <dgm:cxn modelId="{1CEAA455-5BF4-4666-95B8-390900AB8124}" type="presOf" srcId="{EAB81984-5B84-4970-8447-2B456B8C58DF}" destId="{3A252E36-3D7E-49E5-B812-EE4CACF0D5CF}" srcOrd="0" destOrd="0" presId="urn:microsoft.com/office/officeart/2008/layout/PictureGrid"/>
     <dgm:cxn modelId="{147A14B3-96E8-4139-969B-9DB1BCB4D95E}" type="presOf" srcId="{B75F6A3A-9A51-4DF3-8A57-9AEB0739425C}" destId="{B29ABF60-EC0F-45AD-A90E-9C76D15C2F14}" srcOrd="0" destOrd="0" presId="urn:microsoft.com/office/officeart/2008/layout/PictureGrid"/>
-    <dgm:cxn modelId="{017518C9-1619-4B19-AA03-86BA999BA287}" srcId="{EAB81984-5B84-4970-8447-2B456B8C58DF}" destId="{B75F6A3A-9A51-4DF3-8A57-9AEB0739425C}" srcOrd="0" destOrd="0" parTransId="{203596AF-4F49-40BA-B1E1-11BDD34B512E}" sibTransId="{A056157B-3867-49A4-9195-F3A4F3FBBA8E}"/>
     <dgm:cxn modelId="{D3458AFA-605E-43EE-8C8A-0E0C1E3CD931}" type="presParOf" srcId="{3A252E36-3D7E-49E5-B812-EE4CACF0D5CF}" destId="{CF6D50B3-578A-4EA0-A5A0-492FA729F6ED}" srcOrd="0" destOrd="0" presId="urn:microsoft.com/office/officeart/2008/layout/PictureGrid"/>
     <dgm:cxn modelId="{9835F3F3-3E30-4AC4-AD89-BC095FA9A878}" type="presParOf" srcId="{CF6D50B3-578A-4EA0-A5A0-492FA729F6ED}" destId="{B29ABF60-EC0F-45AD-A90E-9C76D15C2F14}" srcOrd="0" destOrd="0" presId="urn:microsoft.com/office/officeart/2008/layout/PictureGrid"/>
     <dgm:cxn modelId="{70FA379F-7827-49B9-806E-1FD72CAE8F89}" type="presParOf" srcId="{CF6D50B3-578A-4EA0-A5A0-492FA729F6ED}" destId="{61EB78D8-69FF-471D-8FEB-71388C442F55}" srcOrd="1" destOrd="0" presId="urn:microsoft.com/office/officeart/2008/layout/PictureGrid"/>
@@ -2736,6 +2764,13 @@
         </dgm:presLayoutVars>
       </dgm:prSet>
       <dgm:spPr/>
+      <dgm:t>
+        <a:bodyPr/>
+        <a:lstStyle/>
+        <a:p>
+          <a:endParaRPr lang="ru-RU"/>
+        </a:p>
+      </dgm:t>
     </dgm:pt>
     <dgm:pt modelId="{65D73C51-61AB-436D-8191-975603FC9C68}" type="pres">
       <dgm:prSet presAssocID="{9C9C0585-42CE-4F34-A2BB-F1377DA03788}" presName="composite" presStyleCnt="0"/>
@@ -2748,6 +2783,13 @@
         </dgm:presLayoutVars>
       </dgm:prSet>
       <dgm:spPr/>
+      <dgm:t>
+        <a:bodyPr/>
+        <a:lstStyle/>
+        <a:p>
+          <a:endParaRPr lang="ru-RU"/>
+        </a:p>
+      </dgm:t>
     </dgm:pt>
     <dgm:pt modelId="{DFDA3CA3-5C68-4A2F-A4A8-285063A35D87}" type="pres">
       <dgm:prSet presAssocID="{9C9C0585-42CE-4F34-A2BB-F1377DA03788}" presName="rect1" presStyleLbl="alignImgPlace1" presStyleIdx="0" presStyleCnt="1" custScaleX="62421" custScaleY="62421" custLinFactNeighborX="1076" custLinFactNeighborY="-52209"/>
@@ -2772,8 +2814,8 @@
     </dgm:pt>
   </dgm:ptLst>
   <dgm:cxnLst>
+    <dgm:cxn modelId="{A177C822-7566-4410-A889-706A6CE15148}" srcId="{8F66C165-B39F-46D3-B19F-623799541DD3}" destId="{9C9C0585-42CE-4F34-A2BB-F1377DA03788}" srcOrd="0" destOrd="0" parTransId="{4E5DCF2B-AAE7-41E2-837F-518128C03597}" sibTransId="{56F70C7F-1925-4DBA-9BD6-AF5E91799A59}"/>
     <dgm:cxn modelId="{A9E27516-E8E4-42A7-A155-024D48E79559}" type="presOf" srcId="{8F66C165-B39F-46D3-B19F-623799541DD3}" destId="{B6F028CB-F170-4FEF-BC3A-25F0E90D434A}" srcOrd="0" destOrd="0" presId="urn:microsoft.com/office/officeart/2008/layout/PictureGrid"/>
-    <dgm:cxn modelId="{A177C822-7566-4410-A889-706A6CE15148}" srcId="{8F66C165-B39F-46D3-B19F-623799541DD3}" destId="{9C9C0585-42CE-4F34-A2BB-F1377DA03788}" srcOrd="0" destOrd="0" parTransId="{4E5DCF2B-AAE7-41E2-837F-518128C03597}" sibTransId="{56F70C7F-1925-4DBA-9BD6-AF5E91799A59}"/>
     <dgm:cxn modelId="{ACD53F50-5BA1-48C9-B5DF-09BF6DA4DE65}" type="presOf" srcId="{9C9C0585-42CE-4F34-A2BB-F1377DA03788}" destId="{A30F2283-C0A4-4A69-BCBE-833D967155A2}" srcOrd="0" destOrd="0" presId="urn:microsoft.com/office/officeart/2008/layout/PictureGrid"/>
     <dgm:cxn modelId="{CC189C1C-06A1-4F03-B886-67BF46A53703}" type="presParOf" srcId="{B6F028CB-F170-4FEF-BC3A-25F0E90D434A}" destId="{65D73C51-61AB-436D-8191-975603FC9C68}" srcOrd="0" destOrd="0" presId="urn:microsoft.com/office/officeart/2008/layout/PictureGrid"/>
     <dgm:cxn modelId="{CD7DB92E-B84F-43A0-AC2D-FBBFB40722EE}" type="presParOf" srcId="{65D73C51-61AB-436D-8191-975603FC9C68}" destId="{A30F2283-C0A4-4A69-BCBE-833D967155A2}" srcOrd="0" destOrd="0" presId="urn:microsoft.com/office/officeart/2008/layout/PictureGrid"/>
@@ -2834,7 +2876,7 @@
         </a:bodyPr>
         <a:lstStyle/>
         <a:p>
-          <a:pPr marL="0" lvl="0" indent="0" algn="l" defTabSz="222250">
+          <a:pPr lvl="0" algn="l" defTabSz="222250">
             <a:lnSpc>
               <a:spcPct val="90000"/>
             </a:lnSpc>
@@ -2844,7 +2886,6 @@
             <a:spcAft>
               <a:spcPct val="35000"/>
             </a:spcAft>
-            <a:buNone/>
           </a:pPr>
           <a:r>
             <a:rPr lang="ru-RU" sz="500" kern="1200" dirty="0"/>
@@ -2958,7 +2999,7 @@
         </a:bodyPr>
         <a:lstStyle/>
         <a:p>
-          <a:pPr marL="0" lvl="0" indent="0" algn="l" defTabSz="222250">
+          <a:pPr lvl="0" algn="l" defTabSz="222250">
             <a:lnSpc>
               <a:spcPct val="90000"/>
             </a:lnSpc>
@@ -2968,7 +3009,6 @@
             <a:spcAft>
               <a:spcPct val="35000"/>
             </a:spcAft>
-            <a:buNone/>
           </a:pPr>
           <a:r>
             <a:rPr lang="ru-RU" sz="500" kern="1200" dirty="0"/>
@@ -3082,7 +3122,7 @@
         </a:bodyPr>
         <a:lstStyle/>
         <a:p>
-          <a:pPr marL="0" lvl="0" indent="0" algn="ctr" defTabSz="1778000">
+          <a:pPr lvl="0" algn="ctr" defTabSz="1778000">
             <a:lnSpc>
               <a:spcPct val="90000"/>
             </a:lnSpc>
@@ -3092,7 +3132,6 @@
             <a:spcAft>
               <a:spcPct val="35000"/>
             </a:spcAft>
-            <a:buNone/>
           </a:pPr>
           <a:r>
             <a:rPr lang="ru-RU" sz="4000" kern="1200" dirty="0">
@@ -7153,7 +7192,7 @@
           <a:p>
             <a:fld id="{16E5F246-0B7D-44DF-8C1B-EDFCA5DA626A}" type="datetimeFigureOut">
               <a:rPr lang="ru-RU" smtClean="0"/>
-              <a:t>06.09.2017</a:t>
+              <a:t>17.10.2017</a:t>
             </a:fld>
             <a:endParaRPr lang="ru-RU"/>
           </a:p>
@@ -13235,6 +13274,13 @@
   <p:clrMapOvr>
     <a:masterClrMapping/>
   </p:clrMapOvr>
+  <p:timing>
+    <p:tnLst>
+      <p:par>
+        <p:cTn id="1" dur="indefinite" restart="never" nodeType="tmRoot"/>
+      </p:par>
+    </p:tnLst>
+  </p:timing>
 </p:sld>
 </file>
 
@@ -13265,20 +13311,20 @@
             <p:ph sz="quarter" idx="13"/>
             <p:extLst>
               <p:ext uri="{D42A27DB-BD31-4B8C-83A1-F6EECF244321}">
-                <p14:modId xmlns:p14="http://schemas.microsoft.com/office/powerpoint/2010/main" val="3893693617"/>
+                <p14:modId xmlns:p14="http://schemas.microsoft.com/office/powerpoint/2010/main" val="133705641"/>
               </p:ext>
             </p:extLst>
           </p:nvPr>
         </p:nvGraphicFramePr>
         <p:xfrm>
-          <a:off x="3200589" y="1447007"/>
+          <a:off x="3143672" y="1412776"/>
           <a:ext cx="5790819" cy="570707"/>
         </p:xfrm>
         <a:graphic>
           <a:graphicData uri="http://schemas.openxmlformats.org/presentationml/2006/ole">
             <mc:AlternateContent xmlns:mc="http://schemas.openxmlformats.org/markup-compatibility/2006">
               <mc:Choice xmlns:v="urn:schemas-microsoft-com:vml" Requires="v">
-                <p:oleObj spid="_x0000_s1090" name="VISIO" r:id="rId4" imgW="2544803" imgH="251238" progId="Visio.Drawing.5">
+                <p:oleObj spid="_x0000_s1094" name="VISIO" r:id="rId4" imgW="2544803" imgH="251238" progId="Visio.Drawing.5">
                   <p:embed/>
                 </p:oleObj>
               </mc:Choice>
@@ -13308,7 +13354,7 @@
                     </p:blipFill>
                     <p:spPr bwMode="auto">
                       <a:xfrm>
-                        <a:off x="3200589" y="1447007"/>
+                        <a:off x="3143672" y="1412776"/>
                         <a:ext cx="5790819" cy="570707"/>
                       </a:xfrm>
                       <a:prstGeom prst="rect">
@@ -13373,8 +13419,8 @@
         </p:nvSpPr>
         <p:spPr bwMode="auto">
           <a:xfrm>
-            <a:off x="1295400" y="2017714"/>
-            <a:ext cx="9601199" cy="4211637"/>
+            <a:off x="1295400" y="2001029"/>
+            <a:ext cx="9601199" cy="4524315"/>
           </a:xfrm>
           <a:prstGeom prst="rect">
             <a:avLst/>
@@ -13518,28 +13564,34 @@
           <a:p>
             <a:pPr eaLnBrk="1" hangingPunct="1"/>
             <a:r>
-              <a:rPr lang="en-US" altLang="ru-RU" dirty="0">
+              <a:rPr lang="ru-RU" altLang="ru-RU" dirty="0" smtClean="0">
                 <a:latin typeface="Arial" panose="020B0604020202020204" pitchFamily="34" charset="0"/>
               </a:rPr>
-              <a:t>The game consists of 10 frames as shown above.  In each frame the player has</a:t>
-            </a:r>
-          </a:p>
-          <a:p>
-            <a:pPr eaLnBrk="1" hangingPunct="1"/>
-            <a:r>
-              <a:rPr lang="en-US" altLang="ru-RU" dirty="0">
+              <a:t>Игра состоит из 10 фреймов, в каждом фрейме у игрока есть две попытки, чтобы выбить 10 кеглей. Счет за фрейм – это количество сбитых кеглей плюс бонусы за </a:t>
+            </a:r>
+            <a:r>
+              <a:rPr lang="ru-RU" altLang="ru-RU" dirty="0" err="1" smtClean="0">
                 <a:latin typeface="Arial" panose="020B0604020202020204" pitchFamily="34" charset="0"/>
               </a:rPr>
-              <a:t>two opportunities to knock down 10 pins.  The score for the frame is the total</a:t>
-            </a:r>
-          </a:p>
-          <a:p>
-            <a:pPr eaLnBrk="1" hangingPunct="1"/>
-            <a:r>
-              <a:rPr lang="en-US" altLang="ru-RU" dirty="0">
+              <a:t>страйки</a:t>
+            </a:r>
+            <a:r>
+              <a:rPr lang="ru-RU" altLang="ru-RU" dirty="0" smtClean="0">
                 <a:latin typeface="Arial" panose="020B0604020202020204" pitchFamily="34" charset="0"/>
               </a:rPr>
-              <a:t>number of pins knocked down, plus bonuses for strikes and spares.</a:t>
+              <a:t> и </a:t>
+            </a:r>
+            <a:r>
+              <a:rPr lang="ru-RU" altLang="ru-RU" dirty="0" err="1" smtClean="0">
+                <a:latin typeface="Arial" panose="020B0604020202020204" pitchFamily="34" charset="0"/>
+              </a:rPr>
+              <a:t>спэры</a:t>
+            </a:r>
+            <a:r>
+              <a:rPr lang="ru-RU" altLang="ru-RU" dirty="0" smtClean="0">
+                <a:latin typeface="Arial" panose="020B0604020202020204" pitchFamily="34" charset="0"/>
+              </a:rPr>
+              <a:t>.</a:t>
             </a:r>
           </a:p>
           <a:p>
@@ -13551,94 +13603,103 @@
           <a:p>
             <a:pPr eaLnBrk="1" hangingPunct="1"/>
             <a:r>
-              <a:rPr lang="en-US" altLang="ru-RU" dirty="0">
+              <a:rPr lang="ru-RU" altLang="ru-RU" dirty="0" err="1" smtClean="0">
                 <a:latin typeface="Arial" panose="020B0604020202020204" pitchFamily="34" charset="0"/>
               </a:rPr>
-              <a:t>A spare is when the player knocks down all 10 pins in two tries.  The bonus for</a:t>
+              <a:t>Спэр</a:t>
+            </a:r>
+            <a:r>
+              <a:rPr lang="ru-RU" altLang="ru-RU" dirty="0" smtClean="0">
+                <a:latin typeface="Arial" panose="020B0604020202020204" pitchFamily="34" charset="0"/>
+              </a:rPr>
+              <a:t> – это ситуация, когда игрок выбивает 10 кеглей двумя бросками. Бонус в этом фрейме равен количеству кеглей, сбитых следующим броском.</a:t>
             </a:r>
           </a:p>
           <a:p>
             <a:pPr eaLnBrk="1" hangingPunct="1"/>
             <a:r>
-              <a:rPr lang="en-US" altLang="ru-RU" dirty="0">
+              <a:rPr lang="ru-RU" altLang="ru-RU" i="1" dirty="0" smtClean="0">
                 <a:latin typeface="Arial" panose="020B0604020202020204" pitchFamily="34" charset="0"/>
               </a:rPr>
-              <a:t>that frame is the number of pins knocked down by the next roll.  So in frame 3</a:t>
+              <a:t>Счет за 3 фрейм равен 10 плюс бонус в 5.</a:t>
             </a:r>
           </a:p>
           <a:p>
             <a:pPr eaLnBrk="1" hangingPunct="1"/>
-            <a:r>
-              <a:rPr lang="en-US" altLang="ru-RU" dirty="0">
-                <a:latin typeface="Arial" panose="020B0604020202020204" pitchFamily="34" charset="0"/>
-              </a:rPr>
-              <a:t>above, the score is 10 (the total number knocked down) plus a bonus of 5 (the</a:t>
-            </a:r>
-          </a:p>
-          <a:p>
-            <a:pPr eaLnBrk="1" hangingPunct="1"/>
-            <a:r>
-              <a:rPr lang="en-US" altLang="ru-RU" dirty="0">
-                <a:latin typeface="Arial" panose="020B0604020202020204" pitchFamily="34" charset="0"/>
-              </a:rPr>
-              <a:t>number of pins knocked down on the next roll.)</a:t>
-            </a:r>
-          </a:p>
-          <a:p>
-            <a:pPr eaLnBrk="1" hangingPunct="1"/>
-            <a:endParaRPr lang="en-US" altLang="ru-RU" dirty="0">
+            <a:endParaRPr lang="ru-RU" altLang="ru-RU" dirty="0">
               <a:latin typeface="Arial" panose="020B0604020202020204" pitchFamily="34" charset="0"/>
             </a:endParaRPr>
           </a:p>
           <a:p>
             <a:pPr eaLnBrk="1" hangingPunct="1"/>
             <a:r>
-              <a:rPr lang="en-US" altLang="ru-RU" dirty="0">
+              <a:rPr lang="ru-RU" altLang="ru-RU" dirty="0" smtClean="0">
                 <a:latin typeface="Arial" panose="020B0604020202020204" pitchFamily="34" charset="0"/>
               </a:rPr>
-              <a:t>A strike is when the player knocks down all 10 pins on his first try.  The bonus</a:t>
+              <a:t>Стра</a:t>
+            </a:r>
+            <a:r>
+              <a:rPr lang="ru-RU" altLang="ru-RU" dirty="0" smtClean="0">
+                <a:latin typeface="Arial" panose="020B0604020202020204" pitchFamily="34" charset="0"/>
+              </a:rPr>
+              <a:t>йк – это ситуация, когда игрок выбивает 10 кеглей первым броском. Бонус в этом фрейме равен количеству кеглей, сбитых следующими двумя бросками.</a:t>
             </a:r>
           </a:p>
           <a:p>
             <a:pPr eaLnBrk="1" hangingPunct="1"/>
             <a:r>
-              <a:rPr lang="en-US" altLang="ru-RU" dirty="0">
+              <a:rPr lang="ru-RU" altLang="ru-RU" i="1" dirty="0" smtClean="0">
                 <a:latin typeface="Arial" panose="020B0604020202020204" pitchFamily="34" charset="0"/>
               </a:rPr>
-              <a:t>for that frame is the value of the next two balls rolled.</a:t>
+              <a:t>Счет за 5 фрейм равен 10, плюс бонус в 0 + 1.</a:t>
             </a:r>
           </a:p>
           <a:p>
             <a:pPr eaLnBrk="1" hangingPunct="1"/>
-            <a:endParaRPr lang="en-US" altLang="ru-RU" dirty="0">
+            <a:endParaRPr lang="ru-RU" altLang="ru-RU" dirty="0">
               <a:latin typeface="Arial" panose="020B0604020202020204" pitchFamily="34" charset="0"/>
             </a:endParaRPr>
           </a:p>
           <a:p>
             <a:pPr eaLnBrk="1" hangingPunct="1"/>
             <a:r>
-              <a:rPr lang="en-US" altLang="ru-RU" dirty="0">
+              <a:rPr lang="ru-RU" altLang="ru-RU" dirty="0" smtClean="0">
                 <a:latin typeface="Arial" panose="020B0604020202020204" pitchFamily="34" charset="0"/>
               </a:rPr>
-              <a:t>In the tenth frame a player who rolls a spare or strike is allowed to roll the extra</a:t>
+              <a:t>В десятом фрейме игрок, выбивающий </a:t>
+            </a:r>
+            <a:r>
+              <a:rPr lang="ru-RU" altLang="ru-RU" dirty="0" err="1" smtClean="0">
+                <a:latin typeface="Arial" panose="020B0604020202020204" pitchFamily="34" charset="0"/>
+              </a:rPr>
+              <a:t>спэр</a:t>
+            </a:r>
+            <a:r>
+              <a:rPr lang="ru-RU" altLang="ru-RU" dirty="0" smtClean="0">
+                <a:latin typeface="Arial" panose="020B0604020202020204" pitchFamily="34" charset="0"/>
+              </a:rPr>
+              <a:t> или </a:t>
+            </a:r>
+            <a:r>
+              <a:rPr lang="ru-RU" altLang="ru-RU" dirty="0" err="1" smtClean="0">
+                <a:latin typeface="Arial" panose="020B0604020202020204" pitchFamily="34" charset="0"/>
+              </a:rPr>
+              <a:t>страйк</a:t>
+            </a:r>
+            <a:r>
+              <a:rPr lang="ru-RU" altLang="ru-RU" dirty="0" smtClean="0">
+                <a:latin typeface="Arial" panose="020B0604020202020204" pitchFamily="34" charset="0"/>
+              </a:rPr>
+              <a:t>, получает дополнительный бросок, чтобы закончить фрейм. Максимальное число бросков в десятом фрейме – 3. Бонусные очки в этом фрейме не начисляются.</a:t>
             </a:r>
           </a:p>
           <a:p>
             <a:pPr eaLnBrk="1" hangingPunct="1"/>
             <a:r>
-              <a:rPr lang="en-US" altLang="ru-RU" dirty="0">
+              <a:rPr lang="ru-RU" altLang="ru-RU" i="1" dirty="0" smtClean="0">
                 <a:latin typeface="Arial" panose="020B0604020202020204" pitchFamily="34" charset="0"/>
               </a:rPr>
-              <a:t>balls to complete the frame.  However no more than three balls can be rolled in</a:t>
-            </a:r>
-          </a:p>
-          <a:p>
-            <a:pPr eaLnBrk="1" hangingPunct="1"/>
-            <a:r>
-              <a:rPr lang="en-US" altLang="ru-RU" dirty="0">
-                <a:latin typeface="Arial" panose="020B0604020202020204" pitchFamily="34" charset="0"/>
-              </a:rPr>
-              <a:t>tenth frame.</a:t>
+              <a:t>В 9 фрейме счет за фрейм равен 10 + 2 + 8. За 10 фрейм счет равен 2 + 8 + 6.</a:t>
             </a:r>
           </a:p>
         </p:txBody>
@@ -13653,6 +13714,13 @@
   <p:clrMapOvr>
     <a:masterClrMapping/>
   </p:clrMapOvr>
+  <p:timing>
+    <p:tnLst>
+      <p:par>
+        <p:cTn id="1" dur="indefinite" restart="never" nodeType="tmRoot"/>
+      </p:par>
+    </p:tnLst>
+  </p:timing>
 </p:sld>
 </file>
 
@@ -13805,6 +13873,13 @@
   <p:clrMapOvr>
     <a:masterClrMapping/>
   </p:clrMapOvr>
+  <p:timing>
+    <p:tnLst>
+      <p:par>
+        <p:cTn id="1" dur="indefinite" restart="never" nodeType="tmRoot"/>
+      </p:par>
+    </p:tnLst>
+  </p:timing>
 </p:sld>
 </file>
 
@@ -13920,6 +13995,21 @@
   <p:clrMapOvr>
     <a:masterClrMapping/>
   </p:clrMapOvr>
+  <mc:AlternateContent xmlns:mc="http://schemas.openxmlformats.org/markup-compatibility/2006">
+    <mc:Choice xmlns:p14="http://schemas.microsoft.com/office/powerpoint/2010/main" Requires="p14">
+      <p:transition spd="slow" p14:dur="2000"/>
+    </mc:Choice>
+    <mc:Fallback>
+      <p:transition spd="slow"/>
+    </mc:Fallback>
+  </mc:AlternateContent>
+  <p:timing>
+    <p:tnLst>
+      <p:par>
+        <p:cTn id="1" dur="indefinite" restart="never" nodeType="tmRoot"/>
+      </p:par>
+    </p:tnLst>
+  </p:timing>
 </p:sld>
 </file>
 
@@ -14014,6 +14104,14 @@
   <p:clrMapOvr>
     <a:masterClrMapping/>
   </p:clrMapOvr>
+  <mc:AlternateContent xmlns:mc="http://schemas.openxmlformats.org/markup-compatibility/2006">
+    <mc:Choice xmlns:p14="http://schemas.microsoft.com/office/powerpoint/2010/main" Requires="p14">
+      <p:transition spd="slow" p14:dur="2000"/>
+    </mc:Choice>
+    <mc:Fallback>
+      <p:transition spd="slow"/>
+    </mc:Fallback>
+  </mc:AlternateContent>
 </p:sld>
 </file>
 
@@ -14647,6 +14745,10 @@
             <a:r>
               <a:rPr lang="ru-RU" sz="2100" dirty="0"/>
               <a:t>Добавьте простейший код, проходящий тест.</a:t>
+            </a:r>
+            <a:r>
+              <a:rPr lang="en-US" sz="2100" dirty="0"/>
+              <a:t/>
             </a:r>
             <a:br>
               <a:rPr lang="en-US" sz="2100" dirty="0"/>
@@ -15501,6 +15603,10 @@
                 </a:solidFill>
               </a:rPr>
               <a:t>demo</a:t>
+            </a:r>
+            <a:r>
+              <a:rPr lang="en-US" dirty="0"/>
+              <a:t/>
             </a:r>
             <a:br>
               <a:rPr lang="en-US" dirty="0"/>

--- a/tdd.pptx
+++ b/tdd.pptx
@@ -2504,13 +2504,6 @@
         </dgm:presLayoutVars>
       </dgm:prSet>
       <dgm:spPr/>
-      <dgm:t>
-        <a:bodyPr/>
-        <a:lstStyle/>
-        <a:p>
-          <a:endParaRPr lang="ru-RU"/>
-        </a:p>
-      </dgm:t>
     </dgm:pt>
     <dgm:pt modelId="{CF6D50B3-578A-4EA0-A5A0-492FA729F6ED}" type="pres">
       <dgm:prSet presAssocID="{B75F6A3A-9A51-4DF3-8A57-9AEB0739425C}" presName="composite" presStyleCnt="0"/>
@@ -2523,13 +2516,6 @@
         </dgm:presLayoutVars>
       </dgm:prSet>
       <dgm:spPr/>
-      <dgm:t>
-        <a:bodyPr/>
-        <a:lstStyle/>
-        <a:p>
-          <a:endParaRPr lang="ru-RU"/>
-        </a:p>
-      </dgm:t>
     </dgm:pt>
     <dgm:pt modelId="{61EB78D8-69FF-471D-8FEB-71388C442F55}" type="pres">
       <dgm:prSet presAssocID="{B75F6A3A-9A51-4DF3-8A57-9AEB0739425C}" presName="rect1" presStyleLbl="alignImgPlace1" presStyleIdx="0" presStyleCnt="1" custScaleX="596594" custScaleY="114980" custLinFactX="-64576" custLinFactNeighborX="-100000" custLinFactNeighborY="-13065"/>
@@ -2551,9 +2537,9 @@
     </dgm:pt>
   </dgm:ptLst>
   <dgm:cxnLst>
-    <dgm:cxn modelId="{017518C9-1619-4B19-AA03-86BA999BA287}" srcId="{EAB81984-5B84-4970-8447-2B456B8C58DF}" destId="{B75F6A3A-9A51-4DF3-8A57-9AEB0739425C}" srcOrd="0" destOrd="0" parTransId="{203596AF-4F49-40BA-B1E1-11BDD34B512E}" sibTransId="{A056157B-3867-49A4-9195-F3A4F3FBBA8E}"/>
     <dgm:cxn modelId="{1CEAA455-5BF4-4666-95B8-390900AB8124}" type="presOf" srcId="{EAB81984-5B84-4970-8447-2B456B8C58DF}" destId="{3A252E36-3D7E-49E5-B812-EE4CACF0D5CF}" srcOrd="0" destOrd="0" presId="urn:microsoft.com/office/officeart/2008/layout/PictureGrid"/>
     <dgm:cxn modelId="{147A14B3-96E8-4139-969B-9DB1BCB4D95E}" type="presOf" srcId="{B75F6A3A-9A51-4DF3-8A57-9AEB0739425C}" destId="{B29ABF60-EC0F-45AD-A90E-9C76D15C2F14}" srcOrd="0" destOrd="0" presId="urn:microsoft.com/office/officeart/2008/layout/PictureGrid"/>
+    <dgm:cxn modelId="{017518C9-1619-4B19-AA03-86BA999BA287}" srcId="{EAB81984-5B84-4970-8447-2B456B8C58DF}" destId="{B75F6A3A-9A51-4DF3-8A57-9AEB0739425C}" srcOrd="0" destOrd="0" parTransId="{203596AF-4F49-40BA-B1E1-11BDD34B512E}" sibTransId="{A056157B-3867-49A4-9195-F3A4F3FBBA8E}"/>
     <dgm:cxn modelId="{D3458AFA-605E-43EE-8C8A-0E0C1E3CD931}" type="presParOf" srcId="{3A252E36-3D7E-49E5-B812-EE4CACF0D5CF}" destId="{CF6D50B3-578A-4EA0-A5A0-492FA729F6ED}" srcOrd="0" destOrd="0" presId="urn:microsoft.com/office/officeart/2008/layout/PictureGrid"/>
     <dgm:cxn modelId="{9835F3F3-3E30-4AC4-AD89-BC095FA9A878}" type="presParOf" srcId="{CF6D50B3-578A-4EA0-A5A0-492FA729F6ED}" destId="{B29ABF60-EC0F-45AD-A90E-9C76D15C2F14}" srcOrd="0" destOrd="0" presId="urn:microsoft.com/office/officeart/2008/layout/PictureGrid"/>
     <dgm:cxn modelId="{70FA379F-7827-49B9-806E-1FD72CAE8F89}" type="presParOf" srcId="{CF6D50B3-578A-4EA0-A5A0-492FA729F6ED}" destId="{61EB78D8-69FF-471D-8FEB-71388C442F55}" srcOrd="1" destOrd="0" presId="urn:microsoft.com/office/officeart/2008/layout/PictureGrid"/>
@@ -2625,13 +2611,6 @@
         </dgm:presLayoutVars>
       </dgm:prSet>
       <dgm:spPr/>
-      <dgm:t>
-        <a:bodyPr/>
-        <a:lstStyle/>
-        <a:p>
-          <a:endParaRPr lang="ru-RU"/>
-        </a:p>
-      </dgm:t>
     </dgm:pt>
     <dgm:pt modelId="{CF6D50B3-578A-4EA0-A5A0-492FA729F6ED}" type="pres">
       <dgm:prSet presAssocID="{B75F6A3A-9A51-4DF3-8A57-9AEB0739425C}" presName="composite" presStyleCnt="0"/>
@@ -2644,13 +2623,6 @@
         </dgm:presLayoutVars>
       </dgm:prSet>
       <dgm:spPr/>
-      <dgm:t>
-        <a:bodyPr/>
-        <a:lstStyle/>
-        <a:p>
-          <a:endParaRPr lang="ru-RU"/>
-        </a:p>
-      </dgm:t>
     </dgm:pt>
     <dgm:pt modelId="{61EB78D8-69FF-471D-8FEB-71388C442F55}" type="pres">
       <dgm:prSet presAssocID="{B75F6A3A-9A51-4DF3-8A57-9AEB0739425C}" presName="rect1" presStyleLbl="alignImgPlace1" presStyleIdx="0" presStyleCnt="1" custScaleX="596594" custScaleY="114980" custLinFactX="-64576" custLinFactNeighborX="-100000" custLinFactNeighborY="-13065"/>
@@ -2672,9 +2644,9 @@
     </dgm:pt>
   </dgm:ptLst>
   <dgm:cxnLst>
-    <dgm:cxn modelId="{017518C9-1619-4B19-AA03-86BA999BA287}" srcId="{EAB81984-5B84-4970-8447-2B456B8C58DF}" destId="{B75F6A3A-9A51-4DF3-8A57-9AEB0739425C}" srcOrd="0" destOrd="0" parTransId="{203596AF-4F49-40BA-B1E1-11BDD34B512E}" sibTransId="{A056157B-3867-49A4-9195-F3A4F3FBBA8E}"/>
     <dgm:cxn modelId="{1CEAA455-5BF4-4666-95B8-390900AB8124}" type="presOf" srcId="{EAB81984-5B84-4970-8447-2B456B8C58DF}" destId="{3A252E36-3D7E-49E5-B812-EE4CACF0D5CF}" srcOrd="0" destOrd="0" presId="urn:microsoft.com/office/officeart/2008/layout/PictureGrid"/>
     <dgm:cxn modelId="{147A14B3-96E8-4139-969B-9DB1BCB4D95E}" type="presOf" srcId="{B75F6A3A-9A51-4DF3-8A57-9AEB0739425C}" destId="{B29ABF60-EC0F-45AD-A90E-9C76D15C2F14}" srcOrd="0" destOrd="0" presId="urn:microsoft.com/office/officeart/2008/layout/PictureGrid"/>
+    <dgm:cxn modelId="{017518C9-1619-4B19-AA03-86BA999BA287}" srcId="{EAB81984-5B84-4970-8447-2B456B8C58DF}" destId="{B75F6A3A-9A51-4DF3-8A57-9AEB0739425C}" srcOrd="0" destOrd="0" parTransId="{203596AF-4F49-40BA-B1E1-11BDD34B512E}" sibTransId="{A056157B-3867-49A4-9195-F3A4F3FBBA8E}"/>
     <dgm:cxn modelId="{D3458AFA-605E-43EE-8C8A-0E0C1E3CD931}" type="presParOf" srcId="{3A252E36-3D7E-49E5-B812-EE4CACF0D5CF}" destId="{CF6D50B3-578A-4EA0-A5A0-492FA729F6ED}" srcOrd="0" destOrd="0" presId="urn:microsoft.com/office/officeart/2008/layout/PictureGrid"/>
     <dgm:cxn modelId="{9835F3F3-3E30-4AC4-AD89-BC095FA9A878}" type="presParOf" srcId="{CF6D50B3-578A-4EA0-A5A0-492FA729F6ED}" destId="{B29ABF60-EC0F-45AD-A90E-9C76D15C2F14}" srcOrd="0" destOrd="0" presId="urn:microsoft.com/office/officeart/2008/layout/PictureGrid"/>
     <dgm:cxn modelId="{70FA379F-7827-49B9-806E-1FD72CAE8F89}" type="presParOf" srcId="{CF6D50B3-578A-4EA0-A5A0-492FA729F6ED}" destId="{61EB78D8-69FF-471D-8FEB-71388C442F55}" srcOrd="1" destOrd="0" presId="urn:microsoft.com/office/officeart/2008/layout/PictureGrid"/>
@@ -2764,13 +2736,6 @@
         </dgm:presLayoutVars>
       </dgm:prSet>
       <dgm:spPr/>
-      <dgm:t>
-        <a:bodyPr/>
-        <a:lstStyle/>
-        <a:p>
-          <a:endParaRPr lang="ru-RU"/>
-        </a:p>
-      </dgm:t>
     </dgm:pt>
     <dgm:pt modelId="{65D73C51-61AB-436D-8191-975603FC9C68}" type="pres">
       <dgm:prSet presAssocID="{9C9C0585-42CE-4F34-A2BB-F1377DA03788}" presName="composite" presStyleCnt="0"/>
@@ -2783,13 +2748,6 @@
         </dgm:presLayoutVars>
       </dgm:prSet>
       <dgm:spPr/>
-      <dgm:t>
-        <a:bodyPr/>
-        <a:lstStyle/>
-        <a:p>
-          <a:endParaRPr lang="ru-RU"/>
-        </a:p>
-      </dgm:t>
     </dgm:pt>
     <dgm:pt modelId="{DFDA3CA3-5C68-4A2F-A4A8-285063A35D87}" type="pres">
       <dgm:prSet presAssocID="{9C9C0585-42CE-4F34-A2BB-F1377DA03788}" presName="rect1" presStyleLbl="alignImgPlace1" presStyleIdx="0" presStyleCnt="1" custScaleX="62421" custScaleY="62421" custLinFactNeighborX="1076" custLinFactNeighborY="-52209"/>
@@ -2814,8 +2772,8 @@
     </dgm:pt>
   </dgm:ptLst>
   <dgm:cxnLst>
+    <dgm:cxn modelId="{A9E27516-E8E4-42A7-A155-024D48E79559}" type="presOf" srcId="{8F66C165-B39F-46D3-B19F-623799541DD3}" destId="{B6F028CB-F170-4FEF-BC3A-25F0E90D434A}" srcOrd="0" destOrd="0" presId="urn:microsoft.com/office/officeart/2008/layout/PictureGrid"/>
     <dgm:cxn modelId="{A177C822-7566-4410-A889-706A6CE15148}" srcId="{8F66C165-B39F-46D3-B19F-623799541DD3}" destId="{9C9C0585-42CE-4F34-A2BB-F1377DA03788}" srcOrd="0" destOrd="0" parTransId="{4E5DCF2B-AAE7-41E2-837F-518128C03597}" sibTransId="{56F70C7F-1925-4DBA-9BD6-AF5E91799A59}"/>
-    <dgm:cxn modelId="{A9E27516-E8E4-42A7-A155-024D48E79559}" type="presOf" srcId="{8F66C165-B39F-46D3-B19F-623799541DD3}" destId="{B6F028CB-F170-4FEF-BC3A-25F0E90D434A}" srcOrd="0" destOrd="0" presId="urn:microsoft.com/office/officeart/2008/layout/PictureGrid"/>
     <dgm:cxn modelId="{ACD53F50-5BA1-48C9-B5DF-09BF6DA4DE65}" type="presOf" srcId="{9C9C0585-42CE-4F34-A2BB-F1377DA03788}" destId="{A30F2283-C0A4-4A69-BCBE-833D967155A2}" srcOrd="0" destOrd="0" presId="urn:microsoft.com/office/officeart/2008/layout/PictureGrid"/>
     <dgm:cxn modelId="{CC189C1C-06A1-4F03-B886-67BF46A53703}" type="presParOf" srcId="{B6F028CB-F170-4FEF-BC3A-25F0E90D434A}" destId="{65D73C51-61AB-436D-8191-975603FC9C68}" srcOrd="0" destOrd="0" presId="urn:microsoft.com/office/officeart/2008/layout/PictureGrid"/>
     <dgm:cxn modelId="{CD7DB92E-B84F-43A0-AC2D-FBBFB40722EE}" type="presParOf" srcId="{65D73C51-61AB-436D-8191-975603FC9C68}" destId="{A30F2283-C0A4-4A69-BCBE-833D967155A2}" srcOrd="0" destOrd="0" presId="urn:microsoft.com/office/officeart/2008/layout/PictureGrid"/>
@@ -2876,7 +2834,7 @@
         </a:bodyPr>
         <a:lstStyle/>
         <a:p>
-          <a:pPr lvl="0" algn="l" defTabSz="222250">
+          <a:pPr marL="0" lvl="0" indent="0" algn="l" defTabSz="222250">
             <a:lnSpc>
               <a:spcPct val="90000"/>
             </a:lnSpc>
@@ -2886,6 +2844,7 @@
             <a:spcAft>
               <a:spcPct val="35000"/>
             </a:spcAft>
+            <a:buNone/>
           </a:pPr>
           <a:r>
             <a:rPr lang="ru-RU" sz="500" kern="1200" dirty="0"/>
@@ -2999,7 +2958,7 @@
         </a:bodyPr>
         <a:lstStyle/>
         <a:p>
-          <a:pPr lvl="0" algn="l" defTabSz="222250">
+          <a:pPr marL="0" lvl="0" indent="0" algn="l" defTabSz="222250">
             <a:lnSpc>
               <a:spcPct val="90000"/>
             </a:lnSpc>
@@ -3009,6 +2968,7 @@
             <a:spcAft>
               <a:spcPct val="35000"/>
             </a:spcAft>
+            <a:buNone/>
           </a:pPr>
           <a:r>
             <a:rPr lang="ru-RU" sz="500" kern="1200" dirty="0"/>
@@ -3122,7 +3082,7 @@
         </a:bodyPr>
         <a:lstStyle/>
         <a:p>
-          <a:pPr lvl="0" algn="ctr" defTabSz="1778000">
+          <a:pPr marL="0" lvl="0" indent="0" algn="ctr" defTabSz="1778000">
             <a:lnSpc>
               <a:spcPct val="90000"/>
             </a:lnSpc>
@@ -3132,6 +3092,7 @@
             <a:spcAft>
               <a:spcPct val="35000"/>
             </a:spcAft>
+            <a:buNone/>
           </a:pPr>
           <a:r>
             <a:rPr lang="ru-RU" sz="4000" kern="1200" dirty="0">
@@ -7192,7 +7153,7 @@
           <a:p>
             <a:fld id="{16E5F246-0B7D-44DF-8C1B-EDFCA5DA626A}" type="datetimeFigureOut">
               <a:rPr lang="ru-RU" smtClean="0"/>
-              <a:t>17.10.2017</a:t>
+              <a:t>12.11.2017</a:t>
             </a:fld>
             <a:endParaRPr lang="ru-RU"/>
           </a:p>
@@ -13274,13 +13235,6 @@
   <p:clrMapOvr>
     <a:masterClrMapping/>
   </p:clrMapOvr>
-  <p:timing>
-    <p:tnLst>
-      <p:par>
-        <p:cTn id="1" dur="indefinite" restart="never" nodeType="tmRoot"/>
-      </p:par>
-    </p:tnLst>
-  </p:timing>
 </p:sld>
 </file>
 
@@ -13311,7 +13265,7 @@
             <p:ph sz="quarter" idx="13"/>
             <p:extLst>
               <p:ext uri="{D42A27DB-BD31-4B8C-83A1-F6EECF244321}">
-                <p14:modId xmlns:p14="http://schemas.microsoft.com/office/powerpoint/2010/main" val="133705641"/>
+                <p14:modId xmlns:p14="http://schemas.microsoft.com/office/powerpoint/2010/main" val="1996526984"/>
               </p:ext>
             </p:extLst>
           </p:nvPr>
@@ -13324,7 +13278,7 @@
           <a:graphicData uri="http://schemas.openxmlformats.org/presentationml/2006/ole">
             <mc:AlternateContent xmlns:mc="http://schemas.openxmlformats.org/markup-compatibility/2006">
               <mc:Choice xmlns:v="urn:schemas-microsoft-com:vml" Requires="v">
-                <p:oleObj spid="_x0000_s1094" name="VISIO" r:id="rId4" imgW="2544803" imgH="251238" progId="Visio.Drawing.5">
+                <p:oleObj spid="_x0000_s1095" name="VISIO" r:id="rId4" imgW="2544803" imgH="251238" progId="Visio.Drawing.5">
                   <p:embed/>
                 </p:oleObj>
               </mc:Choice>
@@ -13564,31 +13518,31 @@
           <a:p>
             <a:pPr eaLnBrk="1" hangingPunct="1"/>
             <a:r>
-              <a:rPr lang="ru-RU" altLang="ru-RU" dirty="0" smtClean="0">
+              <a:rPr lang="ru-RU" altLang="ru-RU" dirty="0">
                 <a:latin typeface="Arial" panose="020B0604020202020204" pitchFamily="34" charset="0"/>
               </a:rPr>
               <a:t>Игра состоит из 10 фреймов, в каждом фрейме у игрока есть две попытки, чтобы выбить 10 кеглей. Счет за фрейм – это количество сбитых кеглей плюс бонусы за </a:t>
             </a:r>
             <a:r>
-              <a:rPr lang="ru-RU" altLang="ru-RU" dirty="0" err="1" smtClean="0">
+              <a:rPr lang="ru-RU" altLang="ru-RU" dirty="0" err="1">
                 <a:latin typeface="Arial" panose="020B0604020202020204" pitchFamily="34" charset="0"/>
               </a:rPr>
               <a:t>страйки</a:t>
             </a:r>
             <a:r>
-              <a:rPr lang="ru-RU" altLang="ru-RU" dirty="0" smtClean="0">
+              <a:rPr lang="ru-RU" altLang="ru-RU" dirty="0">
                 <a:latin typeface="Arial" panose="020B0604020202020204" pitchFamily="34" charset="0"/>
               </a:rPr>
               <a:t> и </a:t>
             </a:r>
             <a:r>
-              <a:rPr lang="ru-RU" altLang="ru-RU" dirty="0" err="1" smtClean="0">
+              <a:rPr lang="ru-RU" altLang="ru-RU" dirty="0" err="1">
                 <a:latin typeface="Arial" panose="020B0604020202020204" pitchFamily="34" charset="0"/>
               </a:rPr>
               <a:t>спэры</a:t>
             </a:r>
             <a:r>
-              <a:rPr lang="ru-RU" altLang="ru-RU" dirty="0" smtClean="0">
+              <a:rPr lang="ru-RU" altLang="ru-RU" dirty="0">
                 <a:latin typeface="Arial" panose="020B0604020202020204" pitchFamily="34" charset="0"/>
               </a:rPr>
               <a:t>.</a:t>
@@ -13603,13 +13557,25 @@
           <a:p>
             <a:pPr eaLnBrk="1" hangingPunct="1"/>
             <a:r>
-              <a:rPr lang="ru-RU" altLang="ru-RU" dirty="0" err="1" smtClean="0">
+              <a:rPr lang="ru-RU" altLang="ru-RU" dirty="0" err="1">
                 <a:latin typeface="Arial" panose="020B0604020202020204" pitchFamily="34" charset="0"/>
               </a:rPr>
               <a:t>Спэр</a:t>
             </a:r>
             <a:r>
-              <a:rPr lang="ru-RU" altLang="ru-RU" dirty="0" smtClean="0">
+              <a:rPr lang="ru-RU" altLang="ru-RU" dirty="0">
+                <a:latin typeface="Arial" panose="020B0604020202020204" pitchFamily="34" charset="0"/>
+              </a:rPr>
+              <a:t> (</a:t>
+            </a:r>
+            <a:r>
+              <a:rPr lang="en-US" altLang="ru-RU" dirty="0">
+                <a:latin typeface="Arial" panose="020B0604020202020204" pitchFamily="34" charset="0"/>
+              </a:rPr>
+              <a:t>spare)</a:t>
+            </a:r>
+            <a:r>
+              <a:rPr lang="ru-RU" altLang="ru-RU" dirty="0">
                 <a:latin typeface="Arial" panose="020B0604020202020204" pitchFamily="34" charset="0"/>
               </a:rPr>
               <a:t> – это ситуация, когда игрок выбивает 10 кеглей двумя бросками. Бонус в этом фрейме равен количеству кеглей, сбитых следующим броском.</a:t>
@@ -13618,7 +13584,7 @@
           <a:p>
             <a:pPr eaLnBrk="1" hangingPunct="1"/>
             <a:r>
-              <a:rPr lang="ru-RU" altLang="ru-RU" i="1" dirty="0" smtClean="0">
+              <a:rPr lang="ru-RU" altLang="ru-RU" i="1" dirty="0">
                 <a:latin typeface="Arial" panose="020B0604020202020204" pitchFamily="34" charset="0"/>
               </a:rPr>
               <a:t>Счет за 3 фрейм равен 10 плюс бонус в 5.</a:t>
@@ -13633,22 +13599,34 @@
           <a:p>
             <a:pPr eaLnBrk="1" hangingPunct="1"/>
             <a:r>
-              <a:rPr lang="ru-RU" altLang="ru-RU" dirty="0" smtClean="0">
+              <a:rPr lang="ru-RU" altLang="ru-RU" dirty="0">
                 <a:latin typeface="Arial" panose="020B0604020202020204" pitchFamily="34" charset="0"/>
               </a:rPr>
-              <a:t>Стра</a:t>
-            </a:r>
-            <a:r>
-              <a:rPr lang="ru-RU" altLang="ru-RU" dirty="0" smtClean="0">
+              <a:t>Страйк</a:t>
+            </a:r>
+            <a:r>
+              <a:rPr lang="en-US" altLang="ru-RU">
                 <a:latin typeface="Arial" panose="020B0604020202020204" pitchFamily="34" charset="0"/>
               </a:rPr>
-              <a:t>йк – это ситуация, когда игрок выбивает 10 кеглей первым броском. Бонус в этом фрейме равен количеству кеглей, сбитых следующими двумя бросками.</a:t>
+              <a:t> (strike)</a:t>
+            </a:r>
+            <a:r>
+              <a:rPr lang="ru-RU" altLang="ru-RU">
+                <a:latin typeface="Arial" panose="020B0604020202020204" pitchFamily="34" charset="0"/>
+              </a:rPr>
+              <a:t> </a:t>
+            </a:r>
+            <a:r>
+              <a:rPr lang="ru-RU" altLang="ru-RU" dirty="0">
+                <a:latin typeface="Arial" panose="020B0604020202020204" pitchFamily="34" charset="0"/>
+              </a:rPr>
+              <a:t>– это ситуация, когда игрок выбивает 10 кеглей первым броском. Бонус в этом фрейме равен количеству кеглей, сбитых следующими двумя бросками.</a:t>
             </a:r>
           </a:p>
           <a:p>
             <a:pPr eaLnBrk="1" hangingPunct="1"/>
             <a:r>
-              <a:rPr lang="ru-RU" altLang="ru-RU" i="1" dirty="0" smtClean="0">
+              <a:rPr lang="ru-RU" altLang="ru-RU" i="1" dirty="0">
                 <a:latin typeface="Arial" panose="020B0604020202020204" pitchFamily="34" charset="0"/>
               </a:rPr>
               <a:t>Счет за 5 фрейм равен 10, плюс бонус в 0 + 1.</a:t>
@@ -13663,40 +13641,28 @@
           <a:p>
             <a:pPr eaLnBrk="1" hangingPunct="1"/>
             <a:r>
-              <a:rPr lang="ru-RU" altLang="ru-RU" dirty="0" smtClean="0">
+              <a:rPr lang="ru-RU" altLang="ru-RU" dirty="0">
                 <a:latin typeface="Arial" panose="020B0604020202020204" pitchFamily="34" charset="0"/>
               </a:rPr>
               <a:t>В десятом фрейме игрок, выбивающий </a:t>
             </a:r>
             <a:r>
-              <a:rPr lang="ru-RU" altLang="ru-RU" dirty="0" err="1" smtClean="0">
+              <a:rPr lang="ru-RU" altLang="ru-RU" dirty="0" err="1">
                 <a:latin typeface="Arial" panose="020B0604020202020204" pitchFamily="34" charset="0"/>
               </a:rPr>
               <a:t>спэр</a:t>
             </a:r>
             <a:r>
-              <a:rPr lang="ru-RU" altLang="ru-RU" dirty="0" smtClean="0">
+              <a:rPr lang="ru-RU" altLang="ru-RU" dirty="0">
                 <a:latin typeface="Arial" panose="020B0604020202020204" pitchFamily="34" charset="0"/>
               </a:rPr>
-              <a:t> или </a:t>
-            </a:r>
-            <a:r>
-              <a:rPr lang="ru-RU" altLang="ru-RU" dirty="0" err="1" smtClean="0">
-                <a:latin typeface="Arial" panose="020B0604020202020204" pitchFamily="34" charset="0"/>
-              </a:rPr>
-              <a:t>страйк</a:t>
-            </a:r>
-            <a:r>
-              <a:rPr lang="ru-RU" altLang="ru-RU" dirty="0" smtClean="0">
-                <a:latin typeface="Arial" panose="020B0604020202020204" pitchFamily="34" charset="0"/>
-              </a:rPr>
-              <a:t>, получает дополнительный бросок, чтобы закончить фрейм. Максимальное число бросков в десятом фрейме – 3. Бонусные очки в этом фрейме не начисляются.</a:t>
+              <a:t> или страйк, получает дополнительный бросок, чтобы закончить фрейм. Максимальное число бросков в десятом фрейме – 3. Бонусные очки в этом фрейме не начисляются.</a:t>
             </a:r>
           </a:p>
           <a:p>
             <a:pPr eaLnBrk="1" hangingPunct="1"/>
             <a:r>
-              <a:rPr lang="ru-RU" altLang="ru-RU" i="1" dirty="0" smtClean="0">
+              <a:rPr lang="ru-RU" altLang="ru-RU" i="1" dirty="0">
                 <a:latin typeface="Arial" panose="020B0604020202020204" pitchFamily="34" charset="0"/>
               </a:rPr>
               <a:t>В 9 фрейме счет за фрейм равен 10 + 2 + 8. За 10 фрейм счет равен 2 + 8 + 6.</a:t>
@@ -13714,13 +13680,6 @@
   <p:clrMapOvr>
     <a:masterClrMapping/>
   </p:clrMapOvr>
-  <p:timing>
-    <p:tnLst>
-      <p:par>
-        <p:cTn id="1" dur="indefinite" restart="never" nodeType="tmRoot"/>
-      </p:par>
-    </p:tnLst>
-  </p:timing>
 </p:sld>
 </file>
 
@@ -13873,13 +13832,6 @@
   <p:clrMapOvr>
     <a:masterClrMapping/>
   </p:clrMapOvr>
-  <p:timing>
-    <p:tnLst>
-      <p:par>
-        <p:cTn id="1" dur="indefinite" restart="never" nodeType="tmRoot"/>
-      </p:par>
-    </p:tnLst>
-  </p:timing>
 </p:sld>
 </file>
 
@@ -13995,21 +13947,6 @@
   <p:clrMapOvr>
     <a:masterClrMapping/>
   </p:clrMapOvr>
-  <mc:AlternateContent xmlns:mc="http://schemas.openxmlformats.org/markup-compatibility/2006">
-    <mc:Choice xmlns:p14="http://schemas.microsoft.com/office/powerpoint/2010/main" Requires="p14">
-      <p:transition spd="slow" p14:dur="2000"/>
-    </mc:Choice>
-    <mc:Fallback>
-      <p:transition spd="slow"/>
-    </mc:Fallback>
-  </mc:AlternateContent>
-  <p:timing>
-    <p:tnLst>
-      <p:par>
-        <p:cTn id="1" dur="indefinite" restart="never" nodeType="tmRoot"/>
-      </p:par>
-    </p:tnLst>
-  </p:timing>
 </p:sld>
 </file>
 
@@ -14104,14 +14041,6 @@
   <p:clrMapOvr>
     <a:masterClrMapping/>
   </p:clrMapOvr>
-  <mc:AlternateContent xmlns:mc="http://schemas.openxmlformats.org/markup-compatibility/2006">
-    <mc:Choice xmlns:p14="http://schemas.microsoft.com/office/powerpoint/2010/main" Requires="p14">
-      <p:transition spd="slow" p14:dur="2000"/>
-    </mc:Choice>
-    <mc:Fallback>
-      <p:transition spd="slow"/>
-    </mc:Fallback>
-  </mc:AlternateContent>
 </p:sld>
 </file>
 
@@ -14745,10 +14674,6 @@
             <a:r>
               <a:rPr lang="ru-RU" sz="2100" dirty="0"/>
               <a:t>Добавьте простейший код, проходящий тест.</a:t>
-            </a:r>
-            <a:r>
-              <a:rPr lang="en-US" sz="2100" dirty="0"/>
-              <a:t/>
             </a:r>
             <a:br>
               <a:rPr lang="en-US" sz="2100" dirty="0"/>
@@ -15603,10 +15528,6 @@
                 </a:solidFill>
               </a:rPr>
               <a:t>demo</a:t>
-            </a:r>
-            <a:r>
-              <a:rPr lang="en-US" dirty="0"/>
-              <a:t/>
             </a:r>
             <a:br>
               <a:rPr lang="en-US" dirty="0"/>

--- a/tdd.pptx
+++ b/tdd.pptx
@@ -6,7 +6,7 @@
     <p:sldMasterId id="2147483812" r:id="rId2"/>
   </p:sldMasterIdLst>
   <p:notesMasterIdLst>
-    <p:notesMasterId r:id="rId20"/>
+    <p:notesMasterId r:id="rId21"/>
   </p:notesMasterIdLst>
   <p:sldIdLst>
     <p:sldId id="362" r:id="rId3"/>
@@ -26,6 +26,7 @@
     <p:sldId id="322" r:id="rId17"/>
     <p:sldId id="366" r:id="rId18"/>
     <p:sldId id="365" r:id="rId19"/>
+    <p:sldId id="327" r:id="rId20"/>
   </p:sldIdLst>
   <p:sldSz cx="12192000" cy="6858000"/>
   <p:notesSz cx="6858000" cy="9144000"/>
@@ -166,6 +167,7 @@
         <p14:section name="Заключение" id="{AA203E91-F98F-41A1-8F75-19A6FD21C125}">
           <p14:sldIdLst>
             <p14:sldId id="365"/>
+            <p14:sldId id="327"/>
           </p14:sldIdLst>
         </p14:section>
       </p14:sectionLst>
@@ -200,10 +202,6 @@
     </p:ext>
   </p:extLst>
 </p:presentation>
-</file>
-
-<file path=ppt/revisionInfo.xml><?xml version="1.0" encoding="utf-8"?>
-<p1510:revInfo xmlns:a="http://schemas.openxmlformats.org/drawingml/2006/main" xmlns:r="http://schemas.openxmlformats.org/officeDocument/2006/relationships" xmlns:p1510="http://schemas.microsoft.com/office/powerpoint/2015/10/main"/>
 </file>
 
 <file path=ppt/diagrams/colors1.xml><?xml version="1.0" encoding="utf-8"?>
@@ -7153,7 +7151,7 @@
           <a:p>
             <a:fld id="{16E5F246-0B7D-44DF-8C1B-EDFCA5DA626A}" type="datetimeFigureOut">
               <a:rPr lang="ru-RU" smtClean="0"/>
-              <a:t>12.11.2017</a:t>
+              <a:t>16.04.2018</a:t>
             </a:fld>
             <a:endParaRPr lang="ru-RU"/>
           </a:p>
@@ -12479,7 +12477,19 @@
               <a:rPr lang="en-US" dirty="0">
                 <a:hlinkClick r:id="rId2"/>
               </a:rPr>
-              <a:t>https://github.com/kontur-csharper/</a:t>
+              <a:t>https://github.com/</a:t>
+            </a:r>
+            <a:r>
+              <a:rPr lang="en-US" dirty="0">
+                <a:hlinkClick r:id="rId3"/>
+              </a:rPr>
+              <a:t>kontur-courses</a:t>
+            </a:r>
+            <a:r>
+              <a:rPr lang="en-US" dirty="0">
+                <a:hlinkClick r:id="rId2"/>
+              </a:rPr>
+              <a:t>/</a:t>
             </a:r>
             <a:r>
               <a:rPr lang="en-US" b="1" dirty="0">
@@ -12489,30 +12499,6 @@
             </a:r>
             <a:endParaRPr lang="en-US" b="1" dirty="0"/>
           </a:p>
-          <a:p>
-            <a:endParaRPr lang="en-US" dirty="0"/>
-          </a:p>
-        </p:txBody>
-      </p:sp>
-      <p:sp>
-        <p:nvSpPr>
-          <p:cNvPr id="3" name="Текст 2"/>
-          <p:cNvSpPr>
-            <a:spLocks noGrp="1"/>
-          </p:cNvSpPr>
-          <p:nvPr>
-            <p:ph type="body" sz="quarter" idx="11"/>
-          </p:nvPr>
-        </p:nvSpPr>
-        <p:spPr>
-          <a:xfrm>
-            <a:off x="4367213" y="5229225"/>
-            <a:ext cx="6529387" cy="439738"/>
-          </a:xfrm>
-        </p:spPr>
-        <p:txBody>
-          <a:bodyPr/>
-          <a:lstStyle/>
           <a:p>
             <a:endParaRPr lang="en-US" dirty="0"/>
           </a:p>
@@ -12527,7 +12513,7 @@
           <p:nvPr/>
         </p:nvPicPr>
         <p:blipFill>
-          <a:blip r:embed="rId3" cstate="print">
+          <a:blip r:embed="rId4" cstate="print">
             <a:extLst>
               <a:ext uri="{28A0092B-C50C-407E-A947-70E740481C1C}">
                 <a14:useLocalDpi xmlns:a14="http://schemas.microsoft.com/office/drawing/2010/main" val="0"/>
@@ -13278,7 +13264,7 @@
           <a:graphicData uri="http://schemas.openxmlformats.org/presentationml/2006/ole">
             <mc:AlternateContent xmlns:mc="http://schemas.openxmlformats.org/markup-compatibility/2006">
               <mc:Choice xmlns:v="urn:schemas-microsoft-com:vml" Requires="v">
-                <p:oleObj spid="_x0000_s1095" name="VISIO" r:id="rId4" imgW="2544803" imgH="251238" progId="Visio.Drawing.5">
+                <p:oleObj spid="_x0000_s1098" name="VISIO" r:id="rId4" imgW="2544803" imgH="251238" progId="Visio.Drawing.5">
                   <p:embed/>
                 </p:oleObj>
               </mc:Choice>
@@ -14035,6 +14021,201 @@
     <p:extLst>
       <p:ext uri="{BB962C8B-B14F-4D97-AF65-F5344CB8AC3E}">
         <p14:creationId xmlns:p14="http://schemas.microsoft.com/office/powerpoint/2010/main" val="3961489847"/>
+      </p:ext>
+    </p:extLst>
+  </p:cSld>
+  <p:clrMapOvr>
+    <a:masterClrMapping/>
+  </p:clrMapOvr>
+</p:sld>
+</file>
+
+<file path=ppt/slides/slide18.xml><?xml version="1.0" encoding="utf-8"?>
+<p:sld xmlns:a="http://schemas.openxmlformats.org/drawingml/2006/main" xmlns:r="http://schemas.openxmlformats.org/officeDocument/2006/relationships" xmlns:p="http://schemas.openxmlformats.org/presentationml/2006/main">
+  <p:cSld>
+    <p:spTree>
+      <p:nvGrpSpPr>
+        <p:cNvPr id="1" name=""/>
+        <p:cNvGrpSpPr/>
+        <p:nvPr/>
+      </p:nvGrpSpPr>
+      <p:grpSpPr>
+        <a:xfrm>
+          <a:off x="0" y="0"/>
+          <a:ext cx="0" cy="0"/>
+          <a:chOff x="0" y="0"/>
+          <a:chExt cx="0" cy="0"/>
+        </a:xfrm>
+      </p:grpSpPr>
+      <p:sp>
+        <p:nvSpPr>
+          <p:cNvPr id="2" name="Объект 1">
+            <a:extLst>
+              <a:ext uri="{FF2B5EF4-FFF2-40B4-BE49-F238E27FC236}">
+                <a16:creationId xmlns:a16="http://schemas.microsoft.com/office/drawing/2014/main" id="{4E05C4A9-0667-45B8-AC59-85FD9C81BD21}"/>
+              </a:ext>
+            </a:extLst>
+          </p:cNvPr>
+          <p:cNvSpPr>
+            <a:spLocks noGrp="1"/>
+          </p:cNvSpPr>
+          <p:nvPr>
+            <p:ph sz="quarter" idx="13"/>
+          </p:nvPr>
+        </p:nvSpPr>
+        <p:spPr/>
+        <p:txBody>
+          <a:bodyPr anchor="t">
+            <a:normAutofit/>
+          </a:bodyPr>
+          <a:lstStyle/>
+          <a:p>
+            <a:pPr marL="0" indent="0">
+              <a:buNone/>
+            </a:pPr>
+            <a:endParaRPr lang="en-US" dirty="0"/>
+          </a:p>
+          <a:p>
+            <a:pPr marL="0" indent="0">
+              <a:buNone/>
+            </a:pPr>
+            <a:endParaRPr lang="en-US" dirty="0"/>
+          </a:p>
+          <a:p>
+            <a:pPr marL="0" indent="0">
+              <a:buNone/>
+            </a:pPr>
+            <a:endParaRPr lang="en-US" dirty="0"/>
+          </a:p>
+          <a:p>
+            <a:pPr marL="0" indent="0" algn="ctr">
+              <a:buNone/>
+            </a:pPr>
+            <a:r>
+              <a:rPr lang="ru-RU" sz="2800" dirty="0"/>
+              <a:t>Заполни форму обратной связи по ссылке</a:t>
+            </a:r>
+          </a:p>
+          <a:p>
+            <a:pPr marL="0" indent="0" algn="ctr">
+              <a:buNone/>
+            </a:pPr>
+            <a:r>
+              <a:rPr lang="en-US" sz="2800" dirty="0">
+                <a:hlinkClick r:id="rId2"/>
+              </a:rPr>
+              <a:t>http://bit.ly/kontur-courses-feedback</a:t>
+            </a:r>
+            <a:endParaRPr lang="ru-RU" sz="2800" dirty="0"/>
+          </a:p>
+          <a:p>
+            <a:pPr marL="0" indent="0" algn="ctr">
+              <a:buNone/>
+            </a:pPr>
+            <a:r>
+              <a:rPr lang="ru-RU" sz="2800" dirty="0"/>
+              <a:t>или</a:t>
+            </a:r>
+            <a:endParaRPr lang="en-US" sz="2800" dirty="0"/>
+          </a:p>
+          <a:p>
+            <a:pPr marL="0" indent="0" algn="ctr">
+              <a:buNone/>
+            </a:pPr>
+            <a:r>
+              <a:rPr lang="ru-RU" sz="2800" dirty="0"/>
+              <a:t>по ярлыку </a:t>
+            </a:r>
+            <a:r>
+              <a:rPr lang="en-US" sz="2800" i="1" dirty="0">
+                <a:solidFill>
+                  <a:schemeClr val="accent1"/>
+                </a:solidFill>
+              </a:rPr>
+              <a:t>feedback</a:t>
+            </a:r>
+            <a:r>
+              <a:rPr lang="en-US" sz="2800" dirty="0"/>
+              <a:t> </a:t>
+            </a:r>
+            <a:r>
+              <a:rPr lang="ru-RU" sz="2800" dirty="0"/>
+              <a:t>в корне репозитория</a:t>
+            </a:r>
+          </a:p>
+        </p:txBody>
+      </p:sp>
+      <p:sp>
+        <p:nvSpPr>
+          <p:cNvPr id="3" name="Заголовок 2">
+            <a:extLst>
+              <a:ext uri="{FF2B5EF4-FFF2-40B4-BE49-F238E27FC236}">
+                <a16:creationId xmlns:a16="http://schemas.microsoft.com/office/drawing/2014/main" id="{1B72F5E6-5086-4A59-ADDF-28C342BF771A}"/>
+              </a:ext>
+            </a:extLst>
+          </p:cNvPr>
+          <p:cNvSpPr>
+            <a:spLocks noGrp="1"/>
+          </p:cNvSpPr>
+          <p:nvPr>
+            <p:ph type="title"/>
+          </p:nvPr>
+        </p:nvSpPr>
+        <p:spPr/>
+        <p:txBody>
+          <a:bodyPr/>
+          <a:lstStyle/>
+          <a:p>
+            <a:r>
+              <a:rPr lang="ru-RU" dirty="0"/>
+              <a:t>Обратная связь</a:t>
+            </a:r>
+          </a:p>
+        </p:txBody>
+      </p:sp>
+      <p:pic>
+        <p:nvPicPr>
+          <p:cNvPr id="5" name="Рисунок 4" descr="Речь">
+            <a:extLst>
+              <a:ext uri="{FF2B5EF4-FFF2-40B4-BE49-F238E27FC236}">
+                <a16:creationId xmlns:a16="http://schemas.microsoft.com/office/drawing/2014/main" id="{4CD964C9-55F6-450A-94E0-4A3D7D08BCAA}"/>
+              </a:ext>
+            </a:extLst>
+          </p:cNvPr>
+          <p:cNvPicPr>
+            <a:picLocks noChangeAspect="1"/>
+          </p:cNvPicPr>
+          <p:nvPr/>
+        </p:nvPicPr>
+        <p:blipFill>
+          <a:blip r:embed="rId3">
+            <a:extLst>
+              <a:ext uri="{28A0092B-C50C-407E-A947-70E740481C1C}">
+                <a14:useLocalDpi xmlns:a14="http://schemas.microsoft.com/office/drawing/2010/main" val="0"/>
+              </a:ext>
+              <a:ext uri="{96DAC541-7B7A-43D3-8B79-37D633B846F1}">
+                <asvg:svgBlip xmlns:asvg="http://schemas.microsoft.com/office/drawing/2016/SVG/main" r:embed="rId4"/>
+              </a:ext>
+            </a:extLst>
+          </a:blip>
+          <a:stretch>
+            <a:fillRect/>
+          </a:stretch>
+        </p:blipFill>
+        <p:spPr>
+          <a:xfrm>
+            <a:off x="5183290" y="1622285"/>
+            <a:ext cx="1825352" cy="1825352"/>
+          </a:xfrm>
+          <a:prstGeom prst="rect">
+            <a:avLst/>
+          </a:prstGeom>
+        </p:spPr>
+      </p:pic>
+    </p:spTree>
+    <p:extLst>
+      <p:ext uri="{BB962C8B-B14F-4D97-AF65-F5344CB8AC3E}">
+        <p14:creationId xmlns:p14="http://schemas.microsoft.com/office/powerpoint/2010/main" val="1635517412"/>
       </p:ext>
     </p:extLst>
   </p:cSld>
